--- a/presentations/Final Presentation.pptx
+++ b/presentations/Final Presentation.pptx
@@ -30,13 +30,15 @@
     <p:sldId id="275" r:id="rId24"/>
     <p:sldId id="276" r:id="rId25"/>
     <p:sldId id="277" r:id="rId26"/>
+    <p:sldId id="278" r:id="rId27"/>
+    <p:sldId id="279" r:id="rId28"/>
   </p:sldIdLst>
   <p:sldSz cy="5143500" cx="9144000"/>
   <p:notesSz cx="6858000" cy="9144000"/>
   <p:embeddedFontLst>
     <p:embeddedFont>
       <p:font typeface="Questrial"/>
-      <p:regular r:id="rId27"/>
+      <p:regular r:id="rId29"/>
     </p:embeddedFont>
   </p:embeddedFontLst>
   <p:defaultTextStyle>
@@ -1980,7 +1982,7 @@
   <p:cSld>
     <p:spTree>
       <p:nvGrpSpPr>
-        <p:cNvPr id="206" name="Shape 206"/>
+        <p:cNvPr id="205" name="Shape 205"/>
         <p:cNvGrpSpPr/>
         <p:nvPr/>
       </p:nvGrpSpPr>
@@ -1994,7 +1996,7 @@
       </p:grpSpPr>
       <p:sp>
         <p:nvSpPr>
-          <p:cNvPr id="207" name="Shape 207"/>
+          <p:cNvPr id="206" name="Shape 206"/>
           <p:cNvSpPr txBox="1"/>
           <p:nvPr>
             <p:ph idx="1" type="body"/>
@@ -2046,7 +2048,7 @@
       </p:sp>
       <p:sp>
         <p:nvSpPr>
-          <p:cNvPr id="208" name="Shape 208"/>
+          <p:cNvPr id="207" name="Shape 207"/>
           <p:cNvSpPr/>
           <p:nvPr>
             <p:ph idx="2" type="sldImg"/>
@@ -2101,7 +2103,7 @@
   <p:cSld>
     <p:spTree>
       <p:nvGrpSpPr>
-        <p:cNvPr id="216" name="Shape 216"/>
+        <p:cNvPr id="212" name="Shape 212"/>
         <p:cNvGrpSpPr/>
         <p:nvPr/>
       </p:nvGrpSpPr>
@@ -2115,7 +2117,7 @@
       </p:grpSpPr>
       <p:sp>
         <p:nvSpPr>
-          <p:cNvPr id="217" name="Shape 217"/>
+          <p:cNvPr id="213" name="Shape 213"/>
           <p:cNvSpPr txBox="1"/>
           <p:nvPr>
             <p:ph idx="1" type="body"/>
@@ -2167,7 +2169,249 @@
       </p:sp>
       <p:sp>
         <p:nvSpPr>
-          <p:cNvPr id="218" name="Shape 218"/>
+          <p:cNvPr id="214" name="Shape 214"/>
+          <p:cNvSpPr/>
+          <p:nvPr>
+            <p:ph idx="2" type="sldImg"/>
+          </p:nvPr>
+        </p:nvSpPr>
+        <p:spPr>
+          <a:xfrm>
+            <a:off x="381000" y="685800"/>
+            <a:ext cx="6096000" cy="3429000"/>
+          </a:xfrm>
+          <a:custGeom>
+            <a:pathLst>
+              <a:path extrusionOk="0" h="120000" w="120000">
+                <a:moveTo>
+                  <a:pt x="0" y="0"/>
+                </a:moveTo>
+                <a:lnTo>
+                  <a:pt x="120000" y="0"/>
+                </a:lnTo>
+                <a:lnTo>
+                  <a:pt x="120000" y="120000"/>
+                </a:lnTo>
+                <a:lnTo>
+                  <a:pt x="0" y="120000"/>
+                </a:lnTo>
+                <a:close/>
+              </a:path>
+            </a:pathLst>
+          </a:custGeom>
+          <a:noFill/>
+          <a:ln cap="flat" cmpd="sng" w="9525">
+            <a:solidFill>
+              <a:srgbClr val="000000"/>
+            </a:solidFill>
+            <a:prstDash val="solid"/>
+            <a:round/>
+            <a:headEnd len="med" w="med" type="none"/>
+            <a:tailEnd len="med" w="med" type="none"/>
+          </a:ln>
+        </p:spPr>
+      </p:sp>
+    </p:spTree>
+  </p:cSld>
+  <p:clrMapOvr>
+    <a:masterClrMapping/>
+  </p:clrMapOvr>
+</p:notes>
+</file>
+
+<file path=ppt/notesSlides/notesSlide23.xml><?xml version="1.0" encoding="utf-8"?>
+<p:notes xmlns:a="http://schemas.openxmlformats.org/drawingml/2006/main" xmlns:r="http://schemas.openxmlformats.org/officeDocument/2006/relationships" xmlns:mc="http://schemas.openxmlformats.org/markup-compatibility/2006" xmlns:mv="urn:schemas-microsoft-com:mac:vml" xmlns:p="http://schemas.openxmlformats.org/presentationml/2006/main" xmlns:c="http://schemas.openxmlformats.org/drawingml/2006/chart" xmlns:dgm="http://schemas.openxmlformats.org/drawingml/2006/diagram" xmlns:o="urn:schemas-microsoft-com:office:office" xmlns:v="urn:schemas-microsoft-com:vml" xmlns:pvml="urn:schemas-microsoft-com:office:powerpoint" xmlns:com="http://schemas.openxmlformats.org/drawingml/2006/compatibility" xmlns:p14="http://schemas.microsoft.com/office/powerpoint/2010/main" showMasterPhAnim="0" showMasterSp="0">
+  <p:cSld>
+    <p:spTree>
+      <p:nvGrpSpPr>
+        <p:cNvPr id="220" name="Shape 220"/>
+        <p:cNvGrpSpPr/>
+        <p:nvPr/>
+      </p:nvGrpSpPr>
+      <p:grpSpPr>
+        <a:xfrm>
+          <a:off x="0" y="0"/>
+          <a:ext cx="0" cy="0"/>
+          <a:chOff x="0" y="0"/>
+          <a:chExt cx="0" cy="0"/>
+        </a:xfrm>
+      </p:grpSpPr>
+      <p:sp>
+        <p:nvSpPr>
+          <p:cNvPr id="221" name="Shape 221"/>
+          <p:cNvSpPr txBox="1"/>
+          <p:nvPr>
+            <p:ph idx="1" type="body"/>
+          </p:nvPr>
+        </p:nvSpPr>
+        <p:spPr>
+          <a:xfrm>
+            <a:off x="685800" y="4343400"/>
+            <a:ext cx="5486399" cy="4114800"/>
+          </a:xfrm>
+          <a:prstGeom prst="rect">
+            <a:avLst/>
+          </a:prstGeom>
+          <a:noFill/>
+          <a:ln>
+            <a:noFill/>
+          </a:ln>
+        </p:spPr>
+        <p:txBody>
+          <a:bodyPr anchorCtr="0" anchor="ctr" bIns="91425" lIns="91425" rIns="91425" tIns="91425">
+            <a:noAutofit/>
+          </a:bodyPr>
+          <a:lstStyle/>
+          <a:p>
+            <a:pPr indent="0" lvl="0" marL="0" marR="0" rtl="0" algn="l">
+              <a:spcBef>
+                <a:spcPts val="0"/>
+              </a:spcBef>
+              <a:buClr>
+                <a:schemeClr val="dk1"/>
+              </a:buClr>
+              <a:buFont typeface="Arial"/>
+              <a:buNone/>
+            </a:pPr>
+            <a:r>
+              <a:t/>
+            </a:r>
+            <a:endParaRPr b="0" baseline="0" i="0" sz="1100" u="none" cap="none" strike="noStrike">
+              <a:solidFill>
+                <a:schemeClr val="dk1"/>
+              </a:solidFill>
+              <a:latin typeface="Arial"/>
+              <a:ea typeface="Arial"/>
+              <a:cs typeface="Arial"/>
+              <a:sym typeface="Arial"/>
+            </a:endParaRPr>
+          </a:p>
+        </p:txBody>
+      </p:sp>
+      <p:sp>
+        <p:nvSpPr>
+          <p:cNvPr id="222" name="Shape 222"/>
+          <p:cNvSpPr/>
+          <p:nvPr>
+            <p:ph idx="2" type="sldImg"/>
+          </p:nvPr>
+        </p:nvSpPr>
+        <p:spPr>
+          <a:xfrm>
+            <a:off x="381000" y="685800"/>
+            <a:ext cx="6096000" cy="3429000"/>
+          </a:xfrm>
+          <a:custGeom>
+            <a:pathLst>
+              <a:path extrusionOk="0" h="120000" w="120000">
+                <a:moveTo>
+                  <a:pt x="0" y="0"/>
+                </a:moveTo>
+                <a:lnTo>
+                  <a:pt x="120000" y="0"/>
+                </a:lnTo>
+                <a:lnTo>
+                  <a:pt x="120000" y="120000"/>
+                </a:lnTo>
+                <a:lnTo>
+                  <a:pt x="0" y="120000"/>
+                </a:lnTo>
+                <a:close/>
+              </a:path>
+            </a:pathLst>
+          </a:custGeom>
+          <a:noFill/>
+          <a:ln cap="flat" cmpd="sng" w="9525">
+            <a:solidFill>
+              <a:srgbClr val="000000"/>
+            </a:solidFill>
+            <a:prstDash val="solid"/>
+            <a:round/>
+            <a:headEnd len="med" w="med" type="none"/>
+            <a:tailEnd len="med" w="med" type="none"/>
+          </a:ln>
+        </p:spPr>
+      </p:sp>
+    </p:spTree>
+  </p:cSld>
+  <p:clrMapOvr>
+    <a:masterClrMapping/>
+  </p:clrMapOvr>
+</p:notes>
+</file>
+
+<file path=ppt/notesSlides/notesSlide24.xml><?xml version="1.0" encoding="utf-8"?>
+<p:notes xmlns:a="http://schemas.openxmlformats.org/drawingml/2006/main" xmlns:r="http://schemas.openxmlformats.org/officeDocument/2006/relationships" xmlns:mc="http://schemas.openxmlformats.org/markup-compatibility/2006" xmlns:mv="urn:schemas-microsoft-com:mac:vml" xmlns:p="http://schemas.openxmlformats.org/presentationml/2006/main" xmlns:c="http://schemas.openxmlformats.org/drawingml/2006/chart" xmlns:dgm="http://schemas.openxmlformats.org/drawingml/2006/diagram" xmlns:o="urn:schemas-microsoft-com:office:office" xmlns:v="urn:schemas-microsoft-com:vml" xmlns:pvml="urn:schemas-microsoft-com:office:powerpoint" xmlns:com="http://schemas.openxmlformats.org/drawingml/2006/compatibility" xmlns:p14="http://schemas.microsoft.com/office/powerpoint/2010/main" showMasterPhAnim="0" showMasterSp="0">
+  <p:cSld>
+    <p:spTree>
+      <p:nvGrpSpPr>
+        <p:cNvPr id="226" name="Shape 226"/>
+        <p:cNvGrpSpPr/>
+        <p:nvPr/>
+      </p:nvGrpSpPr>
+      <p:grpSpPr>
+        <a:xfrm>
+          <a:off x="0" y="0"/>
+          <a:ext cx="0" cy="0"/>
+          <a:chOff x="0" y="0"/>
+          <a:chExt cx="0" cy="0"/>
+        </a:xfrm>
+      </p:grpSpPr>
+      <p:sp>
+        <p:nvSpPr>
+          <p:cNvPr id="227" name="Shape 227"/>
+          <p:cNvSpPr txBox="1"/>
+          <p:nvPr>
+            <p:ph idx="1" type="body"/>
+          </p:nvPr>
+        </p:nvSpPr>
+        <p:spPr>
+          <a:xfrm>
+            <a:off x="685800" y="4343400"/>
+            <a:ext cx="5486399" cy="4114800"/>
+          </a:xfrm>
+          <a:prstGeom prst="rect">
+            <a:avLst/>
+          </a:prstGeom>
+          <a:noFill/>
+          <a:ln>
+            <a:noFill/>
+          </a:ln>
+        </p:spPr>
+        <p:txBody>
+          <a:bodyPr anchorCtr="0" anchor="ctr" bIns="91425" lIns="91425" rIns="91425" tIns="91425">
+            <a:noAutofit/>
+          </a:bodyPr>
+          <a:lstStyle/>
+          <a:p>
+            <a:pPr indent="0" lvl="0" marL="0" marR="0" rtl="0" algn="l">
+              <a:spcBef>
+                <a:spcPts val="0"/>
+              </a:spcBef>
+              <a:buClr>
+                <a:schemeClr val="dk1"/>
+              </a:buClr>
+              <a:buFont typeface="Arial"/>
+              <a:buNone/>
+            </a:pPr>
+            <a:r>
+              <a:t/>
+            </a:r>
+            <a:endParaRPr b="0" baseline="0" i="0" sz="1100" u="none" cap="none" strike="noStrike">
+              <a:solidFill>
+                <a:schemeClr val="dk1"/>
+              </a:solidFill>
+              <a:latin typeface="Arial"/>
+              <a:ea typeface="Arial"/>
+              <a:cs typeface="Arial"/>
+              <a:sym typeface="Arial"/>
+            </a:endParaRPr>
+          </a:p>
+        </p:txBody>
+      </p:sp>
+      <p:sp>
+        <p:nvSpPr>
+          <p:cNvPr id="228" name="Shape 228"/>
           <p:cNvSpPr/>
           <p:nvPr>
             <p:ph idx="2" type="sldImg"/>
@@ -15305,6 +15549,15 @@
             </a:pPr>
             <a:r>
               <a:rPr lang="en" sz="2000">
+                <a:latin typeface="Questrial"/>
+                <a:ea typeface="Questrial"/>
+                <a:cs typeface="Questrial"/>
+                <a:sym typeface="Questrial"/>
+              </a:rPr>
+              <a:t>‣ </a:t>
+            </a:r>
+            <a:r>
+              <a:rPr lang="en" sz="2000">
                 <a:solidFill>
                   <a:srgbClr val="7F7F7F"/>
                 </a:solidFill>
@@ -15500,10 +15753,19 @@
               <a:buClr>
                 <a:schemeClr val="dk1"/>
               </a:buClr>
-              <a:buSzPct val="52380"/>
+              <a:buSzPct val="55000"/>
               <a:buFont typeface="Arial"/>
               <a:buNone/>
             </a:pPr>
+            <a:r>
+              <a:rPr lang="en" sz="2000">
+                <a:latin typeface="Questrial"/>
+                <a:ea typeface="Questrial"/>
+                <a:cs typeface="Questrial"/>
+                <a:sym typeface="Questrial"/>
+              </a:rPr>
+              <a:t>‣ </a:t>
+            </a:r>
             <a:r>
               <a:rPr lang="en" sz="2100">
                 <a:solidFill>
@@ -15728,7 +15990,7 @@
           </a:bodyPr>
           <a:lstStyle/>
           <a:p>
-            <a:pPr indent="-165100" lvl="0" marL="177800" marR="0" rtl="0" algn="l">
+            <a:pPr indent="0" lvl="0" marL="0" marR="0" rtl="0" algn="l">
               <a:lnSpc>
                 <a:spcPct val="90000"/>
               </a:lnSpc>
@@ -15738,38 +16000,17 @@
               <a:spcAft>
                 <a:spcPts val="0"/>
               </a:spcAft>
-              <a:buClr>
-                <a:srgbClr val="7F7F7F"/>
-              </a:buClr>
-              <a:buSzPct val="100000"/>
-              <a:buFont typeface="Arial"/>
-              <a:buChar char="•"/>
+              <a:buNone/>
             </a:pPr>
             <a:r>
               <a:rPr lang="en" sz="2000">
-                <a:solidFill>
-                  <a:srgbClr val="7F7F7F"/>
-                </a:solidFill>
                 <a:latin typeface="Questrial"/>
                 <a:ea typeface="Questrial"/>
                 <a:cs typeface="Questrial"/>
                 <a:sym typeface="Questrial"/>
               </a:rPr>
-              <a:t>Since all the independent variables here are categorical, not continuous, need to convert the categorical variables into a form that “makes sense” to regression analysis.</a:t>
-            </a:r>
-          </a:p>
-          <a:p>
-            <a:pPr indent="12700" lvl="0" rtl="0">
-              <a:spcBef>
-                <a:spcPts val="0"/>
-              </a:spcBef>
-              <a:buClr>
-                <a:srgbClr val="7F7F7F"/>
-              </a:buClr>
-              <a:buSzPct val="100000"/>
-              <a:buFont typeface="Questrial"/>
-              <a:buChar char="•"/>
-            </a:pPr>
+              <a:t>‣ </a:t>
+            </a:r>
             <a:r>
               <a:rPr lang="en" sz="2000">
                 <a:solidFill>
@@ -15780,19 +16021,24 @@
                 <a:cs typeface="Questrial"/>
                 <a:sym typeface="Questrial"/>
               </a:rPr>
-              <a:t>All the independent variables are categorical; this is also known as an </a:t>
-            </a:r>
-            <a:r>
-              <a:rPr b="1" lang="en" sz="2000">
-                <a:solidFill>
-                  <a:srgbClr val="7F7F7F"/>
-                </a:solidFill>
+              <a:t>Since all the independent variables here are categorical, not continuous, need to convert the categorical variables into a form that “makes sense” to regression analysis.</a:t>
+            </a:r>
+          </a:p>
+          <a:p>
+            <a:pPr indent="0" lvl="0" marL="0" rtl="0">
+              <a:spcBef>
+                <a:spcPts val="0"/>
+              </a:spcBef>
+              <a:buNone/>
+            </a:pPr>
+            <a:r>
+              <a:rPr lang="en" sz="2000">
                 <a:latin typeface="Questrial"/>
                 <a:ea typeface="Questrial"/>
                 <a:cs typeface="Questrial"/>
                 <a:sym typeface="Questrial"/>
               </a:rPr>
-              <a:t>analysis of variance </a:t>
+              <a:t>‣ </a:t>
             </a:r>
             <a:r>
               <a:rPr lang="en" sz="2000">
@@ -15804,29 +16050,10 @@
                 <a:cs typeface="Questrial"/>
                 <a:sym typeface="Questrial"/>
               </a:rPr>
-              <a:t>(ANOVA).</a:t>
-            </a:r>
-          </a:p>
-          <a:p>
-            <a:pPr indent="-165100" lvl="0" marL="177800" marR="0" rtl="0" algn="l">
-              <a:lnSpc>
-                <a:spcPct val="90000"/>
-              </a:lnSpc>
-              <a:spcBef>
-                <a:spcPts val="0"/>
-              </a:spcBef>
-              <a:spcAft>
-                <a:spcPts val="0"/>
-              </a:spcAft>
-              <a:buClr>
-                <a:srgbClr val="7F7F7F"/>
-              </a:buClr>
-              <a:buSzPct val="100000"/>
-              <a:buFont typeface="Questrial"/>
-              <a:buChar char="•"/>
-            </a:pPr>
-            <a:r>
-              <a:rPr lang="en" sz="2000">
+              <a:t>All the independent variables are categorical; this is also known as an </a:t>
+            </a:r>
+            <a:r>
+              <a:rPr b="1" lang="en" sz="2000">
                 <a:solidFill>
                   <a:srgbClr val="7F7F7F"/>
                 </a:solidFill>
@@ -15835,11 +16062,23 @@
                 <a:cs typeface="Questrial"/>
                 <a:sym typeface="Questrial"/>
               </a:rPr>
-              <a:t>Basically need to numerically represent the categories of a variable, called dummy variables, data coded according to 0 and 1 scheme.</a:t>
+              <a:t>analysis of variance </a:t>
+            </a:r>
+            <a:r>
+              <a:rPr lang="en" sz="2000">
+                <a:solidFill>
+                  <a:srgbClr val="7F7F7F"/>
+                </a:solidFill>
+                <a:latin typeface="Questrial"/>
+                <a:ea typeface="Questrial"/>
+                <a:cs typeface="Questrial"/>
+                <a:sym typeface="Questrial"/>
+              </a:rPr>
+              <a:t>(ANOVA).</a:t>
             </a:r>
           </a:p>
           <a:p>
-            <a:pPr indent="-165100" lvl="0" marL="177800" marR="0" rtl="0" algn="l">
+            <a:pPr indent="0" lvl="0" marL="0" marR="0" rtl="0" algn="l">
               <a:lnSpc>
                 <a:spcPct val="90000"/>
               </a:lnSpc>
@@ -15849,13 +16088,52 @@
               <a:spcAft>
                 <a:spcPts val="0"/>
               </a:spcAft>
-              <a:buClr>
-                <a:srgbClr val="7F7F7F"/>
-              </a:buClr>
-              <a:buSzPct val="100000"/>
-              <a:buFont typeface="Questrial"/>
-              <a:buChar char="•"/>
+              <a:buNone/>
             </a:pPr>
+            <a:r>
+              <a:rPr lang="en" sz="2000">
+                <a:latin typeface="Questrial"/>
+                <a:ea typeface="Questrial"/>
+                <a:cs typeface="Questrial"/>
+                <a:sym typeface="Questrial"/>
+              </a:rPr>
+              <a:t>‣ </a:t>
+            </a:r>
+            <a:r>
+              <a:rPr lang="en" sz="2000">
+                <a:solidFill>
+                  <a:srgbClr val="7F7F7F"/>
+                </a:solidFill>
+                <a:latin typeface="Questrial"/>
+                <a:ea typeface="Questrial"/>
+                <a:cs typeface="Questrial"/>
+                <a:sym typeface="Questrial"/>
+              </a:rPr>
+              <a:t>Basically need to numerically represent the categories of a variable, called dummy variables, data coded according to 0 and 1 scheme.</a:t>
+            </a:r>
+          </a:p>
+          <a:p>
+            <a:pPr indent="0" lvl="0" marL="0" marR="0" rtl="0" algn="l">
+              <a:lnSpc>
+                <a:spcPct val="90000"/>
+              </a:lnSpc>
+              <a:spcBef>
+                <a:spcPts val="0"/>
+              </a:spcBef>
+              <a:spcAft>
+                <a:spcPts val="0"/>
+              </a:spcAft>
+              <a:buNone/>
+            </a:pPr>
+            <a:r>
+              <a:rPr lang="en" sz="2000">
+                <a:latin typeface="Questrial"/>
+                <a:ea typeface="Questrial"/>
+                <a:cs typeface="Questrial"/>
+                <a:sym typeface="Questrial"/>
+              </a:rPr>
+              <a:t>‣ </a:t>
+            </a:r>
             <a:r>
               <a:rPr lang="en" sz="2000">
                 <a:solidFill>
@@ -16034,7 +16312,7 @@
           </a:bodyPr>
           <a:lstStyle/>
           <a:p>
-            <a:pPr indent="-171450" lvl="0" marL="177800" marR="0" rtl="0" algn="l">
+            <a:pPr indent="0" lvl="0" marL="0" marR="0" rtl="0" algn="l">
               <a:lnSpc>
                 <a:spcPct val="90000"/>
               </a:lnSpc>
@@ -16044,28 +16322,32 @@
               <a:spcAft>
                 <a:spcPts val="0"/>
               </a:spcAft>
-              <a:buClr>
-                <a:srgbClr val="7F7F7F"/>
-              </a:buClr>
-              <a:buSzPct val="100000"/>
-              <a:buFont typeface="Arial"/>
-              <a:buChar char="•"/>
+              <a:buNone/>
             </a:pPr>
             <a:r>
-              <a:rPr b="0" baseline="0" i="0" lang="en" sz="2100" u="none" cap="none" strike="noStrike">
-                <a:solidFill>
-                  <a:srgbClr val="7F7F7F"/>
-                </a:solidFill>
+              <a:rPr lang="en" sz="2000">
                 <a:latin typeface="Questrial"/>
                 <a:ea typeface="Questrial"/>
                 <a:cs typeface="Questrial"/>
                 <a:sym typeface="Questrial"/>
               </a:rPr>
+              <a:t>‣ </a:t>
+            </a:r>
+            <a:r>
+              <a:rPr b="0" baseline="0" i="0" lang="en" sz="2100" u="none" cap="none" strike="noStrike">
+                <a:solidFill>
+                  <a:srgbClr val="7F7F7F"/>
+                </a:solidFill>
+                <a:latin typeface="Questrial"/>
+                <a:ea typeface="Questrial"/>
+                <a:cs typeface="Questrial"/>
+                <a:sym typeface="Questrial"/>
+              </a:rPr>
               <a:t>Using Pandas get_dummies() function, create feature vectors for the independent variables: rating, genre(s), director(s), writer(s), actors. For example, a typical feature vector for actors would be a dataframe that would have movie IDs as rows and list of actors (from the movies in the dataset) as columns (dummy variables). If a specific actor was present in a specific movie, their intersection would have value 1; 0 otherwise.</a:t>
             </a:r>
           </a:p>
           <a:p>
-            <a:pPr indent="-171450" lvl="0" marL="177800" marR="0" rtl="0" algn="l">
+            <a:pPr indent="0" lvl="0" marL="0" marR="0" rtl="0" algn="l">
               <a:lnSpc>
                 <a:spcPct val="90000"/>
               </a:lnSpc>
@@ -16075,13 +16357,17 @@
               <a:spcAft>
                 <a:spcPts val="0"/>
               </a:spcAft>
-              <a:buClr>
-                <a:srgbClr val="7F7F7F"/>
-              </a:buClr>
-              <a:buSzPct val="100000"/>
-              <a:buFont typeface="Arial"/>
-              <a:buChar char="•"/>
+              <a:buNone/>
             </a:pPr>
+            <a:r>
+              <a:rPr lang="en" sz="2000">
+                <a:latin typeface="Questrial"/>
+                <a:ea typeface="Questrial"/>
+                <a:cs typeface="Questrial"/>
+                <a:sym typeface="Questrial"/>
+              </a:rPr>
+              <a:t>‣ </a:t>
+            </a:r>
             <a:r>
               <a:rPr b="0" baseline="0" i="0" lang="en" sz="2100" u="none" cap="none" strike="noStrike">
                 <a:solidFill>
@@ -16230,7 +16516,7 @@
           </a:bodyPr>
           <a:lstStyle/>
           <a:p>
-            <a:pPr indent="-171450" lvl="0" marL="177800" marR="0" rtl="0" algn="l">
+            <a:pPr indent="0" lvl="0" marL="0" marR="0" rtl="0" algn="l">
               <a:lnSpc>
                 <a:spcPct val="90000"/>
               </a:lnSpc>
@@ -16240,44 +16526,17 @@
               <a:spcAft>
                 <a:spcPts val="0"/>
               </a:spcAft>
-              <a:buClr>
-                <a:srgbClr val="7F7F7F"/>
-              </a:buClr>
-              <a:buSzPct val="100000"/>
-              <a:buFont typeface="Arial"/>
-              <a:buChar char="•"/>
+              <a:buNone/>
             </a:pPr>
             <a:r>
-              <a:rPr b="0" baseline="0" i="0" lang="en" sz="2100" u="none" cap="none" strike="noStrike">
-                <a:solidFill>
-                  <a:srgbClr val="7F7F7F"/>
-                </a:solidFill>
+              <a:rPr lang="en" sz="2000">
                 <a:latin typeface="Questrial"/>
                 <a:ea typeface="Questrial"/>
                 <a:cs typeface="Questrial"/>
                 <a:sym typeface="Questrial"/>
               </a:rPr>
-              <a:t>Import scikit-learn module, instantiate the linear regression model and “fit” the x and y dataframes corresponding to the user-specified feature columns and the outcome prediction column.</a:t>
-            </a:r>
-          </a:p>
-          <a:p>
-            <a:pPr indent="-171450" lvl="0" marL="177800" marR="0" rtl="0" algn="l">
-              <a:lnSpc>
-                <a:spcPct val="90000"/>
-              </a:lnSpc>
-              <a:spcBef>
-                <a:spcPts val="0"/>
-              </a:spcBef>
-              <a:spcAft>
-                <a:spcPts val="0"/>
-              </a:spcAft>
-              <a:buClr>
-                <a:srgbClr val="7F7F7F"/>
-              </a:buClr>
-              <a:buSzPct val="100000"/>
-              <a:buFont typeface="Arial"/>
-              <a:buChar char="•"/>
-            </a:pPr>
+              <a:t>‣ </a:t>
+            </a:r>
             <a:r>
               <a:rPr b="0" baseline="0" i="0" lang="en" sz="2100" u="none" cap="none" strike="noStrike">
                 <a:solidFill>
@@ -16288,11 +16547,11 @@
                 <a:cs typeface="Questrial"/>
                 <a:sym typeface="Questrial"/>
               </a:rPr>
-              <a:t>For example, if the user entered “R”, “Quentin Tarantino”, “Leonardo DiCaprio” as the predictors, dataframe x would contain only those columns from the original dataset.</a:t>
+              <a:t>Import scikit-learn module, instantiate the linear regression model and “fit” the x and y dataframes corresponding to the user-specified feature columns and the outcome prediction column.</a:t>
             </a:r>
           </a:p>
           <a:p>
-            <a:pPr indent="-171450" lvl="0" marL="177800" marR="0" rtl="0" algn="l">
+            <a:pPr indent="0" lvl="0" marL="0" marR="0" rtl="0" algn="l">
               <a:lnSpc>
                 <a:spcPct val="90000"/>
               </a:lnSpc>
@@ -16302,13 +16561,52 @@
               <a:spcAft>
                 <a:spcPts val="0"/>
               </a:spcAft>
-              <a:buClr>
-                <a:srgbClr val="7F7F7F"/>
-              </a:buClr>
-              <a:buSzPct val="100000"/>
-              <a:buFont typeface="Arial"/>
-              <a:buChar char="•"/>
+              <a:buNone/>
             </a:pPr>
+            <a:r>
+              <a:rPr lang="en" sz="2000">
+                <a:latin typeface="Questrial"/>
+                <a:ea typeface="Questrial"/>
+                <a:cs typeface="Questrial"/>
+                <a:sym typeface="Questrial"/>
+              </a:rPr>
+              <a:t>‣ </a:t>
+            </a:r>
+            <a:r>
+              <a:rPr b="0" baseline="0" i="0" lang="en" sz="2100" u="none" cap="none" strike="noStrike">
+                <a:solidFill>
+                  <a:srgbClr val="7F7F7F"/>
+                </a:solidFill>
+                <a:latin typeface="Questrial"/>
+                <a:ea typeface="Questrial"/>
+                <a:cs typeface="Questrial"/>
+                <a:sym typeface="Questrial"/>
+              </a:rPr>
+              <a:t>For example, if the user entered “R”, “Quentin Tarantino”, “Leonardo DiCaprio” as the predictors, dataframe x would contain only those columns from the original dataset.</a:t>
+            </a:r>
+          </a:p>
+          <a:p>
+            <a:pPr indent="0" lvl="0" marL="0" marR="0" rtl="0" algn="l">
+              <a:lnSpc>
+                <a:spcPct val="90000"/>
+              </a:lnSpc>
+              <a:spcBef>
+                <a:spcPts val="0"/>
+              </a:spcBef>
+              <a:spcAft>
+                <a:spcPts val="0"/>
+              </a:spcAft>
+              <a:buNone/>
+            </a:pPr>
+            <a:r>
+              <a:rPr lang="en" sz="2000">
+                <a:latin typeface="Questrial"/>
+                <a:ea typeface="Questrial"/>
+                <a:cs typeface="Questrial"/>
+                <a:sym typeface="Questrial"/>
+              </a:rPr>
+              <a:t>‣</a:t>
+            </a:r>
             <a:r>
               <a:rPr b="0" baseline="0" i="0" lang="en" sz="2100" u="none" cap="none" strike="noStrike">
                 <a:solidFill>
@@ -16575,7 +16873,7 @@
           </a:bodyPr>
           <a:lstStyle/>
           <a:p>
-            <a:pPr indent="-171450" lvl="0" marL="177800" marR="0" rtl="0" algn="l">
+            <a:pPr indent="0" lvl="0" marL="0" marR="0" rtl="0" algn="l">
               <a:lnSpc>
                 <a:spcPct val="90000"/>
               </a:lnSpc>
@@ -16585,13 +16883,17 @@
               <a:spcAft>
                 <a:spcPts val="0"/>
               </a:spcAft>
-              <a:buClr>
-                <a:srgbClr val="7F7F7F"/>
-              </a:buClr>
-              <a:buSzPct val="100000"/>
-              <a:buFont typeface="Arial"/>
-              <a:buChar char="•"/>
+              <a:buNone/>
             </a:pPr>
+            <a:r>
+              <a:rPr lang="en" sz="2000">
+                <a:latin typeface="Questrial"/>
+                <a:ea typeface="Questrial"/>
+                <a:cs typeface="Questrial"/>
+                <a:sym typeface="Questrial"/>
+              </a:rPr>
+              <a:t>‣ </a:t>
+            </a:r>
             <a:r>
               <a:rPr lang="en">
                 <a:solidFill>
@@ -16898,8 +17200,8 @@
         </p:blipFill>
         <p:spPr>
           <a:xfrm>
-            <a:off x="637975" y="1061425"/>
-            <a:ext cx="7877374" cy="3831965"/>
+            <a:off x="1416512" y="1112337"/>
+            <a:ext cx="6310974" cy="3777175"/>
           </a:xfrm>
           <a:prstGeom prst="rect">
             <a:avLst/>
@@ -17043,7 +17345,7 @@
           </a:bodyPr>
           <a:lstStyle/>
           <a:p>
-            <a:pPr indent="-171450" lvl="0" marL="177800" marR="0" rtl="0" algn="l">
+            <a:pPr indent="0" lvl="0" marL="0" marR="0" rtl="0" algn="l">
               <a:lnSpc>
                 <a:spcPct val="90000"/>
               </a:lnSpc>
@@ -17053,27 +17355,19 @@
               <a:spcAft>
                 <a:spcPts val="0"/>
               </a:spcAft>
-              <a:buClr>
-                <a:srgbClr val="7F7F7F"/>
-              </a:buClr>
-              <a:buSzPct val="100000"/>
-              <a:buFont typeface="Arial"/>
-              <a:buChar char="•"/>
+              <a:buNone/>
             </a:pPr>
             <a:r>
-              <a:rPr b="0" baseline="0" i="0" lang="en" sz="2100" u="none" cap="none" strike="noStrike">
-                <a:solidFill>
-                  <a:srgbClr val="7F7F7F"/>
-                </a:solidFill>
+              <a:rPr lang="en" sz="2000">
                 <a:latin typeface="Questrial"/>
                 <a:ea typeface="Questrial"/>
                 <a:cs typeface="Questrial"/>
                 <a:sym typeface="Questrial"/>
               </a:rPr>
-              <a:t>Scatter points closely lying around the </a:t>
-            </a:r>
-            <a:r>
-              <a:rPr b="1" baseline="0" i="0" lang="en" sz="2100" u="none" cap="none" strike="noStrike">
+              <a:t>‣ </a:t>
+            </a:r>
+            <a:r>
+              <a:rPr b="0" baseline="0" i="0" lang="en" sz="2100" u="none" cap="none" strike="noStrike">
                 <a:solidFill>
                   <a:srgbClr val="7F7F7F"/>
                 </a:solidFill>
@@ -17082,10 +17376,10 @@
                 <a:cs typeface="Questrial"/>
                 <a:sym typeface="Questrial"/>
               </a:rPr>
-              <a:t>line of best-fit</a:t>
-            </a:r>
-            <a:r>
-              <a:rPr b="0" baseline="0" i="0" lang="en" sz="2100" u="none" cap="none" strike="noStrike">
+              <a:t>Scatter points closely lying around the </a:t>
+            </a:r>
+            <a:r>
+              <a:rPr b="1" baseline="0" i="0" lang="en" sz="2100" u="none" cap="none" strike="noStrike">
                 <a:solidFill>
                   <a:srgbClr val="7F7F7F"/>
                 </a:solidFill>
@@ -17094,27 +17388,8 @@
                 <a:cs typeface="Questrial"/>
                 <a:sym typeface="Questrial"/>
               </a:rPr>
-              <a:t> (blue line), indicating a strong positive correlation between the actual ratings and the predicted ratings.</a:t>
-            </a:r>
-          </a:p>
-          <a:p>
-            <a:pPr indent="-171450" lvl="0" marL="177800" marR="0" rtl="0" algn="l">
-              <a:lnSpc>
-                <a:spcPct val="90000"/>
-              </a:lnSpc>
-              <a:spcBef>
-                <a:spcPts val="0"/>
-              </a:spcBef>
-              <a:spcAft>
-                <a:spcPts val="0"/>
-              </a:spcAft>
-              <a:buClr>
-                <a:srgbClr val="7F7F7F"/>
-              </a:buClr>
-              <a:buSzPct val="100000"/>
-              <a:buFont typeface="Arial"/>
-              <a:buChar char="•"/>
-            </a:pPr>
+              <a:t>line of best-fit</a:t>
+            </a:r>
             <a:r>
               <a:rPr b="0" baseline="0" i="0" lang="en" sz="2100" u="none" cap="none" strike="noStrike">
                 <a:solidFill>
@@ -17125,41 +17400,33 @@
                 <a:cs typeface="Questrial"/>
                 <a:sym typeface="Questrial"/>
               </a:rPr>
-              <a:t>Root-mean-square error (RMSE): 0.</a:t>
-            </a:r>
-            <a:r>
-              <a:rPr lang="en">
-                <a:solidFill>
-                  <a:srgbClr val="7F7F7F"/>
-                </a:solidFill>
+              <a:t> (blue line), indicating a strong positive correlation between the actual ratings and the predicted ratings.</a:t>
+            </a:r>
+          </a:p>
+          <a:p>
+            <a:pPr indent="0" lvl="0" marL="0" marR="0" rtl="0" algn="l">
+              <a:lnSpc>
+                <a:spcPct val="90000"/>
+              </a:lnSpc>
+              <a:spcBef>
+                <a:spcPts val="0"/>
+              </a:spcBef>
+              <a:spcAft>
+                <a:spcPts val="0"/>
+              </a:spcAft>
+              <a:buNone/>
+            </a:pPr>
+            <a:r>
+              <a:rPr lang="en" sz="2000">
                 <a:latin typeface="Questrial"/>
                 <a:ea typeface="Questrial"/>
                 <a:cs typeface="Questrial"/>
                 <a:sym typeface="Questrial"/>
               </a:rPr>
-              <a:t>2121</a:t>
-            </a:r>
-          </a:p>
-          <a:p>
-            <a:pPr indent="-171450" lvl="0" marL="177800" marR="0" rtl="0" algn="l">
-              <a:lnSpc>
-                <a:spcPct val="90000"/>
-              </a:lnSpc>
-              <a:spcBef>
-                <a:spcPts val="0"/>
-              </a:spcBef>
-              <a:spcAft>
-                <a:spcPts val="0"/>
-              </a:spcAft>
-              <a:buClr>
-                <a:srgbClr val="7F7F7F"/>
-              </a:buClr>
-              <a:buSzPct val="100000"/>
-              <a:buFont typeface="Questrial"/>
-              <a:buChar char="•"/>
-            </a:pPr>
-            <a:r>
-              <a:rPr lang="en">
+              <a:t>‣ </a:t>
+            </a:r>
+            <a:r>
+              <a:rPr b="0" baseline="0" i="0" lang="en" sz="2100" u="none" cap="none" strike="noStrike">
                 <a:solidFill>
                   <a:srgbClr val="7F7F7F"/>
                 </a:solidFill>
@@ -17168,27 +17435,8 @@
                 <a:cs typeface="Questrial"/>
                 <a:sym typeface="Questrial"/>
               </a:rPr>
-              <a:t>Tolerance: 79%</a:t>
-            </a:r>
-          </a:p>
-          <a:p>
-            <a:pPr indent="-171450" lvl="0" marL="177800" marR="0" rtl="0" algn="l">
-              <a:lnSpc>
-                <a:spcPct val="90000"/>
-              </a:lnSpc>
-              <a:spcBef>
-                <a:spcPts val="0"/>
-              </a:spcBef>
-              <a:spcAft>
-                <a:spcPts val="0"/>
-              </a:spcAft>
-              <a:buClr>
-                <a:srgbClr val="7F7F7F"/>
-              </a:buClr>
-              <a:buSzPct val="100000"/>
-              <a:buFont typeface="Questrial"/>
-              <a:buChar char="•"/>
-            </a:pPr>
+              <a:t>Root-mean-square error (RMSE): 0.</a:t>
+            </a:r>
             <a:r>
               <a:rPr lang="en">
                 <a:solidFill>
@@ -17199,11 +17447,11 @@
                 <a:cs typeface="Questrial"/>
                 <a:sym typeface="Questrial"/>
               </a:rPr>
-              <a:t>Standard Error: 0.0045</a:t>
+              <a:t>2121</a:t>
             </a:r>
           </a:p>
           <a:p>
-            <a:pPr indent="-171450" lvl="0" marL="177800" marR="0" rtl="0" algn="l">
+            <a:pPr indent="0" lvl="0" marL="0" marR="0" rtl="0" algn="l">
               <a:lnSpc>
                 <a:spcPct val="90000"/>
               </a:lnSpc>
@@ -17213,38 +17461,116 @@
               <a:spcAft>
                 <a:spcPts val="0"/>
               </a:spcAft>
-              <a:buClr>
-                <a:srgbClr val="7F7F7F"/>
-              </a:buClr>
-              <a:buSzPct val="100000"/>
-              <a:buFont typeface="Questrial"/>
-              <a:buChar char="•"/>
+              <a:buNone/>
             </a:pPr>
             <a:r>
-              <a:rPr lang="en">
-                <a:solidFill>
-                  <a:srgbClr val="7F7F7F"/>
-                </a:solidFill>
+              <a:rPr lang="en" sz="2000">
                 <a:latin typeface="Questrial"/>
                 <a:ea typeface="Questrial"/>
                 <a:cs typeface="Questrial"/>
                 <a:sym typeface="Questrial"/>
               </a:rPr>
-              <a:t>Mean Squared Error (MSE): 3.1117</a:t>
+              <a:t>‣ </a:t>
+            </a:r>
+            <a:r>
+              <a:rPr lang="en">
+                <a:solidFill>
+                  <a:srgbClr val="7F7F7F"/>
+                </a:solidFill>
+                <a:latin typeface="Questrial"/>
+                <a:ea typeface="Questrial"/>
+                <a:cs typeface="Questrial"/>
+                <a:sym typeface="Questrial"/>
+              </a:rPr>
+              <a:t>Tolerance: 79%</a:t>
             </a:r>
           </a:p>
           <a:p>
-            <a:pPr indent="6350" lvl="0" rtl="0">
-              <a:spcBef>
-                <a:spcPts val="0"/>
-              </a:spcBef>
-              <a:buClr>
-                <a:srgbClr val="7F7F7F"/>
-              </a:buClr>
-              <a:buSzPct val="100000"/>
-              <a:buFont typeface="Questrial"/>
-              <a:buChar char="•"/>
+            <a:pPr indent="0" lvl="0" marL="0" marR="0" rtl="0" algn="l">
+              <a:lnSpc>
+                <a:spcPct val="90000"/>
+              </a:lnSpc>
+              <a:spcBef>
+                <a:spcPts val="0"/>
+              </a:spcBef>
+              <a:spcAft>
+                <a:spcPts val="0"/>
+              </a:spcAft>
+              <a:buNone/>
             </a:pPr>
+            <a:r>
+              <a:rPr lang="en" sz="2000">
+                <a:latin typeface="Questrial"/>
+                <a:ea typeface="Questrial"/>
+                <a:cs typeface="Questrial"/>
+                <a:sym typeface="Questrial"/>
+              </a:rPr>
+              <a:t>‣ </a:t>
+            </a:r>
+            <a:r>
+              <a:rPr lang="en">
+                <a:solidFill>
+                  <a:srgbClr val="7F7F7F"/>
+                </a:solidFill>
+                <a:latin typeface="Questrial"/>
+                <a:ea typeface="Questrial"/>
+                <a:cs typeface="Questrial"/>
+                <a:sym typeface="Questrial"/>
+              </a:rPr>
+              <a:t>Standard Error: 0.0045</a:t>
+            </a:r>
+          </a:p>
+          <a:p>
+            <a:pPr indent="0" lvl="0" marL="0" marR="0" rtl="0" algn="l">
+              <a:lnSpc>
+                <a:spcPct val="90000"/>
+              </a:lnSpc>
+              <a:spcBef>
+                <a:spcPts val="0"/>
+              </a:spcBef>
+              <a:spcAft>
+                <a:spcPts val="0"/>
+              </a:spcAft>
+              <a:buNone/>
+            </a:pPr>
+            <a:r>
+              <a:rPr lang="en" sz="2000">
+                <a:latin typeface="Questrial"/>
+                <a:ea typeface="Questrial"/>
+                <a:cs typeface="Questrial"/>
+                <a:sym typeface="Questrial"/>
+              </a:rPr>
+              <a:t>‣ </a:t>
+            </a:r>
+            <a:r>
+              <a:rPr lang="en">
+                <a:solidFill>
+                  <a:srgbClr val="7F7F7F"/>
+                </a:solidFill>
+                <a:latin typeface="Questrial"/>
+                <a:ea typeface="Questrial"/>
+                <a:cs typeface="Questrial"/>
+                <a:sym typeface="Questrial"/>
+              </a:rPr>
+              <a:t>Mean Squared Error (MSE): 3.1117</a:t>
+            </a:r>
+          </a:p>
+          <a:p>
+            <a:pPr indent="0" lvl="0" marL="0" rtl="0">
+              <a:spcBef>
+                <a:spcPts val="0"/>
+              </a:spcBef>
+              <a:buNone/>
+            </a:pPr>
+            <a:r>
+              <a:rPr lang="en" sz="2000">
+                <a:latin typeface="Questrial"/>
+                <a:ea typeface="Questrial"/>
+                <a:cs typeface="Questrial"/>
+                <a:sym typeface="Questrial"/>
+              </a:rPr>
+              <a:t>‣ </a:t>
+            </a:r>
             <a:r>
               <a:rPr lang="en">
                 <a:solidFill>
@@ -17393,39 +17719,50 @@
           </a:bodyPr>
           <a:lstStyle/>
           <a:p>
-            <a:pPr indent="-50800" lvl="0" marL="228600" rtl="0">
-              <a:spcBef>
-                <a:spcPts val="0"/>
-              </a:spcBef>
-              <a:buClr>
-                <a:srgbClr val="7F7F7F"/>
-              </a:buClr>
-              <a:buSzPct val="100000"/>
+            <a:pPr indent="0" lvl="0" marL="0" rtl="0">
+              <a:spcBef>
+                <a:spcPts val="0"/>
+              </a:spcBef>
+              <a:buNone/>
             </a:pPr>
             <a:r>
-              <a:rPr lang="en">
-                <a:solidFill>
-                  <a:srgbClr val="7F7F7F"/>
-                </a:solidFill>
+              <a:rPr lang="en" sz="2000">
                 <a:latin typeface="Questrial"/>
                 <a:ea typeface="Questrial"/>
                 <a:cs typeface="Questrial"/>
                 <a:sym typeface="Questrial"/>
               </a:rPr>
+              <a:t>‣ </a:t>
+            </a:r>
+            <a:r>
+              <a:rPr lang="en">
+                <a:solidFill>
+                  <a:srgbClr val="7F7F7F"/>
+                </a:solidFill>
+                <a:latin typeface="Questrial"/>
+                <a:ea typeface="Questrial"/>
+                <a:cs typeface="Questrial"/>
+                <a:sym typeface="Questrial"/>
+              </a:rPr>
               <a:t>Scaling: the outcome rating with certain predictors crosses the 10 point mark. Linear regression treats movie rating as a continuous variable (can go below zero or above ten), whereas essentially it is a categorical ordered variable. </a:t>
             </a:r>
           </a:p>
           <a:p>
-            <a:pPr indent="-50800" lvl="0" marL="228600" rtl="0">
-              <a:spcBef>
-                <a:spcPts val="0"/>
-              </a:spcBef>
-              <a:buClr>
-                <a:srgbClr val="7F7F7F"/>
-              </a:buClr>
-              <a:buSzPct val="133333"/>
-              <a:buFont typeface="Questrial"/>
+            <a:pPr indent="0" lvl="0" marL="0" rtl="0">
+              <a:spcBef>
+                <a:spcPts val="0"/>
+              </a:spcBef>
+              <a:buNone/>
             </a:pPr>
+            <a:r>
+              <a:rPr lang="en" sz="2000">
+                <a:latin typeface="Questrial"/>
+                <a:ea typeface="Questrial"/>
+                <a:cs typeface="Questrial"/>
+                <a:sym typeface="Questrial"/>
+              </a:rPr>
+              <a:t>‣ </a:t>
+            </a:r>
             <a:r>
               <a:rPr lang="en">
                 <a:solidFill>
@@ -17549,7 +17886,7 @@
                 <a:cs typeface="Times New Roman"/>
                 <a:sym typeface="Times New Roman"/>
               </a:rPr>
-              <a:t>O</a:t>
+              <a:t>L</a:t>
             </a:r>
             <a:r>
               <a:rPr lang="en">
@@ -17561,55 +17898,7 @@
                 <a:cs typeface="Times New Roman"/>
                 <a:sym typeface="Times New Roman"/>
               </a:rPr>
-              <a:t>RDERED </a:t>
-            </a:r>
-            <a:r>
-              <a:rPr lang="en" u="sng">
-                <a:solidFill>
-                  <a:srgbClr val="7F7F7F"/>
-                </a:solidFill>
-                <a:latin typeface="Times New Roman"/>
-                <a:ea typeface="Times New Roman"/>
-                <a:cs typeface="Times New Roman"/>
-                <a:sym typeface="Times New Roman"/>
-              </a:rPr>
-              <a:t>L</a:t>
-            </a:r>
-            <a:r>
-              <a:rPr lang="en">
-                <a:solidFill>
-                  <a:srgbClr val="7F7F7F"/>
-                </a:solidFill>
-                <a:latin typeface="Times New Roman"/>
-                <a:ea typeface="Times New Roman"/>
-                <a:cs typeface="Times New Roman"/>
-                <a:sym typeface="Times New Roman"/>
-              </a:rPr>
-              <a:t>OGISTIC </a:t>
-            </a:r>
-            <a:r>
-              <a:rPr lang="en" u="sng">
-                <a:solidFill>
-                  <a:srgbClr val="7F7F7F"/>
-                </a:solidFill>
-                <a:latin typeface="Times New Roman"/>
-                <a:ea typeface="Times New Roman"/>
-                <a:cs typeface="Times New Roman"/>
-                <a:sym typeface="Times New Roman"/>
-              </a:rPr>
-              <a:t>R</a:t>
-            </a:r>
-            <a:r>
-              <a:rPr lang="en">
-                <a:solidFill>
-                  <a:srgbClr val="7F7F7F"/>
-                </a:solidFill>
-                <a:latin typeface="Times New Roman"/>
-                <a:ea typeface="Times New Roman"/>
-                <a:cs typeface="Times New Roman"/>
-                <a:sym typeface="Times New Roman"/>
-              </a:rPr>
-              <a:t>EGRESSION</a:t>
+              <a:t>OGISTIC REGRESSION</a:t>
             </a:r>
           </a:p>
         </p:txBody>
@@ -17624,8 +17913,8 @@
         </p:nvSpPr>
         <p:spPr>
           <a:xfrm>
-            <a:off x="628650" y="1179100"/>
-            <a:ext cx="7886700" cy="3637499"/>
+            <a:off x="628650" y="1369218"/>
+            <a:ext cx="7886700" cy="3263400"/>
           </a:xfrm>
           <a:prstGeom prst="rect">
             <a:avLst/>
@@ -17641,60 +17930,21 @@
           </a:bodyPr>
           <a:lstStyle/>
           <a:p>
-            <a:pPr indent="0" lvl="0" marL="0" rtl="0">
+            <a:pPr indent="0" marL="0" rtl="0">
               <a:spcBef>
                 <a:spcPts val="0"/>
               </a:spcBef>
               <a:buNone/>
             </a:pPr>
             <a:r>
-              <a:t/>
-            </a:r>
-            <a:endParaRPr>
-              <a:solidFill>
-                <a:srgbClr val="7F7F7F"/>
-              </a:solidFill>
-              <a:latin typeface="Questrial"/>
-              <a:ea typeface="Questrial"/>
-              <a:cs typeface="Questrial"/>
-              <a:sym typeface="Questrial"/>
-            </a:endParaRPr>
-          </a:p>
-          <a:p>
-            <a:pPr indent="-50800" lvl="0" marL="228600" rtl="0">
-              <a:spcBef>
-                <a:spcPts val="0"/>
-              </a:spcBef>
-              <a:buClr>
-                <a:srgbClr val="7F7F7F"/>
-              </a:buClr>
-              <a:buSzPct val="133333"/>
-              <a:buFont typeface="Questrial"/>
-            </a:pPr>
-            <a:r>
-              <a:rPr lang="en">
-                <a:solidFill>
-                  <a:srgbClr val="7F7F7F"/>
-                </a:solidFill>
+              <a:rPr lang="en" sz="2000">
                 <a:latin typeface="Questrial"/>
                 <a:ea typeface="Questrial"/>
                 <a:cs typeface="Questrial"/>
                 <a:sym typeface="Questrial"/>
               </a:rPr>
-              <a:t>Logistic regression deals with dependent variables that are categorical.</a:t>
-            </a:r>
-          </a:p>
-          <a:p>
-            <a:pPr indent="-50800" lvl="0" marL="228600" rtl="0">
-              <a:spcBef>
-                <a:spcPts val="0"/>
-              </a:spcBef>
-              <a:buClr>
-                <a:srgbClr val="7F7F7F"/>
-              </a:buClr>
-              <a:buSzPct val="133333"/>
-              <a:buFont typeface="Questrial"/>
-            </a:pPr>
+              <a:t>‣ </a:t>
+            </a:r>
             <a:r>
               <a:rPr lang="en">
                 <a:solidFill>
@@ -17705,44 +17955,25 @@
                 <a:cs typeface="Questrial"/>
                 <a:sym typeface="Questrial"/>
               </a:rPr>
-              <a:t>Ordinal logistic regression (also known as ordered logit model) is a regression model for ordinal dependent variables.</a:t>
+              <a:t>Logistic regression deals with dependent variables that are categorical.</a:t>
             </a:r>
           </a:p>
           <a:p>
-            <a:pPr indent="-50800" lvl="0" marL="228600" rtl="0">
-              <a:spcBef>
-                <a:spcPts val="0"/>
-              </a:spcBef>
-              <a:buClr>
-                <a:srgbClr val="7F7F7F"/>
-              </a:buClr>
-              <a:buSzPct val="100000"/>
-              <a:buFont typeface="Questrial"/>
+            <a:pPr indent="0" lvl="0" marL="0" rtl="0">
+              <a:spcBef>
+                <a:spcPts val="0"/>
+              </a:spcBef>
+              <a:buNone/>
             </a:pPr>
             <a:r>
-              <a:rPr lang="en">
-                <a:solidFill>
-                  <a:srgbClr val="7F7F7F"/>
-                </a:solidFill>
+              <a:rPr lang="en" sz="2000">
                 <a:latin typeface="Questrial"/>
                 <a:ea typeface="Questrial"/>
                 <a:cs typeface="Questrial"/>
                 <a:sym typeface="Questrial"/>
               </a:rPr>
-              <a:t>An ordinal variable is similar to a categorical variable, the difference lying in the fact that there is a clear ordering of the variables. </a:t>
-            </a:r>
-          </a:p>
-          <a:p>
-            <a:pPr indent="-50800" lvl="0" marL="228600" rtl="0">
-              <a:spcBef>
-                <a:spcPts val="0"/>
-              </a:spcBef>
-              <a:buClr>
-                <a:srgbClr val="7F7F7F"/>
-              </a:buClr>
-              <a:buSzPct val="133333"/>
-              <a:buFont typeface="Questrial"/>
-            </a:pPr>
+              <a:t>‣ </a:t>
+            </a:r>
             <a:r>
               <a:rPr lang="en">
                 <a:solidFill>
@@ -17753,28 +17984,8 @@
                 <a:cs typeface="Questrial"/>
                 <a:sym typeface="Questrial"/>
               </a:rPr>
-              <a:t>Out here, we have ordered the ratings in 6 different classes: 0-5(0), 5-6(1), 6-7(2), 7-8(3), 8-9(4) and 9-10(5).</a:t>
-            </a:r>
-          </a:p>
-          <a:p>
-            <a:pPr indent="0" lvl="0" marL="0" rtl="0">
-              <a:spcBef>
-                <a:spcPts val="0"/>
-              </a:spcBef>
-              <a:buNone/>
-            </a:pPr>
-            <a:r>
-              <a:t/>
-            </a:r>
-            <a:endParaRPr sz="2300">
-              <a:solidFill>
-                <a:srgbClr val="7F7F7F"/>
-              </a:solidFill>
-              <a:latin typeface="Questrial"/>
-              <a:ea typeface="Questrial"/>
-              <a:cs typeface="Questrial"/>
-              <a:sym typeface="Questrial"/>
-            </a:endParaRPr>
+              <a:t>Logistic regression measures the relationship between the categorical dependent variable and one or more independent variables by estimating probabilities using a logistic function, which is the cumulative logistic distribution.</a:t>
+            </a:r>
           </a:p>
           <a:p>
             <a:pPr indent="0" lvl="0" marL="0" marR="0" rtl="0" algn="l">
@@ -17941,40 +18152,21 @@
           </a:bodyPr>
           <a:lstStyle/>
           <a:p>
-            <a:pPr indent="-228600" lvl="0" marL="457200" rtl="0">
-              <a:spcBef>
-                <a:spcPts val="0"/>
-              </a:spcBef>
-              <a:buClr>
-                <a:srgbClr val="7F7F7F"/>
-              </a:buClr>
-              <a:buSzPct val="52631"/>
-              <a:buFont typeface="Questrial"/>
+            <a:pPr indent="0" lvl="0" marL="0" rtl="0">
+              <a:spcBef>
+                <a:spcPts val="0"/>
+              </a:spcBef>
+              <a:buNone/>
             </a:pPr>
             <a:r>
-              <a:rPr lang="en" sz="1900">
-                <a:solidFill>
-                  <a:srgbClr val="7F7F7F"/>
-                </a:solidFill>
+              <a:rPr lang="en" sz="2000">
                 <a:latin typeface="Questrial"/>
                 <a:ea typeface="Questrial"/>
                 <a:cs typeface="Questrial"/>
                 <a:sym typeface="Questrial"/>
               </a:rPr>
-              <a:t>Every year, hundreds of movies are made in USA, with billions of dollars spent in their making and they also gross a huge amount of money.</a:t>
-            </a:r>
-          </a:p>
-          <a:p>
-            <a:pPr indent="-228600" lvl="0" marL="457200" rtl="0">
-              <a:spcBef>
-                <a:spcPts val="0"/>
-              </a:spcBef>
-              <a:buClr>
-                <a:srgbClr val="7F7F7F"/>
-              </a:buClr>
-              <a:buSzPct val="52631"/>
-              <a:buFont typeface="Questrial"/>
-            </a:pPr>
+              <a:t>‣ </a:t>
+            </a:r>
             <a:r>
               <a:rPr lang="en" sz="1900">
                 <a:solidFill>
@@ -17985,44 +18177,83 @@
                 <a:cs typeface="Questrial"/>
                 <a:sym typeface="Questrial"/>
               </a:rPr>
-              <a:t>The Internet Movie Database (IMDb) is an online database that has a weighted mean-rating system for rating movies on a 10-point scale.</a:t>
+              <a:t>Every year, hundreds of movies are made in USA, with billions of dollars spent in their making and they also gross a huge amount of money.</a:t>
             </a:r>
           </a:p>
           <a:p>
-            <a:pPr indent="-228600" lvl="0" marL="457200" rtl="0">
-              <a:spcBef>
-                <a:spcPts val="0"/>
-              </a:spcBef>
-              <a:buClr>
-                <a:srgbClr val="7F7F7F"/>
-              </a:buClr>
-              <a:buSzPct val="52631"/>
-              <a:buFont typeface="Questrial"/>
+            <a:pPr indent="0" lvl="0" marL="0" rtl="0">
+              <a:spcBef>
+                <a:spcPts val="0"/>
+              </a:spcBef>
+              <a:buNone/>
             </a:pPr>
             <a:r>
-              <a:rPr lang="en" sz="1900">
-                <a:solidFill>
-                  <a:srgbClr val="7F7F7F"/>
-                </a:solidFill>
+              <a:rPr lang="en" sz="2000">
                 <a:latin typeface="Questrial"/>
                 <a:ea typeface="Questrial"/>
                 <a:cs typeface="Questrial"/>
                 <a:sym typeface="Questrial"/>
               </a:rPr>
-              <a:t>For production houses, having a system that could give them possible ratings for a movie based on actor(s), director(s), genre(s), etc. could be of huge value to analyze the cost-benefit of investing in a movie.</a:t>
+              <a:t>‣ </a:t>
+            </a:r>
+            <a:r>
+              <a:rPr lang="en" sz="1900">
+                <a:solidFill>
+                  <a:srgbClr val="7F7F7F"/>
+                </a:solidFill>
+                <a:latin typeface="Questrial"/>
+                <a:ea typeface="Questrial"/>
+                <a:cs typeface="Questrial"/>
+                <a:sym typeface="Questrial"/>
+              </a:rPr>
+              <a:t>The Internet Movie Database (IMDb) is an online database that has a weighted mean-rating system for rating movies on a 10-point scale.</a:t>
             </a:r>
           </a:p>
           <a:p>
-            <a:pPr indent="-228600" lvl="0" marL="457200" rtl="0">
-              <a:spcBef>
-                <a:spcPts val="0"/>
-              </a:spcBef>
-              <a:buClr>
-                <a:srgbClr val="7F7F7F"/>
-              </a:buClr>
-              <a:buSzPct val="52631"/>
-              <a:buFont typeface="Questrial"/>
+            <a:pPr indent="0" lvl="0" marL="0" rtl="0">
+              <a:spcBef>
+                <a:spcPts val="0"/>
+              </a:spcBef>
+              <a:buNone/>
             </a:pPr>
+            <a:r>
+              <a:rPr lang="en" sz="2000">
+                <a:latin typeface="Questrial"/>
+                <a:ea typeface="Questrial"/>
+                <a:cs typeface="Questrial"/>
+                <a:sym typeface="Questrial"/>
+              </a:rPr>
+              <a:t>‣ </a:t>
+            </a:r>
+            <a:r>
+              <a:rPr lang="en" sz="1900">
+                <a:solidFill>
+                  <a:srgbClr val="7F7F7F"/>
+                </a:solidFill>
+                <a:latin typeface="Questrial"/>
+                <a:ea typeface="Questrial"/>
+                <a:cs typeface="Questrial"/>
+                <a:sym typeface="Questrial"/>
+              </a:rPr>
+              <a:t>For production houses, having a system that could give them possible ratings for a movie based on actor(s), director(s), genre(s), etc. could be of huge value to analyze the cost-benefit of investing in a movie.</a:t>
+            </a:r>
+          </a:p>
+          <a:p>
+            <a:pPr indent="0" lvl="0" marL="0" rtl="0">
+              <a:spcBef>
+                <a:spcPts val="0"/>
+              </a:spcBef>
+              <a:buNone/>
+            </a:pPr>
+            <a:r>
+              <a:rPr lang="en" sz="2000">
+                <a:latin typeface="Questrial"/>
+                <a:ea typeface="Questrial"/>
+                <a:cs typeface="Questrial"/>
+                <a:sym typeface="Questrial"/>
+              </a:rPr>
+              <a:t>‣ </a:t>
+            </a:r>
             <a:r>
               <a:rPr lang="en" sz="1900">
                 <a:solidFill>
@@ -18158,55 +18389,7 @@
                 <a:cs typeface="Times New Roman"/>
                 <a:sym typeface="Times New Roman"/>
               </a:rPr>
-              <a:t>RDERED </a:t>
-            </a:r>
-            <a:r>
-              <a:rPr lang="en" u="sng">
-                <a:solidFill>
-                  <a:srgbClr val="7F7F7F"/>
-                </a:solidFill>
-                <a:latin typeface="Times New Roman"/>
-                <a:ea typeface="Times New Roman"/>
-                <a:cs typeface="Times New Roman"/>
-                <a:sym typeface="Times New Roman"/>
-              </a:rPr>
-              <a:t>L</a:t>
-            </a:r>
-            <a:r>
-              <a:rPr lang="en">
-                <a:solidFill>
-                  <a:srgbClr val="7F7F7F"/>
-                </a:solidFill>
-                <a:latin typeface="Times New Roman"/>
-                <a:ea typeface="Times New Roman"/>
-                <a:cs typeface="Times New Roman"/>
-                <a:sym typeface="Times New Roman"/>
-              </a:rPr>
-              <a:t>OGISTIC </a:t>
-            </a:r>
-            <a:r>
-              <a:rPr lang="en" u="sng">
-                <a:solidFill>
-                  <a:srgbClr val="7F7F7F"/>
-                </a:solidFill>
-                <a:latin typeface="Times New Roman"/>
-                <a:ea typeface="Times New Roman"/>
-                <a:cs typeface="Times New Roman"/>
-                <a:sym typeface="Times New Roman"/>
-              </a:rPr>
-              <a:t>R</a:t>
-            </a:r>
-            <a:r>
-              <a:rPr lang="en">
-                <a:solidFill>
-                  <a:srgbClr val="7F7F7F"/>
-                </a:solidFill>
-                <a:latin typeface="Times New Roman"/>
-                <a:ea typeface="Times New Roman"/>
-                <a:cs typeface="Times New Roman"/>
-                <a:sym typeface="Times New Roman"/>
-              </a:rPr>
-              <a:t>EGRESSION</a:t>
+              <a:t>RDERED LOGISTIC REGRESSION</a:t>
             </a:r>
           </a:p>
         </p:txBody>
@@ -18221,8 +18404,8 @@
         </p:nvSpPr>
         <p:spPr>
           <a:xfrm>
-            <a:off x="628650" y="1369222"/>
-            <a:ext cx="7886700" cy="1763400"/>
+            <a:off x="628650" y="1369218"/>
+            <a:ext cx="7886700" cy="3263400"/>
           </a:xfrm>
           <a:prstGeom prst="rect">
             <a:avLst/>
@@ -18238,50 +18421,23 @@
           </a:bodyPr>
           <a:lstStyle/>
           <a:p>
-            <a:pPr indent="0" lvl="0" marL="0" rtl="0">
+            <a:pPr indent="0" marL="0" rtl="0">
               <a:spcBef>
                 <a:spcPts val="0"/>
               </a:spcBef>
               <a:buNone/>
             </a:pPr>
             <a:r>
-              <a:t/>
-            </a:r>
-            <a:endParaRPr>
-              <a:solidFill>
-                <a:srgbClr val="7F7F7F"/>
-              </a:solidFill>
-              <a:latin typeface="Questrial"/>
-              <a:ea typeface="Questrial"/>
-              <a:cs typeface="Questrial"/>
-              <a:sym typeface="Questrial"/>
-            </a:endParaRPr>
-          </a:p>
-          <a:p>
-            <a:pPr indent="-50800" lvl="0" marL="228600" rtl="0">
-              <a:spcBef>
-                <a:spcPts val="0"/>
-              </a:spcBef>
-              <a:buClr>
-                <a:srgbClr val="7F7F7F"/>
-              </a:buClr>
-              <a:buSzPct val="100000"/>
-              <a:buFont typeface="Questrial"/>
-            </a:pPr>
-            <a:r>
-              <a:rPr lang="en" sz="1900">
-                <a:solidFill>
-                  <a:srgbClr val="7F7F7F"/>
-                </a:solidFill>
+              <a:rPr lang="en" sz="2000">
                 <a:latin typeface="Questrial"/>
                 <a:ea typeface="Questrial"/>
                 <a:cs typeface="Questrial"/>
                 <a:sym typeface="Questrial"/>
               </a:rPr>
-              <a:t>Let us consider an example. Say the proportion of members of the statistical population who would answer </a:t>
-            </a:r>
-            <a:r>
-              <a:rPr i="1" lang="en" sz="1900">
+              <a:t>‣ </a:t>
+            </a:r>
+            <a:r>
+              <a:rPr lang="en">
                 <a:solidFill>
                   <a:srgbClr val="7F7F7F"/>
                 </a:solidFill>
@@ -18290,22 +18446,27 @@
                 <a:cs typeface="Questrial"/>
                 <a:sym typeface="Questrial"/>
               </a:rPr>
-              <a:t>poor, fair, good, very good </a:t>
-            </a:r>
-            <a:r>
-              <a:rPr lang="en" sz="1900">
-                <a:solidFill>
-                  <a:srgbClr val="7F7F7F"/>
-                </a:solidFill>
+              <a:t>Ordinal logistic regression (also known as ordered logit model) is a regression model for ordinal dependent variables.</a:t>
+            </a:r>
+          </a:p>
+          <a:p>
+            <a:pPr indent="0" lvl="0" marL="0" rtl="0">
+              <a:spcBef>
+                <a:spcPts val="0"/>
+              </a:spcBef>
+              <a:buNone/>
+            </a:pPr>
+            <a:r>
+              <a:rPr lang="en" sz="2000">
                 <a:latin typeface="Questrial"/>
                 <a:ea typeface="Questrial"/>
                 <a:cs typeface="Questrial"/>
                 <a:sym typeface="Questrial"/>
               </a:rPr>
-              <a:t>and </a:t>
-            </a:r>
-            <a:r>
-              <a:rPr i="1" lang="en" sz="1900">
+              <a:t>‣ </a:t>
+            </a:r>
+            <a:r>
+              <a:rPr lang="en">
                 <a:solidFill>
                   <a:srgbClr val="7F7F7F"/>
                 </a:solidFill>
@@ -18314,163 +18475,7 @@
                 <a:cs typeface="Questrial"/>
                 <a:sym typeface="Questrial"/>
               </a:rPr>
-              <a:t>excellent </a:t>
-            </a:r>
-            <a:r>
-              <a:rPr lang="en" sz="1900">
-                <a:solidFill>
-                  <a:srgbClr val="7F7F7F"/>
-                </a:solidFill>
-                <a:latin typeface="Questrial"/>
-                <a:ea typeface="Questrial"/>
-                <a:cs typeface="Questrial"/>
-                <a:sym typeface="Questrial"/>
-              </a:rPr>
-              <a:t>are </a:t>
-            </a:r>
-            <a:r>
-              <a:rPr i="1" lang="en" sz="1900">
-                <a:solidFill>
-                  <a:srgbClr val="7F7F7F"/>
-                </a:solidFill>
-                <a:latin typeface="Questrial"/>
-                <a:ea typeface="Questrial"/>
-                <a:cs typeface="Questrial"/>
-                <a:sym typeface="Questrial"/>
-              </a:rPr>
-              <a:t>p</a:t>
-            </a:r>
-            <a:r>
-              <a:rPr baseline="-25000" i="1" lang="en" sz="1900">
-                <a:solidFill>
-                  <a:srgbClr val="7F7F7F"/>
-                </a:solidFill>
-                <a:latin typeface="Questrial"/>
-                <a:ea typeface="Questrial"/>
-                <a:cs typeface="Questrial"/>
-                <a:sym typeface="Questrial"/>
-              </a:rPr>
-              <a:t>1</a:t>
-            </a:r>
-            <a:r>
-              <a:rPr i="1" lang="en" sz="1900">
-                <a:solidFill>
-                  <a:srgbClr val="7F7F7F"/>
-                </a:solidFill>
-                <a:latin typeface="Questrial"/>
-                <a:ea typeface="Questrial"/>
-                <a:cs typeface="Questrial"/>
-                <a:sym typeface="Questrial"/>
-              </a:rPr>
-              <a:t> , p</a:t>
-            </a:r>
-            <a:r>
-              <a:rPr baseline="-25000" i="1" lang="en" sz="1900">
-                <a:solidFill>
-                  <a:srgbClr val="7F7F7F"/>
-                </a:solidFill>
-                <a:latin typeface="Questrial"/>
-                <a:ea typeface="Questrial"/>
-                <a:cs typeface="Questrial"/>
-                <a:sym typeface="Questrial"/>
-              </a:rPr>
-              <a:t>2</a:t>
-            </a:r>
-            <a:r>
-              <a:rPr i="1" lang="en" sz="1900">
-                <a:solidFill>
-                  <a:srgbClr val="7F7F7F"/>
-                </a:solidFill>
-                <a:latin typeface="Questrial"/>
-                <a:ea typeface="Questrial"/>
-                <a:cs typeface="Questrial"/>
-                <a:sym typeface="Questrial"/>
-              </a:rPr>
-              <a:t> , p</a:t>
-            </a:r>
-            <a:r>
-              <a:rPr baseline="-25000" i="1" lang="en" sz="1900">
-                <a:solidFill>
-                  <a:srgbClr val="7F7F7F"/>
-                </a:solidFill>
-                <a:latin typeface="Questrial"/>
-                <a:ea typeface="Questrial"/>
-                <a:cs typeface="Questrial"/>
-                <a:sym typeface="Questrial"/>
-              </a:rPr>
-              <a:t>3</a:t>
-            </a:r>
-            <a:r>
-              <a:rPr i="1" lang="en" sz="1900">
-                <a:solidFill>
-                  <a:srgbClr val="7F7F7F"/>
-                </a:solidFill>
-                <a:latin typeface="Questrial"/>
-                <a:ea typeface="Questrial"/>
-                <a:cs typeface="Questrial"/>
-                <a:sym typeface="Questrial"/>
-              </a:rPr>
-              <a:t> , p</a:t>
-            </a:r>
-            <a:r>
-              <a:rPr baseline="-25000" i="1" lang="en" sz="1900">
-                <a:solidFill>
-                  <a:srgbClr val="7F7F7F"/>
-                </a:solidFill>
-                <a:latin typeface="Questrial"/>
-                <a:ea typeface="Questrial"/>
-                <a:cs typeface="Questrial"/>
-                <a:sym typeface="Questrial"/>
-              </a:rPr>
-              <a:t>4</a:t>
-            </a:r>
-            <a:r>
-              <a:rPr i="1" lang="en" sz="1900">
-                <a:solidFill>
-                  <a:srgbClr val="7F7F7F"/>
-                </a:solidFill>
-                <a:latin typeface="Questrial"/>
-                <a:ea typeface="Questrial"/>
-                <a:cs typeface="Questrial"/>
-                <a:sym typeface="Questrial"/>
-              </a:rPr>
-              <a:t> and p</a:t>
-            </a:r>
-            <a:r>
-              <a:rPr baseline="-25000" i="1" lang="en" sz="1900">
-                <a:solidFill>
-                  <a:srgbClr val="7F7F7F"/>
-                </a:solidFill>
-                <a:latin typeface="Questrial"/>
-                <a:ea typeface="Questrial"/>
-                <a:cs typeface="Questrial"/>
-                <a:sym typeface="Questrial"/>
-              </a:rPr>
-              <a:t>5</a:t>
-            </a:r>
-            <a:r>
-              <a:rPr i="1" lang="en" sz="1900">
-                <a:solidFill>
-                  <a:srgbClr val="7F7F7F"/>
-                </a:solidFill>
-                <a:latin typeface="Questrial"/>
-                <a:ea typeface="Questrial"/>
-                <a:cs typeface="Questrial"/>
-                <a:sym typeface="Questrial"/>
-              </a:rPr>
-              <a:t> , </a:t>
-            </a:r>
-            <a:r>
-              <a:rPr lang="en" sz="1900">
-                <a:solidFill>
-                  <a:srgbClr val="7F7F7F"/>
-                </a:solidFill>
-                <a:latin typeface="Questrial"/>
-                <a:ea typeface="Questrial"/>
-                <a:cs typeface="Questrial"/>
-                <a:sym typeface="Questrial"/>
-              </a:rPr>
-              <a:t>respectively. Then the logarithms of the odds of answering in certain ways would be:</a:t>
+              <a:t>An ordinal variable is similar to a categorical variable, the difference lying in the fact that there is a clear ordering of the variables. </a:t>
             </a:r>
           </a:p>
           <a:p>
@@ -18545,34 +18550,6 @@
           </a:p>
         </p:txBody>
       </p:sp>
-      <p:pic>
-        <p:nvPicPr>
-          <p:cNvPr id="205" name="Shape 205"/>
-          <p:cNvPicPr preferRelativeResize="0"/>
-          <p:nvPr/>
-        </p:nvPicPr>
-        <p:blipFill>
-          <a:blip r:embed="rId3">
-            <a:alphaModFix/>
-          </a:blip>
-          <a:stretch>
-            <a:fillRect/>
-          </a:stretch>
-        </p:blipFill>
-        <p:spPr>
-          <a:xfrm>
-            <a:off x="1557199" y="3132625"/>
-            <a:ext cx="5214800" cy="1554899"/>
-          </a:xfrm>
-          <a:prstGeom prst="rect">
-            <a:avLst/>
-          </a:prstGeom>
-          <a:noFill/>
-          <a:ln>
-            <a:noFill/>
-          </a:ln>
-        </p:spPr>
-      </p:pic>
     </p:spTree>
   </p:cSld>
   <p:clrMapOvr>
@@ -18596,7 +18573,7 @@
     </p:bg>
     <p:spTree>
       <p:nvGrpSpPr>
-        <p:cNvPr id="209" name="Shape 209"/>
+        <p:cNvPr id="208" name="Shape 208"/>
         <p:cNvGrpSpPr/>
         <p:nvPr/>
       </p:nvGrpSpPr>
@@ -18610,7 +18587,7 @@
       </p:grpSpPr>
       <p:sp>
         <p:nvSpPr>
-          <p:cNvPr id="210" name="Shape 210"/>
+          <p:cNvPr id="209" name="Shape 209"/>
           <p:cNvSpPr txBox="1"/>
           <p:nvPr>
             <p:ph type="title"/>
@@ -18618,8 +18595,8 @@
         </p:nvSpPr>
         <p:spPr>
           <a:xfrm>
-            <a:off x="157875" y="0"/>
-            <a:ext cx="7886700" cy="869100"/>
+            <a:off x="628650" y="273843"/>
+            <a:ext cx="7886700" cy="994200"/>
           </a:xfrm>
           <a:prstGeom prst="rect">
             <a:avLst/>
@@ -18663,62 +18640,14 @@
                 <a:cs typeface="Times New Roman"/>
                 <a:sym typeface="Times New Roman"/>
               </a:rPr>
-              <a:t>RDERED </a:t>
-            </a:r>
-            <a:r>
-              <a:rPr lang="en" u="sng">
-                <a:solidFill>
-                  <a:srgbClr val="7F7F7F"/>
-                </a:solidFill>
-                <a:latin typeface="Times New Roman"/>
-                <a:ea typeface="Times New Roman"/>
-                <a:cs typeface="Times New Roman"/>
-                <a:sym typeface="Times New Roman"/>
-              </a:rPr>
-              <a:t>L</a:t>
-            </a:r>
-            <a:r>
-              <a:rPr lang="en">
-                <a:solidFill>
-                  <a:srgbClr val="7F7F7F"/>
-                </a:solidFill>
-                <a:latin typeface="Times New Roman"/>
-                <a:ea typeface="Times New Roman"/>
-                <a:cs typeface="Times New Roman"/>
-                <a:sym typeface="Times New Roman"/>
-              </a:rPr>
-              <a:t>OGISTIC </a:t>
-            </a:r>
-            <a:r>
-              <a:rPr lang="en" u="sng">
-                <a:solidFill>
-                  <a:srgbClr val="7F7F7F"/>
-                </a:solidFill>
-                <a:latin typeface="Times New Roman"/>
-                <a:ea typeface="Times New Roman"/>
-                <a:cs typeface="Times New Roman"/>
-                <a:sym typeface="Times New Roman"/>
-              </a:rPr>
-              <a:t>R</a:t>
-            </a:r>
-            <a:r>
-              <a:rPr lang="en">
-                <a:solidFill>
-                  <a:srgbClr val="7F7F7F"/>
-                </a:solidFill>
-                <a:latin typeface="Times New Roman"/>
-                <a:ea typeface="Times New Roman"/>
-                <a:cs typeface="Times New Roman"/>
-                <a:sym typeface="Times New Roman"/>
-              </a:rPr>
-              <a:t>EGRESSION</a:t>
+              <a:t>RDERED LOGISTIC REGRESSION</a:t>
             </a:r>
           </a:p>
         </p:txBody>
       </p:sp>
       <p:sp>
         <p:nvSpPr>
-          <p:cNvPr id="211" name="Shape 211"/>
+          <p:cNvPr id="210" name="Shape 210"/>
           <p:cNvSpPr txBox="1"/>
           <p:nvPr>
             <p:ph idx="1" type="body"/>
@@ -18726,8 +18655,8 @@
         </p:nvSpPr>
         <p:spPr>
           <a:xfrm>
-            <a:off x="610550" y="618900"/>
-            <a:ext cx="8098799" cy="4524600"/>
+            <a:off x="628650" y="1369218"/>
+            <a:ext cx="7886700" cy="3263400"/>
           </a:xfrm>
           <a:prstGeom prst="rect">
             <a:avLst/>
@@ -18750,6 +18679,227 @@
               <a:buNone/>
             </a:pPr>
             <a:r>
+              <a:rPr lang="en" sz="2000">
+                <a:latin typeface="Questrial"/>
+                <a:ea typeface="Questrial"/>
+                <a:cs typeface="Questrial"/>
+                <a:sym typeface="Questrial"/>
+              </a:rPr>
+              <a:t>‣ </a:t>
+            </a:r>
+            <a:r>
+              <a:rPr lang="en" sz="1900">
+                <a:solidFill>
+                  <a:srgbClr val="7F7F7F"/>
+                </a:solidFill>
+                <a:latin typeface="Questrial"/>
+                <a:ea typeface="Questrial"/>
+                <a:cs typeface="Questrial"/>
+                <a:sym typeface="Questrial"/>
+              </a:rPr>
+              <a:t>Let us consider an example. Say the proportion of members of the statistical population who would answer </a:t>
+            </a:r>
+            <a:r>
+              <a:rPr i="1" lang="en" sz="1900">
+                <a:solidFill>
+                  <a:srgbClr val="7F7F7F"/>
+                </a:solidFill>
+                <a:latin typeface="Questrial"/>
+                <a:ea typeface="Questrial"/>
+                <a:cs typeface="Questrial"/>
+                <a:sym typeface="Questrial"/>
+              </a:rPr>
+              <a:t>poor, fair, good, very good </a:t>
+            </a:r>
+            <a:r>
+              <a:rPr lang="en" sz="1900">
+                <a:solidFill>
+                  <a:srgbClr val="7F7F7F"/>
+                </a:solidFill>
+                <a:latin typeface="Questrial"/>
+                <a:ea typeface="Questrial"/>
+                <a:cs typeface="Questrial"/>
+                <a:sym typeface="Questrial"/>
+              </a:rPr>
+              <a:t>and </a:t>
+            </a:r>
+            <a:r>
+              <a:rPr i="1" lang="en" sz="1900">
+                <a:solidFill>
+                  <a:srgbClr val="7F7F7F"/>
+                </a:solidFill>
+                <a:latin typeface="Questrial"/>
+                <a:ea typeface="Questrial"/>
+                <a:cs typeface="Questrial"/>
+                <a:sym typeface="Questrial"/>
+              </a:rPr>
+              <a:t>excellent </a:t>
+            </a:r>
+            <a:r>
+              <a:rPr lang="en" sz="1900">
+                <a:solidFill>
+                  <a:srgbClr val="7F7F7F"/>
+                </a:solidFill>
+                <a:latin typeface="Questrial"/>
+                <a:ea typeface="Questrial"/>
+                <a:cs typeface="Questrial"/>
+                <a:sym typeface="Questrial"/>
+              </a:rPr>
+              <a:t>are </a:t>
+            </a:r>
+            <a:r>
+              <a:rPr i="1" lang="en" sz="1900">
+                <a:solidFill>
+                  <a:srgbClr val="7F7F7F"/>
+                </a:solidFill>
+                <a:latin typeface="Questrial"/>
+                <a:ea typeface="Questrial"/>
+                <a:cs typeface="Questrial"/>
+                <a:sym typeface="Questrial"/>
+              </a:rPr>
+              <a:t>p</a:t>
+            </a:r>
+            <a:r>
+              <a:rPr baseline="-25000" i="1" lang="en" sz="1900">
+                <a:solidFill>
+                  <a:srgbClr val="7F7F7F"/>
+                </a:solidFill>
+                <a:latin typeface="Questrial"/>
+                <a:ea typeface="Questrial"/>
+                <a:cs typeface="Questrial"/>
+                <a:sym typeface="Questrial"/>
+              </a:rPr>
+              <a:t>1</a:t>
+            </a:r>
+            <a:r>
+              <a:rPr i="1" lang="en" sz="1900">
+                <a:solidFill>
+                  <a:srgbClr val="7F7F7F"/>
+                </a:solidFill>
+                <a:latin typeface="Questrial"/>
+                <a:ea typeface="Questrial"/>
+                <a:cs typeface="Questrial"/>
+                <a:sym typeface="Questrial"/>
+              </a:rPr>
+              <a:t> , p</a:t>
+            </a:r>
+            <a:r>
+              <a:rPr baseline="-25000" i="1" lang="en" sz="1900">
+                <a:solidFill>
+                  <a:srgbClr val="7F7F7F"/>
+                </a:solidFill>
+                <a:latin typeface="Questrial"/>
+                <a:ea typeface="Questrial"/>
+                <a:cs typeface="Questrial"/>
+                <a:sym typeface="Questrial"/>
+              </a:rPr>
+              <a:t>2</a:t>
+            </a:r>
+            <a:r>
+              <a:rPr i="1" lang="en" sz="1900">
+                <a:solidFill>
+                  <a:srgbClr val="7F7F7F"/>
+                </a:solidFill>
+                <a:latin typeface="Questrial"/>
+                <a:ea typeface="Questrial"/>
+                <a:cs typeface="Questrial"/>
+                <a:sym typeface="Questrial"/>
+              </a:rPr>
+              <a:t> , p</a:t>
+            </a:r>
+            <a:r>
+              <a:rPr baseline="-25000" i="1" lang="en" sz="1900">
+                <a:solidFill>
+                  <a:srgbClr val="7F7F7F"/>
+                </a:solidFill>
+                <a:latin typeface="Questrial"/>
+                <a:ea typeface="Questrial"/>
+                <a:cs typeface="Questrial"/>
+                <a:sym typeface="Questrial"/>
+              </a:rPr>
+              <a:t>3</a:t>
+            </a:r>
+            <a:r>
+              <a:rPr i="1" lang="en" sz="1900">
+                <a:solidFill>
+                  <a:srgbClr val="7F7F7F"/>
+                </a:solidFill>
+                <a:latin typeface="Questrial"/>
+                <a:ea typeface="Questrial"/>
+                <a:cs typeface="Questrial"/>
+                <a:sym typeface="Questrial"/>
+              </a:rPr>
+              <a:t> , p</a:t>
+            </a:r>
+            <a:r>
+              <a:rPr baseline="-25000" i="1" lang="en" sz="1900">
+                <a:solidFill>
+                  <a:srgbClr val="7F7F7F"/>
+                </a:solidFill>
+                <a:latin typeface="Questrial"/>
+                <a:ea typeface="Questrial"/>
+                <a:cs typeface="Questrial"/>
+                <a:sym typeface="Questrial"/>
+              </a:rPr>
+              <a:t>4</a:t>
+            </a:r>
+            <a:r>
+              <a:rPr i="1" lang="en" sz="1900">
+                <a:solidFill>
+                  <a:srgbClr val="7F7F7F"/>
+                </a:solidFill>
+                <a:latin typeface="Questrial"/>
+                <a:ea typeface="Questrial"/>
+                <a:cs typeface="Questrial"/>
+                <a:sym typeface="Questrial"/>
+              </a:rPr>
+              <a:t> and p</a:t>
+            </a:r>
+            <a:r>
+              <a:rPr baseline="-25000" i="1" lang="en" sz="1900">
+                <a:solidFill>
+                  <a:srgbClr val="7F7F7F"/>
+                </a:solidFill>
+                <a:latin typeface="Questrial"/>
+                <a:ea typeface="Questrial"/>
+                <a:cs typeface="Questrial"/>
+                <a:sym typeface="Questrial"/>
+              </a:rPr>
+              <a:t>5</a:t>
+            </a:r>
+            <a:r>
+              <a:rPr i="1" lang="en" sz="1900">
+                <a:solidFill>
+                  <a:srgbClr val="7F7F7F"/>
+                </a:solidFill>
+                <a:latin typeface="Questrial"/>
+                <a:ea typeface="Questrial"/>
+                <a:cs typeface="Questrial"/>
+                <a:sym typeface="Questrial"/>
+              </a:rPr>
+              <a:t> , </a:t>
+            </a:r>
+            <a:r>
+              <a:rPr lang="en" sz="1900">
+                <a:solidFill>
+                  <a:srgbClr val="7F7F7F"/>
+                </a:solidFill>
+                <a:latin typeface="Questrial"/>
+                <a:ea typeface="Questrial"/>
+                <a:cs typeface="Questrial"/>
+                <a:sym typeface="Questrial"/>
+              </a:rPr>
+              <a:t>respectively. Then the logarithms of the odds of answering in certain ways would be:</a:t>
+            </a:r>
+          </a:p>
+          <a:p>
+            <a:pPr indent="0" lvl="0" marL="0" rtl="0">
+              <a:spcBef>
+                <a:spcPts val="0"/>
+              </a:spcBef>
+              <a:buNone/>
+            </a:pPr>
+            <a:r>
               <a:t/>
             </a:r>
             <a:endParaRPr>
@@ -18763,427 +18913,10 @@
             </a:endParaRPr>
           </a:p>
           <a:p>
-            <a:pPr indent="-50800" lvl="0" marL="228600" rtl="0">
-              <a:spcBef>
-                <a:spcPts val="0"/>
-              </a:spcBef>
-              <a:buClr>
-                <a:srgbClr val="7F7F7F"/>
-              </a:buClr>
-              <a:buSzPct val="100000"/>
-              <a:buFont typeface="Questrial"/>
-            </a:pPr>
-            <a:r>
-              <a:rPr lang="en" sz="1800">
-                <a:solidFill>
-                  <a:srgbClr val="7F7F7F"/>
-                </a:solidFill>
-                <a:latin typeface="Questrial"/>
-                <a:ea typeface="Questrial"/>
-                <a:cs typeface="Questrial"/>
-                <a:sym typeface="Questrial"/>
-              </a:rPr>
-              <a:t>Suppose the underlying process to be characterized is:</a:t>
-            </a:r>
-          </a:p>
-          <a:p>
-            <a:pPr indent="0" marL="0" rtl="0">
-              <a:spcBef>
-                <a:spcPts val="0"/>
-              </a:spcBef>
-              <a:buNone/>
-            </a:pPr>
-            <a:r>
-              <a:rPr lang="en" sz="1800">
-                <a:solidFill>
-                  <a:srgbClr val="7F7F7F"/>
-                </a:solidFill>
-                <a:latin typeface="Questrial"/>
-                <a:ea typeface="Questrial"/>
-                <a:cs typeface="Questrial"/>
-                <a:sym typeface="Questrial"/>
-              </a:rPr>
-              <a:t>where y</a:t>
-            </a:r>
-            <a:r>
-              <a:rPr b="1" lang="en" sz="1800">
-                <a:solidFill>
-                  <a:srgbClr val="7F7F7F"/>
-                </a:solidFill>
-                <a:latin typeface="Questrial"/>
-                <a:ea typeface="Questrial"/>
-                <a:cs typeface="Questrial"/>
-                <a:sym typeface="Questrial"/>
-              </a:rPr>
-              <a:t>* </a:t>
-            </a:r>
-            <a:r>
-              <a:rPr lang="en" sz="1800">
-                <a:solidFill>
-                  <a:srgbClr val="7F7F7F"/>
-                </a:solidFill>
-                <a:latin typeface="Questrial"/>
-                <a:ea typeface="Questrial"/>
-                <a:cs typeface="Questrial"/>
-                <a:sym typeface="Questrial"/>
-              </a:rPr>
-              <a:t>is the exact but unobserved variable, x</a:t>
-            </a:r>
-            <a:r>
-              <a:rPr b="1" lang="en" sz="1800">
-                <a:solidFill>
-                  <a:srgbClr val="7F7F7F"/>
-                </a:solidFill>
-                <a:latin typeface="Questrial"/>
-                <a:ea typeface="Questrial"/>
-                <a:cs typeface="Questrial"/>
-                <a:sym typeface="Questrial"/>
-              </a:rPr>
-              <a:t>’</a:t>
-            </a:r>
-            <a:r>
-              <a:rPr lang="en" sz="1800">
-                <a:solidFill>
-                  <a:srgbClr val="7F7F7F"/>
-                </a:solidFill>
-                <a:latin typeface="Questrial"/>
-                <a:ea typeface="Questrial"/>
-                <a:cs typeface="Questrial"/>
-                <a:sym typeface="Questrial"/>
-              </a:rPr>
-              <a:t> is the vector of independent variables and      is the vector of regression coefficients. We cannot observe y</a:t>
-            </a:r>
-            <a:r>
-              <a:rPr b="1" lang="en" sz="1800">
-                <a:solidFill>
-                  <a:srgbClr val="7F7F7F"/>
-                </a:solidFill>
-                <a:latin typeface="Questrial"/>
-                <a:ea typeface="Questrial"/>
-                <a:cs typeface="Questrial"/>
-                <a:sym typeface="Questrial"/>
-              </a:rPr>
-              <a:t>*</a:t>
-            </a:r>
-            <a:r>
-              <a:rPr lang="en" sz="1800">
-                <a:solidFill>
-                  <a:srgbClr val="7F7F7F"/>
-                </a:solidFill>
-                <a:latin typeface="Questrial"/>
-                <a:ea typeface="Questrial"/>
-                <a:cs typeface="Questrial"/>
-                <a:sym typeface="Questrial"/>
-              </a:rPr>
-              <a:t>, only the categories:</a:t>
-            </a:r>
-          </a:p>
-          <a:p>
-            <a:pPr indent="0" marL="0" rtl="0">
-              <a:spcBef>
-                <a:spcPts val="0"/>
-              </a:spcBef>
-              <a:buNone/>
-            </a:pPr>
-            <a:r>
-              <a:t/>
-            </a:r>
-            <a:endParaRPr sz="1800">
-              <a:solidFill>
-                <a:srgbClr val="7F7F7F"/>
-              </a:solidFill>
-              <a:latin typeface="Questrial"/>
-              <a:ea typeface="Questrial"/>
-              <a:cs typeface="Questrial"/>
-              <a:sym typeface="Questrial"/>
-            </a:endParaRPr>
-          </a:p>
-          <a:p>
-            <a:pPr indent="0" marL="0" rtl="0">
-              <a:spcBef>
-                <a:spcPts val="0"/>
-              </a:spcBef>
-              <a:buNone/>
-            </a:pPr>
-            <a:r>
-              <a:t/>
-            </a:r>
-            <a:endParaRPr sz="1800">
-              <a:solidFill>
-                <a:srgbClr val="7F7F7F"/>
-              </a:solidFill>
-              <a:latin typeface="Questrial"/>
-              <a:ea typeface="Questrial"/>
-              <a:cs typeface="Questrial"/>
-              <a:sym typeface="Questrial"/>
-            </a:endParaRPr>
-          </a:p>
-          <a:p>
-            <a:pPr indent="0" marL="0" rtl="0">
-              <a:spcBef>
-                <a:spcPts val="0"/>
-              </a:spcBef>
-              <a:buNone/>
-            </a:pPr>
-            <a:r>
-              <a:t/>
-            </a:r>
-            <a:endParaRPr sz="1800">
-              <a:solidFill>
-                <a:srgbClr val="7F7F7F"/>
-              </a:solidFill>
-              <a:latin typeface="Questrial"/>
-              <a:ea typeface="Questrial"/>
-              <a:cs typeface="Questrial"/>
-              <a:sym typeface="Questrial"/>
-            </a:endParaRPr>
-          </a:p>
-          <a:p>
-            <a:pPr indent="0" marL="0" rtl="0">
-              <a:spcBef>
-                <a:spcPts val="0"/>
-              </a:spcBef>
-              <a:buNone/>
-            </a:pPr>
-            <a:r>
-              <a:t/>
-            </a:r>
-            <a:endParaRPr sz="1800">
-              <a:solidFill>
-                <a:srgbClr val="7F7F7F"/>
-              </a:solidFill>
-              <a:latin typeface="Questrial"/>
-              <a:ea typeface="Questrial"/>
-              <a:cs typeface="Questrial"/>
-              <a:sym typeface="Questrial"/>
-            </a:endParaRPr>
-          </a:p>
-          <a:p>
-            <a:pPr indent="0" marL="0" rtl="0">
-              <a:spcBef>
-                <a:spcPts val="0"/>
-              </a:spcBef>
-              <a:buNone/>
-            </a:pPr>
-            <a:r>
-              <a:t/>
-            </a:r>
-            <a:endParaRPr sz="1800">
-              <a:solidFill>
-                <a:srgbClr val="7F7F7F"/>
-              </a:solidFill>
-              <a:latin typeface="Questrial"/>
-              <a:ea typeface="Questrial"/>
-              <a:cs typeface="Questrial"/>
-              <a:sym typeface="Questrial"/>
-            </a:endParaRPr>
-          </a:p>
-          <a:p>
-            <a:pPr indent="0" marL="0" rtl="0">
-              <a:spcBef>
-                <a:spcPts val="0"/>
-              </a:spcBef>
-              <a:buNone/>
-            </a:pPr>
-            <a:r>
-              <a:t/>
-            </a:r>
-            <a:endParaRPr sz="1800">
-              <a:solidFill>
-                <a:srgbClr val="7F7F7F"/>
-              </a:solidFill>
-              <a:latin typeface="Questrial"/>
-              <a:ea typeface="Questrial"/>
-              <a:cs typeface="Questrial"/>
-              <a:sym typeface="Questrial"/>
-            </a:endParaRPr>
-          </a:p>
-          <a:p>
-            <a:pPr indent="0" marL="0" rtl="0">
-              <a:spcBef>
-                <a:spcPts val="0"/>
-              </a:spcBef>
-              <a:buNone/>
-            </a:pPr>
-            <a:r>
-              <a:rPr lang="en" sz="1800">
-                <a:solidFill>
-                  <a:srgbClr val="7F7F7F"/>
-                </a:solidFill>
-                <a:latin typeface="Questrial"/>
-                <a:ea typeface="Questrial"/>
-                <a:cs typeface="Questrial"/>
-                <a:sym typeface="Questrial"/>
-              </a:rPr>
-              <a:t>Then this technique uses observations on </a:t>
-            </a:r>
-            <a:r>
-              <a:rPr i="1" lang="en" sz="1800">
-                <a:solidFill>
-                  <a:srgbClr val="7F7F7F"/>
-                </a:solidFill>
-                <a:latin typeface="Questrial"/>
-                <a:ea typeface="Questrial"/>
-                <a:cs typeface="Questrial"/>
-                <a:sym typeface="Questrial"/>
-              </a:rPr>
-              <a:t>y</a:t>
-            </a:r>
-            <a:r>
-              <a:rPr lang="en" sz="1800">
-                <a:solidFill>
-                  <a:srgbClr val="7F7F7F"/>
-                </a:solidFill>
-                <a:latin typeface="Questrial"/>
-                <a:ea typeface="Questrial"/>
-                <a:cs typeface="Questrial"/>
-                <a:sym typeface="Questrial"/>
-              </a:rPr>
-              <a:t> which are a form of censored data on </a:t>
-            </a:r>
-            <a:r>
-              <a:rPr i="1" lang="en" sz="1800">
-                <a:solidFill>
-                  <a:srgbClr val="7F7F7F"/>
-                </a:solidFill>
-                <a:latin typeface="Questrial"/>
-                <a:ea typeface="Questrial"/>
-                <a:cs typeface="Questrial"/>
-                <a:sym typeface="Questrial"/>
-              </a:rPr>
-              <a:t>y</a:t>
-            </a:r>
-            <a:r>
-              <a:rPr b="1" i="1" lang="en" sz="1800">
-                <a:solidFill>
-                  <a:srgbClr val="7F7F7F"/>
-                </a:solidFill>
-                <a:latin typeface="Questrial"/>
-                <a:ea typeface="Questrial"/>
-                <a:cs typeface="Questrial"/>
-                <a:sym typeface="Questrial"/>
-              </a:rPr>
-              <a:t>*</a:t>
-            </a:r>
-            <a:r>
-              <a:rPr lang="en" sz="1800">
-                <a:solidFill>
-                  <a:srgbClr val="7F7F7F"/>
-                </a:solidFill>
-                <a:latin typeface="Questrial"/>
-                <a:ea typeface="Questrial"/>
-                <a:cs typeface="Questrial"/>
-                <a:sym typeface="Questrial"/>
-              </a:rPr>
-              <a:t> to fit the parameter vector </a:t>
-            </a:r>
-          </a:p>
-          <a:p>
             <a:pPr indent="0" lvl="0" marL="0" rtl="0">
               <a:spcBef>
                 <a:spcPts val="0"/>
               </a:spcBef>
-              <a:buNone/>
-            </a:pPr>
-            <a:r>
-              <a:t/>
-            </a:r>
-            <a:endParaRPr sz="1800">
-              <a:solidFill>
-                <a:srgbClr val="7F7F7F"/>
-              </a:solidFill>
-              <a:latin typeface="Questrial"/>
-              <a:ea typeface="Questrial"/>
-              <a:cs typeface="Questrial"/>
-              <a:sym typeface="Questrial"/>
-            </a:endParaRPr>
-          </a:p>
-          <a:p>
-            <a:pPr indent="0" lvl="0" marL="0" rtl="0">
-              <a:lnSpc>
-                <a:spcPct val="100000"/>
-              </a:lnSpc>
-              <a:spcBef>
-                <a:spcPts val="0"/>
-              </a:spcBef>
-              <a:buClr>
-                <a:srgbClr val="000000"/>
-              </a:buClr>
-              <a:buFont typeface="Arial"/>
-              <a:buNone/>
-            </a:pPr>
-            <a:r>
-              <a:t/>
-            </a:r>
-            <a:endParaRPr sz="1400">
-              <a:solidFill>
-                <a:srgbClr val="7F7F7F"/>
-              </a:solidFill>
-              <a:latin typeface="Questrial"/>
-              <a:ea typeface="Questrial"/>
-              <a:cs typeface="Questrial"/>
-              <a:sym typeface="Questrial"/>
-            </a:endParaRPr>
-          </a:p>
-          <a:p>
-            <a:pPr indent="0" lvl="0" marL="0" rtl="0">
-              <a:lnSpc>
-                <a:spcPct val="100000"/>
-              </a:lnSpc>
-              <a:spcBef>
-                <a:spcPts val="0"/>
-              </a:spcBef>
-              <a:buNone/>
-            </a:pPr>
-            <a:r>
-              <a:t/>
-            </a:r>
-            <a:endParaRPr sz="1800">
-              <a:solidFill>
-                <a:srgbClr val="7F7F7F"/>
-              </a:solidFill>
-              <a:latin typeface="Questrial"/>
-              <a:ea typeface="Questrial"/>
-              <a:cs typeface="Questrial"/>
-              <a:sym typeface="Questrial"/>
-            </a:endParaRPr>
-          </a:p>
-          <a:p>
-            <a:pPr indent="0" lvl="0" marL="0" rtl="0">
-              <a:lnSpc>
-                <a:spcPct val="100000"/>
-              </a:lnSpc>
-              <a:spcBef>
-                <a:spcPts val="0"/>
-              </a:spcBef>
-              <a:buClr>
-                <a:srgbClr val="000000"/>
-              </a:buClr>
-              <a:buFont typeface="Arial"/>
-              <a:buNone/>
-            </a:pPr>
-            <a:r>
-              <a:t/>
-            </a:r>
-            <a:endParaRPr sz="2300">
-              <a:solidFill>
-                <a:srgbClr val="7F7F7F"/>
-              </a:solidFill>
-              <a:latin typeface="Questrial"/>
-              <a:ea typeface="Questrial"/>
-              <a:cs typeface="Questrial"/>
-              <a:sym typeface="Questrial"/>
-            </a:endParaRPr>
-          </a:p>
-          <a:p>
-            <a:pPr indent="0" lvl="0" marL="0" rtl="0">
-              <a:spcBef>
-                <a:spcPts val="0"/>
-              </a:spcBef>
-              <a:buClr>
-                <a:schemeClr val="dk1"/>
-              </a:buClr>
-              <a:buFont typeface="Arial"/>
               <a:buNone/>
             </a:pPr>
             <a:r>
@@ -19219,7 +18952,7 @@
             <a:r>
               <a:t/>
             </a:r>
-            <a:endParaRPr sz="1800">
+            <a:endParaRPr sz="2300">
               <a:solidFill>
                 <a:srgbClr val="7F7F7F"/>
               </a:solidFill>
@@ -19233,7 +18966,7 @@
       </p:sp>
       <p:pic>
         <p:nvPicPr>
-          <p:cNvPr id="212" name="Shape 212"/>
+          <p:cNvPr id="211" name="Shape 211"/>
           <p:cNvPicPr preferRelativeResize="0"/>
           <p:nvPr/>
         </p:nvPicPr>
@@ -19247,92 +18980,8 @@
         </p:blipFill>
         <p:spPr>
           <a:xfrm>
-            <a:off x="6654300" y="904825"/>
-            <a:ext cx="1390275" cy="263074"/>
-          </a:xfrm>
-          <a:prstGeom prst="rect">
-            <a:avLst/>
-          </a:prstGeom>
-          <a:noFill/>
-          <a:ln>
-            <a:noFill/>
-          </a:ln>
-        </p:spPr>
-      </p:pic>
-      <p:pic>
-        <p:nvPicPr>
-          <p:cNvPr id="213" name="Shape 213"/>
-          <p:cNvPicPr preferRelativeResize="0"/>
-          <p:nvPr/>
-        </p:nvPicPr>
-        <p:blipFill>
-          <a:blip r:embed="rId4">
-            <a:alphaModFix/>
-          </a:blip>
-          <a:stretch>
-            <a:fillRect/>
-          </a:stretch>
-        </p:blipFill>
-        <p:spPr>
-          <a:xfrm>
-            <a:off x="2091901" y="1478725"/>
-            <a:ext cx="185050" cy="304800"/>
-          </a:xfrm>
-          <a:prstGeom prst="rect">
-            <a:avLst/>
-          </a:prstGeom>
-          <a:noFill/>
-          <a:ln>
-            <a:noFill/>
-          </a:ln>
-        </p:spPr>
-      </p:pic>
-      <p:pic>
-        <p:nvPicPr>
-          <p:cNvPr id="214" name="Shape 214"/>
-          <p:cNvPicPr preferRelativeResize="0"/>
-          <p:nvPr/>
-        </p:nvPicPr>
-        <p:blipFill>
-          <a:blip r:embed="rId5">
-            <a:alphaModFix/>
-          </a:blip>
-          <a:stretch>
-            <a:fillRect/>
-          </a:stretch>
-        </p:blipFill>
-        <p:spPr>
-          <a:xfrm>
-            <a:off x="2954387" y="1783525"/>
-            <a:ext cx="3411124" cy="1896450"/>
-          </a:xfrm>
-          <a:prstGeom prst="rect">
-            <a:avLst/>
-          </a:prstGeom>
-          <a:noFill/>
-          <a:ln>
-            <a:noFill/>
-          </a:ln>
-        </p:spPr>
-      </p:pic>
-      <p:pic>
-        <p:nvPicPr>
-          <p:cNvPr id="215" name="Shape 215"/>
-          <p:cNvPicPr preferRelativeResize="0"/>
-          <p:nvPr/>
-        </p:nvPicPr>
-        <p:blipFill>
-          <a:blip r:embed="rId4">
-            <a:alphaModFix/>
-          </a:blip>
-          <a:stretch>
-            <a:fillRect/>
-          </a:stretch>
-        </p:blipFill>
-        <p:spPr>
-          <a:xfrm>
-            <a:off x="3928250" y="3939775"/>
-            <a:ext cx="185050" cy="304800"/>
+            <a:off x="1964600" y="2920150"/>
+            <a:ext cx="5214800" cy="1554899"/>
           </a:xfrm>
           <a:prstGeom prst="rect">
             <a:avLst/>
@@ -19366,7 +19015,7 @@
     </p:bg>
     <p:spTree>
       <p:nvGrpSpPr>
-        <p:cNvPr id="219" name="Shape 219"/>
+        <p:cNvPr id="215" name="Shape 215"/>
         <p:cNvGrpSpPr/>
         <p:nvPr/>
       </p:nvGrpSpPr>
@@ -19380,7 +19029,7 @@
       </p:grpSpPr>
       <p:sp>
         <p:nvSpPr>
-          <p:cNvPr id="220" name="Shape 220"/>
+          <p:cNvPr id="216" name="Shape 216"/>
           <p:cNvSpPr txBox="1"/>
           <p:nvPr>
             <p:ph type="title"/>
@@ -19388,7 +19037,1118 @@
         </p:nvSpPr>
         <p:spPr>
           <a:xfrm>
-            <a:off x="0" y="-6"/>
+            <a:off x="628650" y="273843"/>
+            <a:ext cx="7886700" cy="994200"/>
+          </a:xfrm>
+          <a:prstGeom prst="rect">
+            <a:avLst/>
+          </a:prstGeom>
+          <a:noFill/>
+          <a:ln>
+            <a:noFill/>
+          </a:ln>
+        </p:spPr>
+        <p:txBody>
+          <a:bodyPr anchorCtr="0" anchor="ctr" bIns="34275" lIns="68575" rIns="68575" tIns="34275">
+            <a:noAutofit/>
+          </a:bodyPr>
+          <a:lstStyle/>
+          <a:p>
+            <a:pPr lvl="0" rtl="0">
+              <a:spcBef>
+                <a:spcPts val="0"/>
+              </a:spcBef>
+              <a:buNone/>
+            </a:pPr>
+            <a:r>
+              <a:rPr lang="en" u="sng">
+                <a:solidFill>
+                  <a:srgbClr val="7F7F7F"/>
+                </a:solidFill>
+                <a:latin typeface="Times New Roman"/>
+                <a:ea typeface="Times New Roman"/>
+                <a:cs typeface="Times New Roman"/>
+                <a:sym typeface="Times New Roman"/>
+              </a:rPr>
+              <a:t>O</a:t>
+            </a:r>
+            <a:r>
+              <a:rPr lang="en">
+                <a:solidFill>
+                  <a:srgbClr val="7F7F7F"/>
+                </a:solidFill>
+                <a:latin typeface="Times New Roman"/>
+                <a:ea typeface="Times New Roman"/>
+                <a:cs typeface="Times New Roman"/>
+                <a:sym typeface="Times New Roman"/>
+              </a:rPr>
+              <a:t>RDERED LOGISTIC REGRESSION</a:t>
+            </a:r>
+          </a:p>
+        </p:txBody>
+      </p:sp>
+      <p:sp>
+        <p:nvSpPr>
+          <p:cNvPr id="217" name="Shape 217"/>
+          <p:cNvSpPr txBox="1"/>
+          <p:nvPr>
+            <p:ph idx="1" type="body"/>
+          </p:nvPr>
+        </p:nvSpPr>
+        <p:spPr>
+          <a:xfrm>
+            <a:off x="628650" y="1369218"/>
+            <a:ext cx="7886700" cy="3263400"/>
+          </a:xfrm>
+          <a:prstGeom prst="rect">
+            <a:avLst/>
+          </a:prstGeom>
+          <a:noFill/>
+          <a:ln>
+            <a:noFill/>
+          </a:ln>
+        </p:spPr>
+        <p:txBody>
+          <a:bodyPr anchorCtr="0" anchor="t" bIns="34275" lIns="68575" rIns="68575" tIns="34275">
+            <a:noAutofit/>
+          </a:bodyPr>
+          <a:lstStyle/>
+          <a:p>
+            <a:pPr indent="0" lvl="0" marL="0" rtl="0">
+              <a:spcBef>
+                <a:spcPts val="0"/>
+              </a:spcBef>
+              <a:buNone/>
+            </a:pPr>
+            <a:r>
+              <a:rPr lang="en" sz="2000">
+                <a:latin typeface="Questrial"/>
+                <a:ea typeface="Questrial"/>
+                <a:cs typeface="Questrial"/>
+                <a:sym typeface="Questrial"/>
+              </a:rPr>
+              <a:t>‣ </a:t>
+            </a:r>
+            <a:r>
+              <a:rPr lang="en" sz="1800">
+                <a:solidFill>
+                  <a:srgbClr val="7F7F7F"/>
+                </a:solidFill>
+                <a:latin typeface="Questrial"/>
+                <a:ea typeface="Questrial"/>
+                <a:cs typeface="Questrial"/>
+                <a:sym typeface="Questrial"/>
+              </a:rPr>
+              <a:t>Suppose the underlying process to be characterized is:</a:t>
+            </a:r>
+          </a:p>
+          <a:p>
+            <a:pPr indent="0" marL="0" rtl="0">
+              <a:spcBef>
+                <a:spcPts val="0"/>
+              </a:spcBef>
+              <a:buNone/>
+            </a:pPr>
+            <a:r>
+              <a:rPr lang="en" sz="1800">
+                <a:solidFill>
+                  <a:srgbClr val="7F7F7F"/>
+                </a:solidFill>
+                <a:latin typeface="Questrial"/>
+                <a:ea typeface="Questrial"/>
+                <a:cs typeface="Questrial"/>
+                <a:sym typeface="Questrial"/>
+              </a:rPr>
+              <a:t>where y</a:t>
+            </a:r>
+            <a:r>
+              <a:rPr b="1" lang="en" sz="1800">
+                <a:solidFill>
+                  <a:srgbClr val="7F7F7F"/>
+                </a:solidFill>
+                <a:latin typeface="Questrial"/>
+                <a:ea typeface="Questrial"/>
+                <a:cs typeface="Questrial"/>
+                <a:sym typeface="Questrial"/>
+              </a:rPr>
+              <a:t>* </a:t>
+            </a:r>
+            <a:r>
+              <a:rPr lang="en" sz="1800">
+                <a:solidFill>
+                  <a:srgbClr val="7F7F7F"/>
+                </a:solidFill>
+                <a:latin typeface="Questrial"/>
+                <a:ea typeface="Questrial"/>
+                <a:cs typeface="Questrial"/>
+                <a:sym typeface="Questrial"/>
+              </a:rPr>
+              <a:t>is the exact but unobserved variable, x</a:t>
+            </a:r>
+            <a:r>
+              <a:rPr b="1" lang="en" sz="1800">
+                <a:solidFill>
+                  <a:srgbClr val="7F7F7F"/>
+                </a:solidFill>
+                <a:latin typeface="Questrial"/>
+                <a:ea typeface="Questrial"/>
+                <a:cs typeface="Questrial"/>
+                <a:sym typeface="Questrial"/>
+              </a:rPr>
+              <a:t>’</a:t>
+            </a:r>
+            <a:r>
+              <a:rPr lang="en" sz="1800">
+                <a:solidFill>
+                  <a:srgbClr val="7F7F7F"/>
+                </a:solidFill>
+                <a:latin typeface="Questrial"/>
+                <a:ea typeface="Questrial"/>
+                <a:cs typeface="Questrial"/>
+                <a:sym typeface="Questrial"/>
+              </a:rPr>
+              <a:t> is the vector of independent variables and </a:t>
+            </a:r>
+            <a:r>
+              <a:rPr i="1" lang="en" sz="1800">
+                <a:solidFill>
+                  <a:srgbClr val="7F7F7F"/>
+                </a:solidFill>
+                <a:latin typeface="Times New Roman"/>
+                <a:ea typeface="Times New Roman"/>
+                <a:cs typeface="Times New Roman"/>
+                <a:sym typeface="Times New Roman"/>
+              </a:rPr>
+              <a:t>β</a:t>
+            </a:r>
+            <a:r>
+              <a:rPr lang="en" sz="1800">
+                <a:solidFill>
+                  <a:srgbClr val="7F7F7F"/>
+                </a:solidFill>
+                <a:latin typeface="Questrial"/>
+                <a:ea typeface="Questrial"/>
+                <a:cs typeface="Questrial"/>
+                <a:sym typeface="Questrial"/>
+              </a:rPr>
+              <a:t> is the vector of regression coefficients. We cannot observe y</a:t>
+            </a:r>
+            <a:r>
+              <a:rPr b="1" lang="en" sz="1800">
+                <a:solidFill>
+                  <a:srgbClr val="7F7F7F"/>
+                </a:solidFill>
+                <a:latin typeface="Questrial"/>
+                <a:ea typeface="Questrial"/>
+                <a:cs typeface="Questrial"/>
+                <a:sym typeface="Questrial"/>
+              </a:rPr>
+              <a:t>*</a:t>
+            </a:r>
+            <a:r>
+              <a:rPr lang="en" sz="1800">
+                <a:solidFill>
+                  <a:srgbClr val="7F7F7F"/>
+                </a:solidFill>
+                <a:latin typeface="Questrial"/>
+                <a:ea typeface="Questrial"/>
+                <a:cs typeface="Questrial"/>
+                <a:sym typeface="Questrial"/>
+              </a:rPr>
+              <a:t>, only the categories:</a:t>
+            </a:r>
+          </a:p>
+          <a:p>
+            <a:pPr indent="0" marL="0" rtl="0">
+              <a:spcBef>
+                <a:spcPts val="0"/>
+              </a:spcBef>
+              <a:buNone/>
+            </a:pPr>
+            <a:r>
+              <a:t/>
+            </a:r>
+            <a:endParaRPr sz="1800">
+              <a:solidFill>
+                <a:srgbClr val="7F7F7F"/>
+              </a:solidFill>
+              <a:latin typeface="Questrial"/>
+              <a:ea typeface="Questrial"/>
+              <a:cs typeface="Questrial"/>
+              <a:sym typeface="Questrial"/>
+            </a:endParaRPr>
+          </a:p>
+          <a:p>
+            <a:pPr indent="0" marL="0" rtl="0">
+              <a:spcBef>
+                <a:spcPts val="0"/>
+              </a:spcBef>
+              <a:buNone/>
+            </a:pPr>
+            <a:r>
+              <a:t/>
+            </a:r>
+            <a:endParaRPr sz="1800">
+              <a:solidFill>
+                <a:srgbClr val="7F7F7F"/>
+              </a:solidFill>
+              <a:latin typeface="Questrial"/>
+              <a:ea typeface="Questrial"/>
+              <a:cs typeface="Questrial"/>
+              <a:sym typeface="Questrial"/>
+            </a:endParaRPr>
+          </a:p>
+          <a:p>
+            <a:pPr indent="0" marL="0" rtl="0">
+              <a:spcBef>
+                <a:spcPts val="0"/>
+              </a:spcBef>
+              <a:buNone/>
+            </a:pPr>
+            <a:r>
+              <a:t/>
+            </a:r>
+            <a:endParaRPr sz="1800">
+              <a:solidFill>
+                <a:srgbClr val="7F7F7F"/>
+              </a:solidFill>
+              <a:latin typeface="Questrial"/>
+              <a:ea typeface="Questrial"/>
+              <a:cs typeface="Questrial"/>
+              <a:sym typeface="Questrial"/>
+            </a:endParaRPr>
+          </a:p>
+          <a:p>
+            <a:pPr indent="0" marL="0" rtl="0">
+              <a:spcBef>
+                <a:spcPts val="0"/>
+              </a:spcBef>
+              <a:buNone/>
+            </a:pPr>
+            <a:r>
+              <a:t/>
+            </a:r>
+            <a:endParaRPr sz="1800">
+              <a:solidFill>
+                <a:srgbClr val="7F7F7F"/>
+              </a:solidFill>
+              <a:latin typeface="Questrial"/>
+              <a:ea typeface="Questrial"/>
+              <a:cs typeface="Questrial"/>
+              <a:sym typeface="Questrial"/>
+            </a:endParaRPr>
+          </a:p>
+          <a:p>
+            <a:pPr indent="0" marL="0" rtl="0">
+              <a:spcBef>
+                <a:spcPts val="0"/>
+              </a:spcBef>
+              <a:buNone/>
+            </a:pPr>
+            <a:r>
+              <a:t/>
+            </a:r>
+            <a:endParaRPr sz="1800">
+              <a:solidFill>
+                <a:srgbClr val="7F7F7F"/>
+              </a:solidFill>
+              <a:latin typeface="Questrial"/>
+              <a:ea typeface="Questrial"/>
+              <a:cs typeface="Questrial"/>
+              <a:sym typeface="Questrial"/>
+            </a:endParaRPr>
+          </a:p>
+          <a:p>
+            <a:pPr indent="0" marL="0" rtl="0">
+              <a:spcBef>
+                <a:spcPts val="0"/>
+              </a:spcBef>
+              <a:buNone/>
+            </a:pPr>
+            <a:r>
+              <a:t/>
+            </a:r>
+            <a:endParaRPr sz="1800">
+              <a:solidFill>
+                <a:srgbClr val="7F7F7F"/>
+              </a:solidFill>
+              <a:latin typeface="Questrial"/>
+              <a:ea typeface="Questrial"/>
+              <a:cs typeface="Questrial"/>
+              <a:sym typeface="Questrial"/>
+            </a:endParaRPr>
+          </a:p>
+          <a:p>
+            <a:pPr indent="0" marL="0" rtl="0">
+              <a:spcBef>
+                <a:spcPts val="0"/>
+              </a:spcBef>
+              <a:buNone/>
+            </a:pPr>
+            <a:r>
+              <a:rPr lang="en" sz="1800">
+                <a:solidFill>
+                  <a:srgbClr val="7F7F7F"/>
+                </a:solidFill>
+                <a:latin typeface="Questrial"/>
+                <a:ea typeface="Questrial"/>
+                <a:cs typeface="Questrial"/>
+                <a:sym typeface="Questrial"/>
+              </a:rPr>
+              <a:t>Then this technique uses observations on </a:t>
+            </a:r>
+            <a:r>
+              <a:rPr i="1" lang="en" sz="1800">
+                <a:solidFill>
+                  <a:srgbClr val="7F7F7F"/>
+                </a:solidFill>
+                <a:latin typeface="Questrial"/>
+                <a:ea typeface="Questrial"/>
+                <a:cs typeface="Questrial"/>
+                <a:sym typeface="Questrial"/>
+              </a:rPr>
+              <a:t>y</a:t>
+            </a:r>
+            <a:r>
+              <a:rPr lang="en" sz="1800">
+                <a:solidFill>
+                  <a:srgbClr val="7F7F7F"/>
+                </a:solidFill>
+                <a:latin typeface="Questrial"/>
+                <a:ea typeface="Questrial"/>
+                <a:cs typeface="Questrial"/>
+                <a:sym typeface="Questrial"/>
+              </a:rPr>
+              <a:t> which are a form of censored data on </a:t>
+            </a:r>
+            <a:r>
+              <a:rPr i="1" lang="en" sz="1800">
+                <a:solidFill>
+                  <a:srgbClr val="7F7F7F"/>
+                </a:solidFill>
+                <a:latin typeface="Questrial"/>
+                <a:ea typeface="Questrial"/>
+                <a:cs typeface="Questrial"/>
+                <a:sym typeface="Questrial"/>
+              </a:rPr>
+              <a:t>y</a:t>
+            </a:r>
+            <a:r>
+              <a:rPr b="1" i="1" lang="en" sz="1800">
+                <a:solidFill>
+                  <a:srgbClr val="7F7F7F"/>
+                </a:solidFill>
+                <a:latin typeface="Questrial"/>
+                <a:ea typeface="Questrial"/>
+                <a:cs typeface="Questrial"/>
+                <a:sym typeface="Questrial"/>
+              </a:rPr>
+              <a:t>*</a:t>
+            </a:r>
+            <a:r>
+              <a:rPr lang="en" sz="1800">
+                <a:solidFill>
+                  <a:srgbClr val="7F7F7F"/>
+                </a:solidFill>
+                <a:latin typeface="Questrial"/>
+                <a:ea typeface="Questrial"/>
+                <a:cs typeface="Questrial"/>
+                <a:sym typeface="Questrial"/>
+              </a:rPr>
+              <a:t> to fit the parameter vector </a:t>
+            </a:r>
+            <a:r>
+              <a:rPr i="1" lang="en" sz="1800">
+                <a:solidFill>
+                  <a:srgbClr val="7F7F7F"/>
+                </a:solidFill>
+                <a:latin typeface="Times New Roman"/>
+                <a:ea typeface="Times New Roman"/>
+                <a:cs typeface="Times New Roman"/>
+                <a:sym typeface="Times New Roman"/>
+              </a:rPr>
+              <a:t>β</a:t>
+            </a:r>
+          </a:p>
+          <a:p>
+            <a:pPr indent="0" lvl="0" marL="0" rtl="0">
+              <a:spcBef>
+                <a:spcPts val="0"/>
+              </a:spcBef>
+              <a:buNone/>
+            </a:pPr>
+            <a:r>
+              <a:t/>
+            </a:r>
+            <a:endParaRPr sz="1800">
+              <a:solidFill>
+                <a:srgbClr val="7F7F7F"/>
+              </a:solidFill>
+              <a:latin typeface="Questrial"/>
+              <a:ea typeface="Questrial"/>
+              <a:cs typeface="Questrial"/>
+              <a:sym typeface="Questrial"/>
+            </a:endParaRPr>
+          </a:p>
+          <a:p>
+            <a:pPr indent="0" lvl="0" marL="0" rtl="0">
+              <a:lnSpc>
+                <a:spcPct val="100000"/>
+              </a:lnSpc>
+              <a:spcBef>
+                <a:spcPts val="0"/>
+              </a:spcBef>
+              <a:buClr>
+                <a:srgbClr val="000000"/>
+              </a:buClr>
+              <a:buFont typeface="Arial"/>
+              <a:buNone/>
+            </a:pPr>
+            <a:r>
+              <a:t/>
+            </a:r>
+            <a:endParaRPr sz="1400">
+              <a:solidFill>
+                <a:srgbClr val="7F7F7F"/>
+              </a:solidFill>
+              <a:latin typeface="Questrial"/>
+              <a:ea typeface="Questrial"/>
+              <a:cs typeface="Questrial"/>
+              <a:sym typeface="Questrial"/>
+            </a:endParaRPr>
+          </a:p>
+          <a:p>
+            <a:pPr indent="0" lvl="0" marL="0" rtl="0">
+              <a:lnSpc>
+                <a:spcPct val="100000"/>
+              </a:lnSpc>
+              <a:spcBef>
+                <a:spcPts val="0"/>
+              </a:spcBef>
+              <a:buNone/>
+            </a:pPr>
+            <a:r>
+              <a:t/>
+            </a:r>
+            <a:endParaRPr sz="1800">
+              <a:solidFill>
+                <a:srgbClr val="7F7F7F"/>
+              </a:solidFill>
+              <a:latin typeface="Questrial"/>
+              <a:ea typeface="Questrial"/>
+              <a:cs typeface="Questrial"/>
+              <a:sym typeface="Questrial"/>
+            </a:endParaRPr>
+          </a:p>
+          <a:p>
+            <a:pPr indent="0" lvl="0" marL="0" rtl="0">
+              <a:lnSpc>
+                <a:spcPct val="100000"/>
+              </a:lnSpc>
+              <a:spcBef>
+                <a:spcPts val="0"/>
+              </a:spcBef>
+              <a:buClr>
+                <a:srgbClr val="000000"/>
+              </a:buClr>
+              <a:buFont typeface="Arial"/>
+              <a:buNone/>
+            </a:pPr>
+            <a:r>
+              <a:t/>
+            </a:r>
+            <a:endParaRPr sz="2300">
+              <a:solidFill>
+                <a:srgbClr val="7F7F7F"/>
+              </a:solidFill>
+              <a:latin typeface="Questrial"/>
+              <a:ea typeface="Questrial"/>
+              <a:cs typeface="Questrial"/>
+              <a:sym typeface="Questrial"/>
+            </a:endParaRPr>
+          </a:p>
+          <a:p>
+            <a:pPr indent="0" lvl="0" marL="0" rtl="0">
+              <a:spcBef>
+                <a:spcPts val="0"/>
+              </a:spcBef>
+              <a:buClr>
+                <a:schemeClr val="dk1"/>
+              </a:buClr>
+              <a:buFont typeface="Arial"/>
+              <a:buNone/>
+            </a:pPr>
+            <a:r>
+              <a:t/>
+            </a:r>
+            <a:endParaRPr sz="2300">
+              <a:solidFill>
+                <a:srgbClr val="7F7F7F"/>
+              </a:solidFill>
+              <a:latin typeface="Questrial"/>
+              <a:ea typeface="Questrial"/>
+              <a:cs typeface="Questrial"/>
+              <a:sym typeface="Questrial"/>
+            </a:endParaRPr>
+          </a:p>
+          <a:p>
+            <a:pPr indent="0" lvl="0" marL="0" marR="0" rtl="0" algn="l">
+              <a:lnSpc>
+                <a:spcPct val="90000"/>
+              </a:lnSpc>
+              <a:spcBef>
+                <a:spcPts val="800"/>
+              </a:spcBef>
+              <a:spcAft>
+                <a:spcPts val="0"/>
+              </a:spcAft>
+              <a:buClr>
+                <a:schemeClr val="dk1"/>
+              </a:buClr>
+              <a:buFont typeface="Arial"/>
+              <a:buNone/>
+            </a:pPr>
+            <a:r>
+              <a:t/>
+            </a:r>
+            <a:endParaRPr sz="1800">
+              <a:solidFill>
+                <a:srgbClr val="7F7F7F"/>
+              </a:solidFill>
+              <a:latin typeface="Questrial"/>
+              <a:ea typeface="Questrial"/>
+              <a:cs typeface="Questrial"/>
+              <a:sym typeface="Questrial"/>
+            </a:endParaRPr>
+          </a:p>
+        </p:txBody>
+      </p:sp>
+      <p:pic>
+        <p:nvPicPr>
+          <p:cNvPr id="218" name="Shape 218"/>
+          <p:cNvPicPr preferRelativeResize="0"/>
+          <p:nvPr/>
+        </p:nvPicPr>
+        <p:blipFill>
+          <a:blip r:embed="rId3">
+            <a:alphaModFix/>
+          </a:blip>
+          <a:stretch>
+            <a:fillRect/>
+          </a:stretch>
+        </p:blipFill>
+        <p:spPr>
+          <a:xfrm>
+            <a:off x="6462950" y="1456325"/>
+            <a:ext cx="1390275" cy="263074"/>
+          </a:xfrm>
+          <a:prstGeom prst="rect">
+            <a:avLst/>
+          </a:prstGeom>
+          <a:noFill/>
+          <a:ln>
+            <a:noFill/>
+          </a:ln>
+        </p:spPr>
+      </p:pic>
+      <p:pic>
+        <p:nvPicPr>
+          <p:cNvPr id="219" name="Shape 219"/>
+          <p:cNvPicPr preferRelativeResize="0"/>
+          <p:nvPr/>
+        </p:nvPicPr>
+        <p:blipFill>
+          <a:blip r:embed="rId4">
+            <a:alphaModFix/>
+          </a:blip>
+          <a:stretch>
+            <a:fillRect/>
+          </a:stretch>
+        </p:blipFill>
+        <p:spPr>
+          <a:xfrm>
+            <a:off x="3046525" y="2548850"/>
+            <a:ext cx="2794775" cy="1553775"/>
+          </a:xfrm>
+          <a:prstGeom prst="rect">
+            <a:avLst/>
+          </a:prstGeom>
+          <a:noFill/>
+          <a:ln>
+            <a:noFill/>
+          </a:ln>
+        </p:spPr>
+      </p:pic>
+    </p:spTree>
+  </p:cSld>
+  <p:clrMapOvr>
+    <a:masterClrMapping/>
+  </p:clrMapOvr>
+  <p:transition spd="slow">
+    <p:cut/>
+  </p:transition>
+</p:sld>
+</file>
+
+<file path=ppt/slides/slide23.xml><?xml version="1.0" encoding="utf-8"?>
+<p:sld xmlns:a="http://schemas.openxmlformats.org/drawingml/2006/main" xmlns:r="http://schemas.openxmlformats.org/officeDocument/2006/relationships" xmlns:mc="http://schemas.openxmlformats.org/markup-compatibility/2006" xmlns:mv="urn:schemas-microsoft-com:mac:vml" xmlns:p="http://schemas.openxmlformats.org/presentationml/2006/main" xmlns:c="http://schemas.openxmlformats.org/drawingml/2006/chart" xmlns:dgm="http://schemas.openxmlformats.org/drawingml/2006/diagram" xmlns:o="urn:schemas-microsoft-com:office:office" xmlns:v="urn:schemas-microsoft-com:vml" xmlns:pvml="urn:schemas-microsoft-com:office:powerpoint" xmlns:com="http://schemas.openxmlformats.org/drawingml/2006/compatibility" xmlns:p14="http://schemas.microsoft.com/office/powerpoint/2010/main">
+  <p:cSld>
+    <p:bg>
+      <p:bgPr>
+        <a:solidFill>
+          <a:srgbClr val="F2F2F2"/>
+        </a:solidFill>
+      </p:bgPr>
+    </p:bg>
+    <p:spTree>
+      <p:nvGrpSpPr>
+        <p:cNvPr id="223" name="Shape 223"/>
+        <p:cNvGrpSpPr/>
+        <p:nvPr/>
+      </p:nvGrpSpPr>
+      <p:grpSpPr>
+        <a:xfrm>
+          <a:off x="0" y="0"/>
+          <a:ext cx="0" cy="0"/>
+          <a:chOff x="0" y="0"/>
+          <a:chExt cx="0" cy="0"/>
+        </a:xfrm>
+      </p:grpSpPr>
+      <p:sp>
+        <p:nvSpPr>
+          <p:cNvPr id="224" name="Shape 224"/>
+          <p:cNvSpPr txBox="1"/>
+          <p:nvPr>
+            <p:ph type="title"/>
+          </p:nvPr>
+        </p:nvSpPr>
+        <p:spPr>
+          <a:xfrm>
+            <a:off x="628650" y="273843"/>
+            <a:ext cx="7886700" cy="994200"/>
+          </a:xfrm>
+          <a:prstGeom prst="rect">
+            <a:avLst/>
+          </a:prstGeom>
+          <a:noFill/>
+          <a:ln>
+            <a:noFill/>
+          </a:ln>
+        </p:spPr>
+        <p:txBody>
+          <a:bodyPr anchorCtr="0" anchor="ctr" bIns="34275" lIns="68575" rIns="68575" tIns="34275">
+            <a:noAutofit/>
+          </a:bodyPr>
+          <a:lstStyle/>
+          <a:p>
+            <a:pPr lvl="0" rtl="0">
+              <a:spcBef>
+                <a:spcPts val="0"/>
+              </a:spcBef>
+              <a:buNone/>
+            </a:pPr>
+            <a:r>
+              <a:rPr lang="en" u="sng">
+                <a:solidFill>
+                  <a:srgbClr val="7F7F7F"/>
+                </a:solidFill>
+                <a:latin typeface="Times New Roman"/>
+                <a:ea typeface="Times New Roman"/>
+                <a:cs typeface="Times New Roman"/>
+                <a:sym typeface="Times New Roman"/>
+              </a:rPr>
+              <a:t>L</a:t>
+            </a:r>
+            <a:r>
+              <a:rPr lang="en">
+                <a:solidFill>
+                  <a:srgbClr val="7F7F7F"/>
+                </a:solidFill>
+                <a:latin typeface="Times New Roman"/>
+                <a:ea typeface="Times New Roman"/>
+                <a:cs typeface="Times New Roman"/>
+                <a:sym typeface="Times New Roman"/>
+              </a:rPr>
+              <a:t>OGISTIC REGRESSION MODEL</a:t>
+            </a:r>
+          </a:p>
+        </p:txBody>
+      </p:sp>
+      <p:sp>
+        <p:nvSpPr>
+          <p:cNvPr id="225" name="Shape 225"/>
+          <p:cNvSpPr txBox="1"/>
+          <p:nvPr>
+            <p:ph idx="1" type="body"/>
+          </p:nvPr>
+        </p:nvSpPr>
+        <p:spPr>
+          <a:xfrm>
+            <a:off x="628650" y="1369218"/>
+            <a:ext cx="7886700" cy="3263400"/>
+          </a:xfrm>
+          <a:prstGeom prst="rect">
+            <a:avLst/>
+          </a:prstGeom>
+          <a:noFill/>
+          <a:ln>
+            <a:noFill/>
+          </a:ln>
+        </p:spPr>
+        <p:txBody>
+          <a:bodyPr anchorCtr="0" anchor="t" bIns="34275" lIns="68575" rIns="68575" tIns="34275">
+            <a:noAutofit/>
+          </a:bodyPr>
+          <a:lstStyle/>
+          <a:p>
+            <a:pPr indent="0" marL="0" rtl="0">
+              <a:spcBef>
+                <a:spcPts val="0"/>
+              </a:spcBef>
+              <a:buNone/>
+            </a:pPr>
+            <a:r>
+              <a:rPr lang="en" sz="2000">
+                <a:latin typeface="Questrial"/>
+                <a:ea typeface="Questrial"/>
+                <a:cs typeface="Questrial"/>
+                <a:sym typeface="Questrial"/>
+              </a:rPr>
+              <a:t>‣ </a:t>
+            </a:r>
+            <a:r>
+              <a:rPr lang="en" sz="2000">
+                <a:solidFill>
+                  <a:srgbClr val="7F7F7F"/>
+                </a:solidFill>
+                <a:latin typeface="Questrial"/>
+                <a:ea typeface="Questrial"/>
+                <a:cs typeface="Questrial"/>
+                <a:sym typeface="Questrial"/>
+              </a:rPr>
+              <a:t>The basic framework of the model is the same as the linear regression model: creating feature vectors for the categorical independent variables.</a:t>
+            </a:r>
+          </a:p>
+          <a:p>
+            <a:pPr indent="0" lvl="0" marL="0" rtl="0">
+              <a:spcBef>
+                <a:spcPts val="0"/>
+              </a:spcBef>
+              <a:buNone/>
+            </a:pPr>
+            <a:r>
+              <a:rPr lang="en" sz="2000">
+                <a:latin typeface="Questrial"/>
+                <a:ea typeface="Questrial"/>
+                <a:cs typeface="Questrial"/>
+                <a:sym typeface="Questrial"/>
+              </a:rPr>
+              <a:t>‣ </a:t>
+            </a:r>
+            <a:r>
+              <a:rPr lang="en" sz="2000">
+                <a:solidFill>
+                  <a:srgbClr val="7F7F7F"/>
+                </a:solidFill>
+                <a:latin typeface="Questrial"/>
+                <a:ea typeface="Questrial"/>
+                <a:cs typeface="Questrial"/>
+                <a:sym typeface="Questrial"/>
+              </a:rPr>
+              <a:t>The only change is the fact that the iMDB ratings are treated as an ordered categorical variable instead of a continuous numeric value.</a:t>
+            </a:r>
+          </a:p>
+          <a:p>
+            <a:pPr indent="0" lvl="0" marL="0" rtl="0">
+              <a:spcBef>
+                <a:spcPts val="0"/>
+              </a:spcBef>
+              <a:buNone/>
+            </a:pPr>
+            <a:r>
+              <a:rPr lang="en" sz="2000">
+                <a:latin typeface="Questrial"/>
+                <a:ea typeface="Questrial"/>
+                <a:cs typeface="Questrial"/>
+                <a:sym typeface="Questrial"/>
+              </a:rPr>
+              <a:t>‣ </a:t>
+            </a:r>
+            <a:r>
+              <a:rPr lang="en" sz="2000">
+                <a:solidFill>
+                  <a:srgbClr val="7F7F7F"/>
+                </a:solidFill>
+                <a:latin typeface="Questrial"/>
+                <a:ea typeface="Questrial"/>
+                <a:cs typeface="Questrial"/>
+                <a:sym typeface="Questrial"/>
+              </a:rPr>
+              <a:t>The order is as follows:</a:t>
+            </a:r>
+          </a:p>
+          <a:p>
+            <a:pPr indent="0" lvl="0" marL="0" rtl="0">
+              <a:spcBef>
+                <a:spcPts val="0"/>
+              </a:spcBef>
+              <a:buClr>
+                <a:schemeClr val="dk1"/>
+              </a:buClr>
+              <a:buSzPct val="55000"/>
+              <a:buFont typeface="Arial"/>
+              <a:buNone/>
+            </a:pPr>
+            <a:r>
+              <a:rPr lang="en" sz="2000">
+                <a:solidFill>
+                  <a:srgbClr val="7F7F7F"/>
+                </a:solidFill>
+                <a:latin typeface="Questrial"/>
+                <a:ea typeface="Questrial"/>
+                <a:cs typeface="Questrial"/>
+                <a:sym typeface="Questrial"/>
+              </a:rPr>
+              <a:t>0 = [0, 5), 1 = [5, 6), 2 = [6, 7), 3 = [7, 8), 4 = [8, 9), 5 = [9, 10]</a:t>
+            </a:r>
+          </a:p>
+          <a:p>
+            <a:pPr indent="0" marL="0" rtl="0">
+              <a:spcBef>
+                <a:spcPts val="0"/>
+              </a:spcBef>
+              <a:buNone/>
+            </a:pPr>
+            <a:r>
+              <a:rPr lang="en" sz="2000">
+                <a:latin typeface="Questrial"/>
+                <a:ea typeface="Questrial"/>
+                <a:cs typeface="Questrial"/>
+                <a:sym typeface="Questrial"/>
+              </a:rPr>
+              <a:t>‣ </a:t>
+            </a:r>
+            <a:r>
+              <a:rPr lang="en" sz="2000">
+                <a:solidFill>
+                  <a:srgbClr val="7F7F7F"/>
+                </a:solidFill>
+                <a:latin typeface="Questrial"/>
+                <a:ea typeface="Questrial"/>
+                <a:cs typeface="Questrial"/>
+                <a:sym typeface="Questrial"/>
+              </a:rPr>
+              <a:t>Scikit-learn or even any other prominent machine learning libraries such as Statsmodel do not support a standalone module for ordered logistic regression yet. </a:t>
+            </a:r>
+          </a:p>
+          <a:p>
+            <a:pPr indent="0" lvl="0" marL="0" rtl="0">
+              <a:spcBef>
+                <a:spcPts val="0"/>
+              </a:spcBef>
+              <a:buNone/>
+            </a:pPr>
+            <a:r>
+              <a:rPr lang="en" sz="2000">
+                <a:latin typeface="Questrial"/>
+                <a:ea typeface="Questrial"/>
+                <a:cs typeface="Questrial"/>
+                <a:sym typeface="Questrial"/>
+              </a:rPr>
+              <a:t>‣ </a:t>
+            </a:r>
+            <a:r>
+              <a:rPr lang="en" sz="2000">
+                <a:solidFill>
+                  <a:srgbClr val="7F7F7F"/>
+                </a:solidFill>
+                <a:latin typeface="Questrial"/>
+                <a:ea typeface="Questrial"/>
+                <a:cs typeface="Questrial"/>
+                <a:sym typeface="Questrial"/>
+              </a:rPr>
+              <a:t>We are using a user-written ordered logistic module (made by Fabian Pedregosa, obtained from his GitHub repository).</a:t>
+            </a:r>
+          </a:p>
+          <a:p>
+            <a:pPr indent="0" lvl="0" marL="0" rtl="0">
+              <a:lnSpc>
+                <a:spcPct val="100000"/>
+              </a:lnSpc>
+              <a:spcBef>
+                <a:spcPts val="0"/>
+              </a:spcBef>
+              <a:buClr>
+                <a:srgbClr val="000000"/>
+              </a:buClr>
+              <a:buFont typeface="Arial"/>
+              <a:buNone/>
+            </a:pPr>
+            <a:r>
+              <a:t/>
+            </a:r>
+            <a:endParaRPr sz="2000">
+              <a:solidFill>
+                <a:srgbClr val="7F7F7F"/>
+              </a:solidFill>
+              <a:latin typeface="Questrial"/>
+              <a:ea typeface="Questrial"/>
+              <a:cs typeface="Questrial"/>
+              <a:sym typeface="Questrial"/>
+            </a:endParaRPr>
+          </a:p>
+          <a:p>
+            <a:pPr indent="0" lvl="0" marL="0" rtl="0">
+              <a:lnSpc>
+                <a:spcPct val="100000"/>
+              </a:lnSpc>
+              <a:spcBef>
+                <a:spcPts val="0"/>
+              </a:spcBef>
+              <a:buNone/>
+            </a:pPr>
+            <a:r>
+              <a:t/>
+            </a:r>
+            <a:endParaRPr sz="2000">
+              <a:solidFill>
+                <a:srgbClr val="7F7F7F"/>
+              </a:solidFill>
+              <a:latin typeface="Questrial"/>
+              <a:ea typeface="Questrial"/>
+              <a:cs typeface="Questrial"/>
+              <a:sym typeface="Questrial"/>
+            </a:endParaRPr>
+          </a:p>
+          <a:p>
+            <a:pPr indent="0" lvl="0" marL="0" rtl="0">
+              <a:lnSpc>
+                <a:spcPct val="100000"/>
+              </a:lnSpc>
+              <a:spcBef>
+                <a:spcPts val="0"/>
+              </a:spcBef>
+              <a:buClr>
+                <a:srgbClr val="000000"/>
+              </a:buClr>
+              <a:buFont typeface="Arial"/>
+              <a:buNone/>
+            </a:pPr>
+            <a:r>
+              <a:t/>
+            </a:r>
+            <a:endParaRPr sz="2000">
+              <a:solidFill>
+                <a:srgbClr val="7F7F7F"/>
+              </a:solidFill>
+              <a:latin typeface="Questrial"/>
+              <a:ea typeface="Questrial"/>
+              <a:cs typeface="Questrial"/>
+              <a:sym typeface="Questrial"/>
+            </a:endParaRPr>
+          </a:p>
+          <a:p>
+            <a:pPr indent="0" lvl="0" marL="0" rtl="0">
+              <a:spcBef>
+                <a:spcPts val="0"/>
+              </a:spcBef>
+              <a:buClr>
+                <a:schemeClr val="dk1"/>
+              </a:buClr>
+              <a:buFont typeface="Arial"/>
+              <a:buNone/>
+            </a:pPr>
+            <a:r>
+              <a:t/>
+            </a:r>
+            <a:endParaRPr sz="2000">
+              <a:solidFill>
+                <a:srgbClr val="7F7F7F"/>
+              </a:solidFill>
+              <a:latin typeface="Questrial"/>
+              <a:ea typeface="Questrial"/>
+              <a:cs typeface="Questrial"/>
+              <a:sym typeface="Questrial"/>
+            </a:endParaRPr>
+          </a:p>
+          <a:p>
+            <a:pPr indent="0" lvl="0" marL="0" marR="0" rtl="0" algn="l">
+              <a:lnSpc>
+                <a:spcPct val="90000"/>
+              </a:lnSpc>
+              <a:spcBef>
+                <a:spcPts val="800"/>
+              </a:spcBef>
+              <a:spcAft>
+                <a:spcPts val="0"/>
+              </a:spcAft>
+              <a:buClr>
+                <a:schemeClr val="dk1"/>
+              </a:buClr>
+              <a:buFont typeface="Arial"/>
+              <a:buNone/>
+            </a:pPr>
+            <a:r>
+              <a:t/>
+            </a:r>
+            <a:endParaRPr sz="2000">
+              <a:solidFill>
+                <a:srgbClr val="7F7F7F"/>
+              </a:solidFill>
+              <a:latin typeface="Questrial"/>
+              <a:ea typeface="Questrial"/>
+              <a:cs typeface="Questrial"/>
+              <a:sym typeface="Questrial"/>
+            </a:endParaRPr>
+          </a:p>
+        </p:txBody>
+      </p:sp>
+    </p:spTree>
+  </p:cSld>
+  <p:clrMapOvr>
+    <a:masterClrMapping/>
+  </p:clrMapOvr>
+  <p:transition spd="slow">
+    <p:cut/>
+  </p:transition>
+</p:sld>
+</file>
+
+<file path=ppt/slides/slide24.xml><?xml version="1.0" encoding="utf-8"?>
+<p:sld xmlns:a="http://schemas.openxmlformats.org/drawingml/2006/main" xmlns:r="http://schemas.openxmlformats.org/officeDocument/2006/relationships" xmlns:mc="http://schemas.openxmlformats.org/markup-compatibility/2006" xmlns:mv="urn:schemas-microsoft-com:mac:vml" xmlns:p="http://schemas.openxmlformats.org/presentationml/2006/main" xmlns:c="http://schemas.openxmlformats.org/drawingml/2006/chart" xmlns:dgm="http://schemas.openxmlformats.org/drawingml/2006/diagram" xmlns:o="urn:schemas-microsoft-com:office:office" xmlns:v="urn:schemas-microsoft-com:vml" xmlns:pvml="urn:schemas-microsoft-com:office:powerpoint" xmlns:com="http://schemas.openxmlformats.org/drawingml/2006/compatibility" xmlns:p14="http://schemas.microsoft.com/office/powerpoint/2010/main">
+  <p:cSld>
+    <p:bg>
+      <p:bgPr>
+        <a:solidFill>
+          <a:srgbClr val="F2F2F2"/>
+        </a:solidFill>
+      </p:bgPr>
+    </p:bg>
+    <p:spTree>
+      <p:nvGrpSpPr>
+        <p:cNvPr id="229" name="Shape 229"/>
+        <p:cNvGrpSpPr/>
+        <p:nvPr/>
+      </p:nvGrpSpPr>
+      <p:grpSpPr>
+        <a:xfrm>
+          <a:off x="0" y="0"/>
+          <a:ext cx="0" cy="0"/>
+          <a:chOff x="0" y="0"/>
+          <a:chExt cx="0" cy="0"/>
+        </a:xfrm>
+      </p:grpSpPr>
+      <p:sp>
+        <p:nvSpPr>
+          <p:cNvPr id="230" name="Shape 230"/>
+          <p:cNvSpPr txBox="1"/>
+          <p:nvPr>
+            <p:ph type="title"/>
+          </p:nvPr>
+        </p:nvSpPr>
+        <p:spPr>
+          <a:xfrm>
+            <a:off x="628650" y="273843"/>
             <a:ext cx="7886700" cy="994200"/>
           </a:xfrm>
           <a:prstGeom prst="rect">
@@ -19451,7 +20211,7 @@
       </p:sp>
       <p:sp>
         <p:nvSpPr>
-          <p:cNvPr id="221" name="Shape 221"/>
+          <p:cNvPr id="231" name="Shape 231"/>
           <p:cNvSpPr txBox="1"/>
           <p:nvPr>
             <p:ph idx="1" type="body"/>
@@ -19459,8 +20219,8 @@
         </p:nvSpPr>
         <p:spPr>
           <a:xfrm>
-            <a:off x="0" y="814825"/>
-            <a:ext cx="7886700" cy="4191900"/>
+            <a:off x="628650" y="1369218"/>
+            <a:ext cx="7886700" cy="3263400"/>
           </a:xfrm>
           <a:prstGeom prst="rect">
             <a:avLst/>
@@ -19483,71 +20243,113 @@
               <a:buNone/>
             </a:pPr>
             <a:r>
-              <a:t/>
-            </a:r>
-            <a:endParaRPr>
-              <a:solidFill>
-                <a:srgbClr val="7F7F7F"/>
-              </a:solidFill>
-              <a:latin typeface="Questrial"/>
-              <a:ea typeface="Questrial"/>
-              <a:cs typeface="Questrial"/>
-              <a:sym typeface="Questrial"/>
-            </a:endParaRPr>
-          </a:p>
-          <a:p>
-            <a:pPr indent="-50800" lvl="0" marL="228600" rtl="0">
-              <a:spcBef>
-                <a:spcPts val="0"/>
-              </a:spcBef>
-              <a:buClr>
-                <a:srgbClr val="7F7F7F"/>
-              </a:buClr>
-              <a:buSzPct val="133333"/>
-              <a:buFont typeface="Questrial"/>
-            </a:pPr>
-            <a:r>
-              <a:rPr lang="en">
-                <a:solidFill>
-                  <a:srgbClr val="7F7F7F"/>
-                </a:solidFill>
+              <a:rPr lang="en" sz="2000">
                 <a:latin typeface="Questrial"/>
                 <a:ea typeface="Questrial"/>
                 <a:cs typeface="Questrial"/>
                 <a:sym typeface="Questrial"/>
               </a:rPr>
-              <a:t>Hence the need to implement ordered logistic regression. </a:t>
+              <a:t>‣ </a:t>
+            </a:r>
+            <a:r>
+              <a:rPr lang="en">
+                <a:solidFill>
+                  <a:srgbClr val="7F7F7F"/>
+                </a:solidFill>
+                <a:latin typeface="Questrial"/>
+                <a:ea typeface="Questrial"/>
+                <a:cs typeface="Questrial"/>
+                <a:sym typeface="Questrial"/>
+              </a:rPr>
+              <a:t>We have to consider some more machine learning models to get an estimate of which one will be the best for our predictor.</a:t>
             </a:r>
           </a:p>
           <a:p>
-            <a:pPr indent="0" lvl="0" marL="0" marR="0" rtl="0" algn="l">
-              <a:lnSpc>
-                <a:spcPct val="90000"/>
-              </a:lnSpc>
-              <a:spcBef>
-                <a:spcPts val="800"/>
-              </a:spcBef>
-              <a:spcAft>
-                <a:spcPts val="0"/>
-              </a:spcAft>
-              <a:buClr>
-                <a:schemeClr val="dk1"/>
-              </a:buClr>
-              <a:buFont typeface="Arial"/>
+            <a:pPr indent="0" lvl="0" marL="0" rtl="0">
+              <a:spcBef>
+                <a:spcPts val="0"/>
+              </a:spcBef>
               <a:buNone/>
             </a:pPr>
             <a:r>
-              <a:t/>
-            </a:r>
-            <a:endParaRPr sz="2300">
-              <a:solidFill>
-                <a:srgbClr val="7F7F7F"/>
-              </a:solidFill>
-              <a:latin typeface="Questrial"/>
-              <a:ea typeface="Questrial"/>
-              <a:cs typeface="Questrial"/>
-              <a:sym typeface="Questrial"/>
-            </a:endParaRPr>
+              <a:rPr lang="en" sz="2000">
+                <a:latin typeface="Questrial"/>
+                <a:ea typeface="Questrial"/>
+                <a:cs typeface="Questrial"/>
+                <a:sym typeface="Questrial"/>
+              </a:rPr>
+              <a:t>‣ </a:t>
+            </a:r>
+            <a:r>
+              <a:rPr lang="en">
+                <a:solidFill>
+                  <a:srgbClr val="7F7F7F"/>
+                </a:solidFill>
+                <a:latin typeface="Questrial"/>
+                <a:ea typeface="Questrial"/>
+                <a:cs typeface="Questrial"/>
+                <a:sym typeface="Questrial"/>
+              </a:rPr>
+              <a:t>Also, we have in mind that adding more relevant features (like time of release, budget, etc.) could possibly help the model predict more accurately.</a:t>
+            </a:r>
+          </a:p>
+          <a:p>
+            <a:pPr indent="0" lvl="0" marL="0" rtl="0">
+              <a:spcBef>
+                <a:spcPts val="0"/>
+              </a:spcBef>
+              <a:buNone/>
+            </a:pPr>
+            <a:r>
+              <a:rPr lang="en" sz="2000">
+                <a:latin typeface="Questrial"/>
+                <a:ea typeface="Questrial"/>
+                <a:cs typeface="Questrial"/>
+                <a:sym typeface="Questrial"/>
+              </a:rPr>
+              <a:t>‣ </a:t>
+            </a:r>
+            <a:r>
+              <a:rPr lang="en">
+                <a:solidFill>
+                  <a:srgbClr val="7F7F7F"/>
+                </a:solidFill>
+                <a:latin typeface="Questrial"/>
+                <a:ea typeface="Questrial"/>
+                <a:cs typeface="Questrial"/>
+                <a:sym typeface="Questrial"/>
+              </a:rPr>
+              <a:t>Adding reviews, social network data and Google trends could possibly help us get a better idea about how to analyze these trends.</a:t>
+            </a:r>
+          </a:p>
+          <a:p>
+            <a:pPr indent="0" lvl="0" marL="0" rtl="0">
+              <a:spcBef>
+                <a:spcPts val="0"/>
+              </a:spcBef>
+              <a:buNone/>
+            </a:pPr>
+            <a:r>
+              <a:rPr lang="en" sz="2000">
+                <a:latin typeface="Questrial"/>
+                <a:ea typeface="Questrial"/>
+                <a:cs typeface="Questrial"/>
+                <a:sym typeface="Questrial"/>
+              </a:rPr>
+              <a:t>‣ </a:t>
+            </a:r>
+            <a:r>
+              <a:rPr lang="en">
+                <a:solidFill>
+                  <a:srgbClr val="7F7F7F"/>
+                </a:solidFill>
+                <a:latin typeface="Questrial"/>
+                <a:ea typeface="Questrial"/>
+                <a:cs typeface="Questrial"/>
+                <a:sym typeface="Questrial"/>
+              </a:rPr>
+              <a:t>We can possibly try expanding movies beyond only USA, provided complete information is present in the database.</a:t>
+            </a:r>
           </a:p>
         </p:txBody>
       </p:sp>
@@ -19686,42 +20488,21 @@
           </a:bodyPr>
           <a:lstStyle/>
           <a:p>
-            <a:pPr indent="-292100" lvl="0" marL="457200" rtl="0" algn="l">
-              <a:spcBef>
-                <a:spcPts val="0"/>
-              </a:spcBef>
-              <a:buClr>
-                <a:srgbClr val="7F7F7F"/>
-              </a:buClr>
-              <a:buSzPct val="50000"/>
-              <a:buFont typeface="Questrial"/>
-              <a:buChar char="●"/>
+            <a:pPr indent="0" lvl="0" marL="0" rtl="0" algn="l">
+              <a:spcBef>
+                <a:spcPts val="0"/>
+              </a:spcBef>
+              <a:buNone/>
             </a:pPr>
             <a:r>
               <a:rPr lang="en" sz="2000">
-                <a:solidFill>
-                  <a:srgbClr val="7F7F7F"/>
-                </a:solidFill>
                 <a:latin typeface="Questrial"/>
                 <a:ea typeface="Questrial"/>
                 <a:cs typeface="Questrial"/>
                 <a:sym typeface="Questrial"/>
               </a:rPr>
-              <a:t>Dataset: Movie data for ~1.1 million movies obtained from OMDb, stored in a csv file (size: ~500mb).</a:t>
-            </a:r>
-          </a:p>
-          <a:p>
-            <a:pPr indent="-292100" lvl="0" marL="457200" rtl="0" algn="l">
-              <a:spcBef>
-                <a:spcPts val="0"/>
-              </a:spcBef>
-              <a:buClr>
-                <a:srgbClr val="7F7F7F"/>
-              </a:buClr>
-              <a:buSzPct val="50000"/>
-              <a:buFont typeface="Questrial"/>
-              <a:buChar char="●"/>
-            </a:pPr>
+              <a:t>‣ </a:t>
+            </a:r>
             <a:r>
               <a:rPr lang="en" sz="2000">
                 <a:solidFill>
@@ -19732,46 +20513,83 @@
                 <a:cs typeface="Questrial"/>
                 <a:sym typeface="Questrial"/>
               </a:rPr>
-              <a:t>However, the API does not support the retrieval of box office data. We used Regex and urllib2 to personally web scrape the box-office data from iMDB.</a:t>
+              <a:t>Dataset: Movie data for ~1.1 million movies obtained from OMDb, stored in a csv file (size: ~500mb).</a:t>
             </a:r>
           </a:p>
           <a:p>
-            <a:pPr indent="-292100" lvl="0" marL="457200" rtl="0" algn="l">
-              <a:spcBef>
-                <a:spcPts val="0"/>
-              </a:spcBef>
-              <a:buClr>
-                <a:srgbClr val="7F7F7F"/>
-              </a:buClr>
-              <a:buSzPct val="50000"/>
-              <a:buFont typeface="Questrial"/>
-              <a:buChar char="●"/>
+            <a:pPr indent="0" lvl="0" marL="0" rtl="0" algn="l">
+              <a:spcBef>
+                <a:spcPts val="0"/>
+              </a:spcBef>
+              <a:buNone/>
             </a:pPr>
             <a:r>
               <a:rPr lang="en" sz="2000">
-                <a:solidFill>
-                  <a:srgbClr val="7F7F7F"/>
-                </a:solidFill>
                 <a:latin typeface="Questrial"/>
                 <a:ea typeface="Questrial"/>
                 <a:cs typeface="Questrial"/>
                 <a:sym typeface="Questrial"/>
               </a:rPr>
-              <a:t>Only movies from the USA were used, since a lot of other movies don’t have all the required fields updated on IMDb. </a:t>
+              <a:t>‣ </a:t>
+            </a:r>
+            <a:r>
+              <a:rPr lang="en" sz="2000">
+                <a:solidFill>
+                  <a:srgbClr val="7F7F7F"/>
+                </a:solidFill>
+                <a:latin typeface="Questrial"/>
+                <a:ea typeface="Questrial"/>
+                <a:cs typeface="Questrial"/>
+                <a:sym typeface="Questrial"/>
+              </a:rPr>
+              <a:t>However, the API does not support the retrieval of box office data. We used Regex and urllib2 to personally web scrape the box-office data from iMDB.</a:t>
             </a:r>
           </a:p>
           <a:p>
-            <a:pPr indent="-292100" lvl="0" marL="457200" rtl="0" algn="l">
-              <a:spcBef>
-                <a:spcPts val="0"/>
-              </a:spcBef>
-              <a:buClr>
-                <a:srgbClr val="7F7F7F"/>
-              </a:buClr>
-              <a:buSzPct val="50000"/>
-              <a:buFont typeface="Questrial"/>
-              <a:buChar char="●"/>
+            <a:pPr indent="0" lvl="0" marL="0" rtl="0" algn="l">
+              <a:spcBef>
+                <a:spcPts val="0"/>
+              </a:spcBef>
+              <a:buNone/>
             </a:pPr>
+            <a:r>
+              <a:rPr lang="en" sz="2000">
+                <a:latin typeface="Questrial"/>
+                <a:ea typeface="Questrial"/>
+                <a:cs typeface="Questrial"/>
+                <a:sym typeface="Questrial"/>
+              </a:rPr>
+              <a:t>‣ </a:t>
+            </a:r>
+            <a:r>
+              <a:rPr lang="en" sz="2000">
+                <a:solidFill>
+                  <a:srgbClr val="7F7F7F"/>
+                </a:solidFill>
+                <a:latin typeface="Questrial"/>
+                <a:ea typeface="Questrial"/>
+                <a:cs typeface="Questrial"/>
+                <a:sym typeface="Questrial"/>
+              </a:rPr>
+              <a:t>Only movies from the USA were used, since a lot of other movies don’t have all the required fields updated on IMDb. </a:t>
+            </a:r>
+          </a:p>
+          <a:p>
+            <a:pPr indent="0" lvl="0" marL="0" rtl="0" algn="l">
+              <a:spcBef>
+                <a:spcPts val="0"/>
+              </a:spcBef>
+              <a:buNone/>
+            </a:pPr>
+            <a:r>
+              <a:rPr lang="en" sz="2000">
+                <a:latin typeface="Questrial"/>
+                <a:ea typeface="Questrial"/>
+                <a:cs typeface="Questrial"/>
+                <a:sym typeface="Questrial"/>
+              </a:rPr>
+              <a:t>‣ </a:t>
+            </a:r>
             <a:r>
               <a:rPr lang="en" sz="2000">
                 <a:solidFill>
@@ -19922,40 +20740,21 @@
           </a:bodyPr>
           <a:lstStyle/>
           <a:p>
-            <a:pPr indent="-228600" lvl="0" marL="457200" rtl="0" algn="l">
-              <a:spcBef>
-                <a:spcPts val="0"/>
-              </a:spcBef>
-              <a:buClr>
-                <a:srgbClr val="7F7F7F"/>
-              </a:buClr>
-              <a:buSzPct val="100000"/>
-              <a:buFont typeface="Questrial"/>
+            <a:pPr indent="0" lvl="0" marL="0" rtl="0" algn="l">
+              <a:spcBef>
+                <a:spcPts val="0"/>
+              </a:spcBef>
+              <a:buNone/>
             </a:pPr>
             <a:r>
               <a:rPr lang="en" sz="2000">
-                <a:solidFill>
-                  <a:srgbClr val="7F7F7F"/>
-                </a:solidFill>
                 <a:latin typeface="Questrial"/>
                 <a:ea typeface="Questrial"/>
                 <a:cs typeface="Questrial"/>
                 <a:sym typeface="Questrial"/>
               </a:rPr>
-              <a:t>Total movies: 1103922</a:t>
-            </a:r>
-          </a:p>
-          <a:p>
-            <a:pPr indent="-228600" lvl="0" marL="457200" rtl="0" algn="l">
-              <a:spcBef>
-                <a:spcPts val="0"/>
-              </a:spcBef>
-              <a:buClr>
-                <a:srgbClr val="7F7F7F"/>
-              </a:buClr>
-              <a:buSzPct val="100000"/>
-              <a:buFont typeface="Questrial"/>
-            </a:pPr>
+              <a:t>‣ </a:t>
+            </a:r>
             <a:r>
               <a:rPr lang="en" sz="2000">
                 <a:solidFill>
@@ -19966,44 +20765,25 @@
                 <a:cs typeface="Questrial"/>
                 <a:sym typeface="Questrial"/>
               </a:rPr>
-              <a:t>Movies in our model (USA only): 71565 (training + test)</a:t>
+              <a:t>Total movies: 1103922</a:t>
             </a:r>
           </a:p>
           <a:p>
-            <a:pPr indent="-228600" lvl="0" marL="457200" rtl="0" algn="l">
-              <a:spcBef>
-                <a:spcPts val="0"/>
-              </a:spcBef>
-              <a:buClr>
-                <a:srgbClr val="7F7F7F"/>
-              </a:buClr>
-              <a:buSzPct val="100000"/>
-              <a:buFont typeface="Questrial"/>
+            <a:pPr indent="0" lvl="0" marL="0" rtl="0" algn="l">
+              <a:spcBef>
+                <a:spcPts val="0"/>
+              </a:spcBef>
+              <a:buNone/>
             </a:pPr>
             <a:r>
               <a:rPr lang="en" sz="2000">
-                <a:solidFill>
-                  <a:srgbClr val="7F7F7F"/>
-                </a:solidFill>
                 <a:latin typeface="Questrial"/>
                 <a:ea typeface="Questrial"/>
                 <a:cs typeface="Questrial"/>
                 <a:sym typeface="Questrial"/>
               </a:rPr>
-              <a:t>Actors: 76440 (training)</a:t>
-            </a:r>
-          </a:p>
-          <a:p>
-            <a:pPr indent="-228600" lvl="0" marL="457200" rtl="0" algn="l">
-              <a:spcBef>
-                <a:spcPts val="0"/>
-              </a:spcBef>
-              <a:buClr>
-                <a:srgbClr val="7F7F7F"/>
-              </a:buClr>
-              <a:buSzPct val="100000"/>
-              <a:buFont typeface="Questrial"/>
-            </a:pPr>
+              <a:t>‣ </a:t>
+            </a:r>
             <a:r>
               <a:rPr lang="en" sz="2000">
                 <a:solidFill>
@@ -20014,44 +20794,25 @@
                 <a:cs typeface="Questrial"/>
                 <a:sym typeface="Questrial"/>
               </a:rPr>
-              <a:t>Directors: 20962 (training)</a:t>
+              <a:t>Movies in our model (USA only): 71565 (training + test)</a:t>
             </a:r>
           </a:p>
           <a:p>
-            <a:pPr indent="-228600" lvl="0" marL="457200" rtl="0" algn="l">
-              <a:spcBef>
-                <a:spcPts val="0"/>
-              </a:spcBef>
-              <a:buClr>
-                <a:srgbClr val="7F7F7F"/>
-              </a:buClr>
-              <a:buSzPct val="100000"/>
-              <a:buFont typeface="Questrial"/>
+            <a:pPr indent="0" lvl="0" marL="0" rtl="0" algn="l">
+              <a:spcBef>
+                <a:spcPts val="0"/>
+              </a:spcBef>
+              <a:buNone/>
             </a:pPr>
             <a:r>
               <a:rPr lang="en" sz="2000">
-                <a:solidFill>
-                  <a:srgbClr val="7F7F7F"/>
-                </a:solidFill>
                 <a:latin typeface="Questrial"/>
                 <a:ea typeface="Questrial"/>
                 <a:cs typeface="Questrial"/>
                 <a:sym typeface="Questrial"/>
               </a:rPr>
-              <a:t>Plot keywords: 60376 (training)</a:t>
-            </a:r>
-          </a:p>
-          <a:p>
-            <a:pPr indent="-228600" lvl="0" marL="457200" rtl="0" algn="l">
-              <a:spcBef>
-                <a:spcPts val="0"/>
-              </a:spcBef>
-              <a:buClr>
-                <a:srgbClr val="7F7F7F"/>
-              </a:buClr>
-              <a:buSzPct val="100000"/>
-              <a:buFont typeface="Questrial"/>
-            </a:pPr>
+              <a:t>‣ </a:t>
+            </a:r>
             <a:r>
               <a:rPr lang="en" sz="2000">
                 <a:solidFill>
@@ -20062,44 +20823,141 @@
                 <a:cs typeface="Questrial"/>
                 <a:sym typeface="Questrial"/>
               </a:rPr>
-              <a:t>Movies with box-office budget data: 15556 (training + test)</a:t>
+              <a:t>Actors: 76440 (training)</a:t>
             </a:r>
           </a:p>
           <a:p>
-            <a:pPr indent="-228600" lvl="0" marL="457200" rtl="0" algn="l">
-              <a:spcBef>
-                <a:spcPts val="0"/>
-              </a:spcBef>
-              <a:buClr>
-                <a:srgbClr val="7F7F7F"/>
-              </a:buClr>
-              <a:buSzPct val="100000"/>
-              <a:buFont typeface="Questrial"/>
+            <a:pPr indent="0" lvl="0" marL="0" rtl="0" algn="l">
+              <a:spcBef>
+                <a:spcPts val="0"/>
+              </a:spcBef>
+              <a:buNone/>
             </a:pPr>
             <a:r>
               <a:rPr lang="en" sz="2000">
-                <a:solidFill>
-                  <a:srgbClr val="7F7F7F"/>
-                </a:solidFill>
                 <a:latin typeface="Questrial"/>
                 <a:ea typeface="Questrial"/>
                 <a:cs typeface="Questrial"/>
                 <a:sym typeface="Questrial"/>
               </a:rPr>
-              <a:t>Movies with box-office gross data: 4205 (training + test)</a:t>
+              <a:t>‣ </a:t>
+            </a:r>
+            <a:r>
+              <a:rPr lang="en" sz="2000">
+                <a:solidFill>
+                  <a:srgbClr val="7F7F7F"/>
+                </a:solidFill>
+                <a:latin typeface="Questrial"/>
+                <a:ea typeface="Questrial"/>
+                <a:cs typeface="Questrial"/>
+                <a:sym typeface="Questrial"/>
+              </a:rPr>
+              <a:t>Directors: 20962 (training)</a:t>
             </a:r>
           </a:p>
           <a:p>
-            <a:pPr indent="-228600" lvl="0" marL="457200" rtl="0" algn="l">
-              <a:spcBef>
-                <a:spcPts val="0"/>
-              </a:spcBef>
-              <a:buClr>
-                <a:srgbClr val="7F7F7F"/>
-              </a:buClr>
-              <a:buSzPct val="100000"/>
-              <a:buFont typeface="Questrial"/>
+            <a:pPr indent="0" lvl="0" marL="0" rtl="0" algn="l">
+              <a:spcBef>
+                <a:spcPts val="0"/>
+              </a:spcBef>
+              <a:buNone/>
             </a:pPr>
+            <a:r>
+              <a:rPr lang="en" sz="2000">
+                <a:latin typeface="Questrial"/>
+                <a:ea typeface="Questrial"/>
+                <a:cs typeface="Questrial"/>
+                <a:sym typeface="Questrial"/>
+              </a:rPr>
+              <a:t>‣ </a:t>
+            </a:r>
+            <a:r>
+              <a:rPr lang="en" sz="2000">
+                <a:solidFill>
+                  <a:srgbClr val="7F7F7F"/>
+                </a:solidFill>
+                <a:latin typeface="Questrial"/>
+                <a:ea typeface="Questrial"/>
+                <a:cs typeface="Questrial"/>
+                <a:sym typeface="Questrial"/>
+              </a:rPr>
+              <a:t>Plot keywords: 60376 (training)</a:t>
+            </a:r>
+          </a:p>
+          <a:p>
+            <a:pPr indent="0" lvl="0" marL="0" rtl="0" algn="l">
+              <a:spcBef>
+                <a:spcPts val="0"/>
+              </a:spcBef>
+              <a:buNone/>
+            </a:pPr>
+            <a:r>
+              <a:rPr lang="en" sz="2000">
+                <a:latin typeface="Questrial"/>
+                <a:ea typeface="Questrial"/>
+                <a:cs typeface="Questrial"/>
+                <a:sym typeface="Questrial"/>
+              </a:rPr>
+              <a:t>‣ </a:t>
+            </a:r>
+            <a:r>
+              <a:rPr lang="en" sz="2000">
+                <a:solidFill>
+                  <a:srgbClr val="7F7F7F"/>
+                </a:solidFill>
+                <a:latin typeface="Questrial"/>
+                <a:ea typeface="Questrial"/>
+                <a:cs typeface="Questrial"/>
+                <a:sym typeface="Questrial"/>
+              </a:rPr>
+              <a:t>Movies with box-office budget data: 15556 (training + test)</a:t>
+            </a:r>
+          </a:p>
+          <a:p>
+            <a:pPr indent="0" lvl="0" marL="0" rtl="0" algn="l">
+              <a:spcBef>
+                <a:spcPts val="0"/>
+              </a:spcBef>
+              <a:buNone/>
+            </a:pPr>
+            <a:r>
+              <a:rPr lang="en" sz="2000">
+                <a:latin typeface="Questrial"/>
+                <a:ea typeface="Questrial"/>
+                <a:cs typeface="Questrial"/>
+                <a:sym typeface="Questrial"/>
+              </a:rPr>
+              <a:t>‣ </a:t>
+            </a:r>
+            <a:r>
+              <a:rPr lang="en" sz="2000">
+                <a:solidFill>
+                  <a:srgbClr val="7F7F7F"/>
+                </a:solidFill>
+                <a:latin typeface="Questrial"/>
+                <a:ea typeface="Questrial"/>
+                <a:cs typeface="Questrial"/>
+                <a:sym typeface="Questrial"/>
+              </a:rPr>
+              <a:t>Movies with box-office gross data: 4205 (training + test)</a:t>
+            </a:r>
+          </a:p>
+          <a:p>
+            <a:pPr indent="0" lvl="0" marL="0" rtl="0" algn="l">
+              <a:spcBef>
+                <a:spcPts val="0"/>
+              </a:spcBef>
+              <a:buNone/>
+            </a:pPr>
+            <a:r>
+              <a:rPr lang="en" sz="2000">
+                <a:latin typeface="Questrial"/>
+                <a:ea typeface="Questrial"/>
+                <a:cs typeface="Questrial"/>
+                <a:sym typeface="Questrial"/>
+              </a:rPr>
+              <a:t>‣ </a:t>
+            </a:r>
             <a:r>
               <a:rPr lang="en" sz="2000">
                 <a:solidFill>
@@ -20254,6 +21112,15 @@
               </a:spcBef>
               <a:buNone/>
             </a:pPr>
+            <a:r>
+              <a:rPr lang="en" sz="2000">
+                <a:latin typeface="Questrial"/>
+                <a:ea typeface="Questrial"/>
+                <a:cs typeface="Questrial"/>
+                <a:sym typeface="Questrial"/>
+              </a:rPr>
+              <a:t>‣ </a:t>
+            </a:r>
             <a:r>
               <a:rPr lang="en" sz="2000">
                 <a:solidFill>
@@ -20514,6 +21381,15 @@
               </a:spcAft>
               <a:buNone/>
             </a:pPr>
+            <a:r>
+              <a:rPr lang="en" sz="2000">
+                <a:latin typeface="Questrial"/>
+                <a:ea typeface="Questrial"/>
+                <a:cs typeface="Questrial"/>
+                <a:sym typeface="Questrial"/>
+              </a:rPr>
+              <a:t>‣ </a:t>
+            </a:r>
             <a:r>
               <a:rPr b="1" lang="en" sz="1600">
                 <a:solidFill>
@@ -21186,6 +22062,15 @@
             </a:pPr>
             <a:r>
               <a:rPr lang="en" sz="2000">
+                <a:latin typeface="Questrial"/>
+                <a:ea typeface="Questrial"/>
+                <a:cs typeface="Questrial"/>
+                <a:sym typeface="Questrial"/>
+              </a:rPr>
+              <a:t>‣ </a:t>
+            </a:r>
+            <a:r>
+              <a:rPr lang="en" sz="2000">
                 <a:solidFill>
                   <a:srgbClr val="7F7F7F"/>
                 </a:solidFill>
@@ -21679,6 +22564,15 @@
               <a:buNone/>
             </a:pPr>
             <a:r>
+              <a:rPr lang="en" sz="2000">
+                <a:latin typeface="Questrial"/>
+                <a:ea typeface="Questrial"/>
+                <a:cs typeface="Questrial"/>
+                <a:sym typeface="Questrial"/>
+              </a:rPr>
+              <a:t>‣ </a:t>
+            </a:r>
+            <a:r>
               <a:rPr b="0" baseline="0" i="0" lang="en" sz="2100" u="none" cap="none" strike="noStrike">
                 <a:solidFill>
                   <a:srgbClr val="7F7F7F"/>
@@ -21854,6 +22748,15 @@
               </a:spcAft>
               <a:buNone/>
             </a:pPr>
+            <a:r>
+              <a:rPr lang="en" sz="2000">
+                <a:latin typeface="Questrial"/>
+                <a:ea typeface="Questrial"/>
+                <a:cs typeface="Questrial"/>
+                <a:sym typeface="Questrial"/>
+              </a:rPr>
+              <a:t>‣ </a:t>
+            </a:r>
             <a:r>
               <a:rPr b="0" baseline="0" i="0" lang="en" sz="2100" u="none" cap="none" strike="noStrike">
                 <a:solidFill>
@@ -21912,6 +22815,285 @@
 </file>
 
 <file path=ppt/theme/theme1.xml><?xml version="1.0" encoding="utf-8"?>
+<a:theme xmlns:a="http://schemas.openxmlformats.org/drawingml/2006/main" xmlns:r="http://schemas.openxmlformats.org/officeDocument/2006/relationships" name="Custom Theme">
+  <a:themeElements>
+    <a:clrScheme name="Default">
+      <a:dk1>
+        <a:srgbClr val="000000"/>
+      </a:dk1>
+      <a:lt1>
+        <a:srgbClr val="FFFFFF"/>
+      </a:lt1>
+      <a:dk2>
+        <a:srgbClr val="158158"/>
+      </a:dk2>
+      <a:lt2>
+        <a:srgbClr val="F3F3F3"/>
+      </a:lt2>
+      <a:accent1>
+        <a:srgbClr val="058DC7"/>
+      </a:accent1>
+      <a:accent2>
+        <a:srgbClr val="50B432"/>
+      </a:accent2>
+      <a:accent3>
+        <a:srgbClr val="ED561B"/>
+      </a:accent3>
+      <a:accent4>
+        <a:srgbClr val="EDEF00"/>
+      </a:accent4>
+      <a:accent5>
+        <a:srgbClr val="24CBE5"/>
+      </a:accent5>
+      <a:accent6>
+        <a:srgbClr val="64E572"/>
+      </a:accent6>
+      <a:hlink>
+        <a:srgbClr val="2200CC"/>
+      </a:hlink>
+      <a:folHlink>
+        <a:srgbClr val="551A8B"/>
+      </a:folHlink>
+    </a:clrScheme>
+    <a:fontScheme name="Office">
+      <a:majorFont>
+        <a:latin typeface="Arial"/>
+        <a:ea typeface=""/>
+        <a:cs typeface=""/>
+        <a:font script="Jpan" typeface="ＭＳ Ｐゴシック"/>
+        <a:font script="Hang" typeface="맑은 고딕"/>
+        <a:font script="Hans" typeface="宋体"/>
+        <a:font script="Hant" typeface="新細明體"/>
+        <a:font script="Arab" typeface="Times New Roman"/>
+        <a:font script="Hebr" typeface="Times New Roman"/>
+        <a:font script="Thai" typeface="Angsana New"/>
+        <a:font script="Ethi" typeface="Nyala"/>
+        <a:font script="Beng" typeface="Vrinda"/>
+        <a:font script="Gujr" typeface="Shruti"/>
+        <a:font script="Khmr" typeface="MoolBoran"/>
+        <a:font script="Knda" typeface="Tunga"/>
+        <a:font script="Guru" typeface="Raavi"/>
+        <a:font script="Cans" typeface="Euphemia"/>
+        <a:font script="Cher" typeface="Plantagenet Cherokee"/>
+        <a:font script="Yiii" typeface="Microsoft Yi Baiti"/>
+        <a:font script="Tibt" typeface="Microsoft Himalaya"/>
+        <a:font script="Thaa" typeface="MV Boli"/>
+        <a:font script="Deva" typeface="Mangal"/>
+        <a:font script="Telu" typeface="Gautami"/>
+        <a:font script="Taml" typeface="Latha"/>
+        <a:font script="Syrc" typeface="Estrangelo Edessa"/>
+        <a:font script="Orya" typeface="Kalinga"/>
+        <a:font script="Mlym" typeface="Kartika"/>
+        <a:font script="Laoo" typeface="DokChampa"/>
+        <a:font script="Sinh" typeface="Iskoola Pota"/>
+        <a:font script="Mong" typeface="Mongolian Baiti"/>
+        <a:font script="Viet" typeface="Times New Roman"/>
+        <a:font script="Uigh" typeface="Microsoft Uighur"/>
+        <a:font script="Geor" typeface="Sylfaen"/>
+      </a:majorFont>
+      <a:minorFont>
+        <a:latin typeface="Arial"/>
+        <a:ea typeface=""/>
+        <a:cs typeface=""/>
+        <a:font script="Jpan" typeface="ＭＳ Ｐゴシック"/>
+        <a:font script="Hang" typeface="맑은 고딕"/>
+        <a:font script="Hans" typeface="宋体"/>
+        <a:font script="Hant" typeface="新細明體"/>
+        <a:font script="Arab" typeface="Arial"/>
+        <a:font script="Hebr" typeface="Arial"/>
+        <a:font script="Thai" typeface="Cordia New"/>
+        <a:font script="Ethi" typeface="Nyala"/>
+        <a:font script="Beng" typeface="Vrinda"/>
+        <a:font script="Gujr" typeface="Shruti"/>
+        <a:font script="Khmr" typeface="DaunPenh"/>
+        <a:font script="Knda" typeface="Tunga"/>
+        <a:font script="Guru" typeface="Raavi"/>
+        <a:font script="Cans" typeface="Euphemia"/>
+        <a:font script="Cher" typeface="Plantagenet Cherokee"/>
+        <a:font script="Yiii" typeface="Microsoft Yi Baiti"/>
+        <a:font script="Tibt" typeface="Microsoft Himalaya"/>
+        <a:font script="Thaa" typeface="MV Boli"/>
+        <a:font script="Deva" typeface="Mangal"/>
+        <a:font script="Telu" typeface="Gautami"/>
+        <a:font script="Taml" typeface="Latha"/>
+        <a:font script="Syrc" typeface="Estrangelo Edessa"/>
+        <a:font script="Orya" typeface="Kalinga"/>
+        <a:font script="Mlym" typeface="Kartika"/>
+        <a:font script="Laoo" typeface="DokChampa"/>
+        <a:font script="Sinh" typeface="Iskoola Pota"/>
+        <a:font script="Mong" typeface="Mongolian Baiti"/>
+        <a:font script="Viet" typeface="Arial"/>
+        <a:font script="Uigh" typeface="Microsoft Uighur"/>
+        <a:font script="Geor" typeface="Sylfaen"/>
+      </a:minorFont>
+    </a:fontScheme>
+    <a:fmtScheme name="Office">
+      <a:fillStyleLst>
+        <a:solidFill>
+          <a:schemeClr val="phClr"/>
+        </a:solidFill>
+        <a:gradFill rotWithShape="1">
+          <a:gsLst>
+            <a:gs pos="0">
+              <a:schemeClr val="phClr">
+                <a:tint val="50000"/>
+                <a:satMod val="300000"/>
+              </a:schemeClr>
+            </a:gs>
+            <a:gs pos="35000">
+              <a:schemeClr val="phClr">
+                <a:tint val="37000"/>
+                <a:satMod val="300000"/>
+              </a:schemeClr>
+            </a:gs>
+            <a:gs pos="100000">
+              <a:schemeClr val="phClr">
+                <a:tint val="15000"/>
+                <a:satMod val="350000"/>
+              </a:schemeClr>
+            </a:gs>
+          </a:gsLst>
+          <a:lin ang="16200000" scaled="1"/>
+        </a:gradFill>
+        <a:gradFill rotWithShape="1">
+          <a:gsLst>
+            <a:gs pos="0">
+              <a:schemeClr val="phClr">
+                <a:tint val="100000"/>
+                <a:shade val="100000"/>
+                <a:satMod val="130000"/>
+              </a:schemeClr>
+            </a:gs>
+            <a:gs pos="100000">
+              <a:schemeClr val="phClr">
+                <a:tint val="50000"/>
+                <a:shade val="100000"/>
+                <a:satMod val="350000"/>
+              </a:schemeClr>
+            </a:gs>
+          </a:gsLst>
+          <a:lin ang="16200000" scaled="0"/>
+        </a:gradFill>
+      </a:fillStyleLst>
+      <a:lnStyleLst>
+        <a:ln w="9525" cap="flat" cmpd="sng" algn="ctr">
+          <a:solidFill>
+            <a:schemeClr val="phClr">
+              <a:shade val="95000"/>
+              <a:satMod val="105000"/>
+            </a:schemeClr>
+          </a:solidFill>
+          <a:prstDash val="solid"/>
+        </a:ln>
+        <a:ln w="25400" cap="flat" cmpd="sng" algn="ctr">
+          <a:solidFill>
+            <a:schemeClr val="phClr"/>
+          </a:solidFill>
+          <a:prstDash val="solid"/>
+        </a:ln>
+        <a:ln w="38100" cap="flat" cmpd="sng" algn="ctr">
+          <a:solidFill>
+            <a:schemeClr val="phClr"/>
+          </a:solidFill>
+          <a:prstDash val="solid"/>
+        </a:ln>
+      </a:lnStyleLst>
+      <a:effectStyleLst>
+        <a:effectStyle>
+          <a:effectLst>
+            <a:outerShdw blurRad="40000" dist="20000" dir="5400000" rotWithShape="0">
+              <a:srgbClr val="000000">
+                <a:alpha val="38000"/>
+              </a:srgbClr>
+            </a:outerShdw>
+          </a:effectLst>
+        </a:effectStyle>
+        <a:effectStyle>
+          <a:effectLst>
+            <a:outerShdw blurRad="40000" dist="23000" dir="5400000" rotWithShape="0">
+              <a:srgbClr val="000000">
+                <a:alpha val="35000"/>
+              </a:srgbClr>
+            </a:outerShdw>
+          </a:effectLst>
+        </a:effectStyle>
+        <a:effectStyle>
+          <a:effectLst>
+            <a:outerShdw blurRad="40000" dist="23000" dir="5400000" rotWithShape="0">
+              <a:srgbClr val="000000">
+                <a:alpha val="35000"/>
+              </a:srgbClr>
+            </a:outerShdw>
+          </a:effectLst>
+          <a:scene3d>
+            <a:camera prst="orthographicFront">
+              <a:rot lat="0" lon="0" rev="0"/>
+            </a:camera>
+            <a:lightRig rig="threePt" dir="t">
+              <a:rot lat="0" lon="0" rev="1200000"/>
+            </a:lightRig>
+          </a:scene3d>
+          <a:sp3d>
+            <a:bevelT w="63500" h="25400"/>
+          </a:sp3d>
+        </a:effectStyle>
+      </a:effectStyleLst>
+      <a:bgFillStyleLst>
+        <a:solidFill>
+          <a:schemeClr val="phClr"/>
+        </a:solidFill>
+        <a:gradFill rotWithShape="1">
+          <a:gsLst>
+            <a:gs pos="0">
+              <a:schemeClr val="phClr">
+                <a:tint val="40000"/>
+                <a:satMod val="350000"/>
+              </a:schemeClr>
+            </a:gs>
+            <a:gs pos="40000">
+              <a:schemeClr val="phClr">
+                <a:tint val="45000"/>
+                <a:shade val="99000"/>
+                <a:satMod val="350000"/>
+              </a:schemeClr>
+            </a:gs>
+            <a:gs pos="100000">
+              <a:schemeClr val="phClr">
+                <a:shade val="20000"/>
+                <a:satMod val="255000"/>
+              </a:schemeClr>
+            </a:gs>
+          </a:gsLst>
+          <a:path path="circle">
+            <a:fillToRect l="50000" t="-80000" r="50000" b="180000"/>
+          </a:path>
+        </a:gradFill>
+        <a:gradFill rotWithShape="1">
+          <a:gsLst>
+            <a:gs pos="0">
+              <a:schemeClr val="phClr">
+                <a:tint val="80000"/>
+                <a:satMod val="300000"/>
+              </a:schemeClr>
+            </a:gs>
+            <a:gs pos="100000">
+              <a:schemeClr val="phClr">
+                <a:shade val="30000"/>
+                <a:satMod val="200000"/>
+              </a:schemeClr>
+            </a:gs>
+          </a:gsLst>
+          <a:path path="circle">
+            <a:fillToRect l="50000" t="50000" r="50000" b="50000"/>
+          </a:path>
+        </a:gradFill>
+      </a:bgFillStyleLst>
+    </a:fmtScheme>
+  </a:themeElements>
+</a:theme>
+</file>
+
+<file path=ppt/theme/theme2.xml><?xml version="1.0" encoding="utf-8"?>
 <a:theme xmlns:a="http://schemas.openxmlformats.org/drawingml/2006/main" xmlns:r="http://schemas.openxmlformats.org/officeDocument/2006/relationships" name="Office Theme">
   <a:themeElements>
     <a:clrScheme name="Office">
@@ -22188,283 +23370,4 @@
     </a:fmtScheme>
   </a:themeElements>
 </a:theme>
-</file>
-
-<file path=ppt/theme/theme2.xml><?xml version="1.0" encoding="utf-8"?>
-<a:theme xmlns:a="http://schemas.openxmlformats.org/drawingml/2006/main" xmlns:r="http://schemas.openxmlformats.org/officeDocument/2006/relationships" name="Custom Theme">
-  <a:themeElements>
-    <a:clrScheme name="Default">
-      <a:dk1>
-        <a:srgbClr val="000000"/>
-      </a:dk1>
-      <a:lt1>
-        <a:srgbClr val="FFFFFF"/>
-      </a:lt1>
-      <a:dk2>
-        <a:srgbClr val="158158"/>
-      </a:dk2>
-      <a:lt2>
-        <a:srgbClr val="F3F3F3"/>
-      </a:lt2>
-      <a:accent1>
-        <a:srgbClr val="058DC7"/>
-      </a:accent1>
-      <a:accent2>
-        <a:srgbClr val="50B432"/>
-      </a:accent2>
-      <a:accent3>
-        <a:srgbClr val="ED561B"/>
-      </a:accent3>
-      <a:accent4>
-        <a:srgbClr val="EDEF00"/>
-      </a:accent4>
-      <a:accent5>
-        <a:srgbClr val="24CBE5"/>
-      </a:accent5>
-      <a:accent6>
-        <a:srgbClr val="64E572"/>
-      </a:accent6>
-      <a:hlink>
-        <a:srgbClr val="2200CC"/>
-      </a:hlink>
-      <a:folHlink>
-        <a:srgbClr val="551A8B"/>
-      </a:folHlink>
-    </a:clrScheme>
-    <a:fontScheme name="Office">
-      <a:majorFont>
-        <a:latin typeface="Arial"/>
-        <a:ea typeface=""/>
-        <a:cs typeface=""/>
-        <a:font script="Jpan" typeface="ＭＳ Ｐゴシック"/>
-        <a:font script="Hang" typeface="맑은 고딕"/>
-        <a:font script="Hans" typeface="宋体"/>
-        <a:font script="Hant" typeface="新細明體"/>
-        <a:font script="Arab" typeface="Times New Roman"/>
-        <a:font script="Hebr" typeface="Times New Roman"/>
-        <a:font script="Thai" typeface="Angsana New"/>
-        <a:font script="Ethi" typeface="Nyala"/>
-        <a:font script="Beng" typeface="Vrinda"/>
-        <a:font script="Gujr" typeface="Shruti"/>
-        <a:font script="Khmr" typeface="MoolBoran"/>
-        <a:font script="Knda" typeface="Tunga"/>
-        <a:font script="Guru" typeface="Raavi"/>
-        <a:font script="Cans" typeface="Euphemia"/>
-        <a:font script="Cher" typeface="Plantagenet Cherokee"/>
-        <a:font script="Yiii" typeface="Microsoft Yi Baiti"/>
-        <a:font script="Tibt" typeface="Microsoft Himalaya"/>
-        <a:font script="Thaa" typeface="MV Boli"/>
-        <a:font script="Deva" typeface="Mangal"/>
-        <a:font script="Telu" typeface="Gautami"/>
-        <a:font script="Taml" typeface="Latha"/>
-        <a:font script="Syrc" typeface="Estrangelo Edessa"/>
-        <a:font script="Orya" typeface="Kalinga"/>
-        <a:font script="Mlym" typeface="Kartika"/>
-        <a:font script="Laoo" typeface="DokChampa"/>
-        <a:font script="Sinh" typeface="Iskoola Pota"/>
-        <a:font script="Mong" typeface="Mongolian Baiti"/>
-        <a:font script="Viet" typeface="Times New Roman"/>
-        <a:font script="Uigh" typeface="Microsoft Uighur"/>
-        <a:font script="Geor" typeface="Sylfaen"/>
-      </a:majorFont>
-      <a:minorFont>
-        <a:latin typeface="Arial"/>
-        <a:ea typeface=""/>
-        <a:cs typeface=""/>
-        <a:font script="Jpan" typeface="ＭＳ Ｐゴシック"/>
-        <a:font script="Hang" typeface="맑은 고딕"/>
-        <a:font script="Hans" typeface="宋体"/>
-        <a:font script="Hant" typeface="新細明體"/>
-        <a:font script="Arab" typeface="Arial"/>
-        <a:font script="Hebr" typeface="Arial"/>
-        <a:font script="Thai" typeface="Cordia New"/>
-        <a:font script="Ethi" typeface="Nyala"/>
-        <a:font script="Beng" typeface="Vrinda"/>
-        <a:font script="Gujr" typeface="Shruti"/>
-        <a:font script="Khmr" typeface="DaunPenh"/>
-        <a:font script="Knda" typeface="Tunga"/>
-        <a:font script="Guru" typeface="Raavi"/>
-        <a:font script="Cans" typeface="Euphemia"/>
-        <a:font script="Cher" typeface="Plantagenet Cherokee"/>
-        <a:font script="Yiii" typeface="Microsoft Yi Baiti"/>
-        <a:font script="Tibt" typeface="Microsoft Himalaya"/>
-        <a:font script="Thaa" typeface="MV Boli"/>
-        <a:font script="Deva" typeface="Mangal"/>
-        <a:font script="Telu" typeface="Gautami"/>
-        <a:font script="Taml" typeface="Latha"/>
-        <a:font script="Syrc" typeface="Estrangelo Edessa"/>
-        <a:font script="Orya" typeface="Kalinga"/>
-        <a:font script="Mlym" typeface="Kartika"/>
-        <a:font script="Laoo" typeface="DokChampa"/>
-        <a:font script="Sinh" typeface="Iskoola Pota"/>
-        <a:font script="Mong" typeface="Mongolian Baiti"/>
-        <a:font script="Viet" typeface="Arial"/>
-        <a:font script="Uigh" typeface="Microsoft Uighur"/>
-        <a:font script="Geor" typeface="Sylfaen"/>
-      </a:minorFont>
-    </a:fontScheme>
-    <a:fmtScheme name="Office">
-      <a:fillStyleLst>
-        <a:solidFill>
-          <a:schemeClr val="phClr"/>
-        </a:solidFill>
-        <a:gradFill rotWithShape="1">
-          <a:gsLst>
-            <a:gs pos="0">
-              <a:schemeClr val="phClr">
-                <a:tint val="50000"/>
-                <a:satMod val="300000"/>
-              </a:schemeClr>
-            </a:gs>
-            <a:gs pos="35000">
-              <a:schemeClr val="phClr">
-                <a:tint val="37000"/>
-                <a:satMod val="300000"/>
-              </a:schemeClr>
-            </a:gs>
-            <a:gs pos="100000">
-              <a:schemeClr val="phClr">
-                <a:tint val="15000"/>
-                <a:satMod val="350000"/>
-              </a:schemeClr>
-            </a:gs>
-          </a:gsLst>
-          <a:lin ang="16200000" scaled="1"/>
-        </a:gradFill>
-        <a:gradFill rotWithShape="1">
-          <a:gsLst>
-            <a:gs pos="0">
-              <a:schemeClr val="phClr">
-                <a:tint val="100000"/>
-                <a:shade val="100000"/>
-                <a:satMod val="130000"/>
-              </a:schemeClr>
-            </a:gs>
-            <a:gs pos="100000">
-              <a:schemeClr val="phClr">
-                <a:tint val="50000"/>
-                <a:shade val="100000"/>
-                <a:satMod val="350000"/>
-              </a:schemeClr>
-            </a:gs>
-          </a:gsLst>
-          <a:lin ang="16200000" scaled="0"/>
-        </a:gradFill>
-      </a:fillStyleLst>
-      <a:lnStyleLst>
-        <a:ln w="9525" cap="flat" cmpd="sng" algn="ctr">
-          <a:solidFill>
-            <a:schemeClr val="phClr">
-              <a:shade val="95000"/>
-              <a:satMod val="105000"/>
-            </a:schemeClr>
-          </a:solidFill>
-          <a:prstDash val="solid"/>
-        </a:ln>
-        <a:ln w="25400" cap="flat" cmpd="sng" algn="ctr">
-          <a:solidFill>
-            <a:schemeClr val="phClr"/>
-          </a:solidFill>
-          <a:prstDash val="solid"/>
-        </a:ln>
-        <a:ln w="38100" cap="flat" cmpd="sng" algn="ctr">
-          <a:solidFill>
-            <a:schemeClr val="phClr"/>
-          </a:solidFill>
-          <a:prstDash val="solid"/>
-        </a:ln>
-      </a:lnStyleLst>
-      <a:effectStyleLst>
-        <a:effectStyle>
-          <a:effectLst>
-            <a:outerShdw blurRad="40000" dist="20000" dir="5400000" rotWithShape="0">
-              <a:srgbClr val="000000">
-                <a:alpha val="38000"/>
-              </a:srgbClr>
-            </a:outerShdw>
-          </a:effectLst>
-        </a:effectStyle>
-        <a:effectStyle>
-          <a:effectLst>
-            <a:outerShdw blurRad="40000" dist="23000" dir="5400000" rotWithShape="0">
-              <a:srgbClr val="000000">
-                <a:alpha val="35000"/>
-              </a:srgbClr>
-            </a:outerShdw>
-          </a:effectLst>
-        </a:effectStyle>
-        <a:effectStyle>
-          <a:effectLst>
-            <a:outerShdw blurRad="40000" dist="23000" dir="5400000" rotWithShape="0">
-              <a:srgbClr val="000000">
-                <a:alpha val="35000"/>
-              </a:srgbClr>
-            </a:outerShdw>
-          </a:effectLst>
-          <a:scene3d>
-            <a:camera prst="orthographicFront">
-              <a:rot lat="0" lon="0" rev="0"/>
-            </a:camera>
-            <a:lightRig rig="threePt" dir="t">
-              <a:rot lat="0" lon="0" rev="1200000"/>
-            </a:lightRig>
-          </a:scene3d>
-          <a:sp3d>
-            <a:bevelT w="63500" h="25400"/>
-          </a:sp3d>
-        </a:effectStyle>
-      </a:effectStyleLst>
-      <a:bgFillStyleLst>
-        <a:solidFill>
-          <a:schemeClr val="phClr"/>
-        </a:solidFill>
-        <a:gradFill rotWithShape="1">
-          <a:gsLst>
-            <a:gs pos="0">
-              <a:schemeClr val="phClr">
-                <a:tint val="40000"/>
-                <a:satMod val="350000"/>
-              </a:schemeClr>
-            </a:gs>
-            <a:gs pos="40000">
-              <a:schemeClr val="phClr">
-                <a:tint val="45000"/>
-                <a:shade val="99000"/>
-                <a:satMod val="350000"/>
-              </a:schemeClr>
-            </a:gs>
-            <a:gs pos="100000">
-              <a:schemeClr val="phClr">
-                <a:shade val="20000"/>
-                <a:satMod val="255000"/>
-              </a:schemeClr>
-            </a:gs>
-          </a:gsLst>
-          <a:path path="circle">
-            <a:fillToRect l="50000" t="-80000" r="50000" b="180000"/>
-          </a:path>
-        </a:gradFill>
-        <a:gradFill rotWithShape="1">
-          <a:gsLst>
-            <a:gs pos="0">
-              <a:schemeClr val="phClr">
-                <a:tint val="80000"/>
-                <a:satMod val="300000"/>
-              </a:schemeClr>
-            </a:gs>
-            <a:gs pos="100000">
-              <a:schemeClr val="phClr">
-                <a:shade val="30000"/>
-                <a:satMod val="200000"/>
-              </a:schemeClr>
-            </a:gs>
-          </a:gsLst>
-          <a:path path="circle">
-            <a:fillToRect l="50000" t="50000" r="50000" b="50000"/>
-          </a:path>
-        </a:gradFill>
-      </a:bgFillStyleLst>
-    </a:fmtScheme>
-  </a:themeElements>
-</a:theme>
 </file>
--- a/presentations/Final Presentation.pptx
+++ b/presentations/Final Presentation.pptx
@@ -22600,7 +22600,7 @@
               <a:buNone/>
             </a:pPr>
             <a:r>
-              <a:rPr lang="en" sz="2000">
+              <a:rPr lang="en" sz="2000" dirty="0">
                 <a:latin typeface="Questrial"/>
                 <a:ea typeface="Questrial"/>
                 <a:cs typeface="Questrial"/>
@@ -22609,7 +22609,7 @@
               <a:t>‣ </a:t>
             </a:r>
             <a:r>
-              <a:rPr lang="en" sz="2000">
+              <a:rPr lang="en" sz="2000" dirty="0">
                 <a:solidFill>
                   <a:srgbClr val="7F7F7F"/>
                 </a:solidFill>
@@ -22629,7 +22629,7 @@
               <a:buNone/>
             </a:pPr>
             <a:r>
-              <a:rPr lang="en" sz="2000">
+              <a:rPr lang="en" sz="2000" dirty="0">
                 <a:latin typeface="Questrial"/>
                 <a:ea typeface="Questrial"/>
                 <a:cs typeface="Questrial"/>
@@ -22638,7 +22638,7 @@
               <a:t>‣ </a:t>
             </a:r>
             <a:r>
-              <a:rPr lang="en" sz="2000">
+              <a:rPr lang="en" sz="2000" dirty="0">
                 <a:solidFill>
                   <a:srgbClr val="7F7F7F"/>
                 </a:solidFill>
@@ -22667,7 +22667,7 @@
               <a:buFont typeface="Arial"/>
               <a:buNone/>
             </a:pPr>
-            <a:endParaRPr sz="2000">
+            <a:endParaRPr sz="2000" dirty="0">
               <a:solidFill>
                 <a:srgbClr val="7F7F7F"/>
               </a:solidFill>
@@ -22825,7 +22825,7 @@
               <a:buNone/>
             </a:pPr>
             <a:r>
-              <a:rPr lang="en" sz="2000">
+              <a:rPr lang="en" sz="2000" dirty="0">
                 <a:latin typeface="Questrial"/>
                 <a:ea typeface="Questrial"/>
                 <a:cs typeface="Questrial"/>
@@ -22834,7 +22834,7 @@
               <a:t>‣ </a:t>
             </a:r>
             <a:r>
-              <a:rPr lang="en" sz="2000">
+              <a:rPr lang="en" sz="2000" dirty="0">
                 <a:solidFill>
                   <a:srgbClr val="7F7F7F"/>
                 </a:solidFill>
@@ -22854,7 +22854,7 @@
               <a:buNone/>
             </a:pPr>
             <a:r>
-              <a:rPr lang="en" sz="2000">
+              <a:rPr lang="en" sz="2000" dirty="0">
                 <a:latin typeface="Questrial"/>
                 <a:ea typeface="Questrial"/>
                 <a:cs typeface="Questrial"/>
@@ -22863,7 +22863,7 @@
               <a:t>‣ </a:t>
             </a:r>
             <a:r>
-              <a:rPr lang="en" sz="2000">
+              <a:rPr lang="en" sz="2000" dirty="0">
                 <a:solidFill>
                   <a:srgbClr val="7F7F7F"/>
                 </a:solidFill>
@@ -22882,7 +22882,7 @@
               </a:spcBef>
               <a:buNone/>
             </a:pPr>
-            <a:endParaRPr sz="2000">
+            <a:endParaRPr sz="2000" dirty="0">
               <a:solidFill>
                 <a:srgbClr val="7F7F7F"/>
               </a:solidFill>
@@ -22899,7 +22899,7 @@
               </a:spcBef>
               <a:buNone/>
             </a:pPr>
-            <a:endParaRPr sz="2000">
+            <a:endParaRPr sz="2000" dirty="0">
               <a:solidFill>
                 <a:srgbClr val="7F7F7F"/>
               </a:solidFill>
@@ -22926,7 +22926,7 @@
               <a:buFont typeface="Arial"/>
               <a:buNone/>
             </a:pPr>
-            <a:endParaRPr sz="2000">
+            <a:endParaRPr sz="2000" dirty="0">
               <a:solidFill>
                 <a:srgbClr val="7F7F7F"/>
               </a:solidFill>
@@ -23084,7 +23084,7 @@
               <a:buNone/>
             </a:pPr>
             <a:r>
-              <a:rPr lang="en" sz="2000">
+              <a:rPr lang="en" sz="2000" dirty="0">
                 <a:latin typeface="Questrial"/>
                 <a:ea typeface="Questrial"/>
                 <a:cs typeface="Questrial"/>
@@ -23093,7 +23093,7 @@
               <a:t>‣ </a:t>
             </a:r>
             <a:r>
-              <a:rPr lang="en" sz="2000">
+              <a:rPr lang="en" sz="2000" dirty="0">
                 <a:solidFill>
                   <a:srgbClr val="7F7F7F"/>
                 </a:solidFill>
@@ -23105,7 +23105,7 @@
               <a:t>Let us consider an example. Say the proportion of members of the statistical population who would answer </a:t>
             </a:r>
             <a:r>
-              <a:rPr lang="en" sz="2000" i="1">
+              <a:rPr lang="en" sz="2000" i="1" dirty="0">
                 <a:solidFill>
                   <a:srgbClr val="7F7F7F"/>
                 </a:solidFill>
@@ -23117,7 +23117,7 @@
               <a:t>poor, fair, good, very good </a:t>
             </a:r>
             <a:r>
-              <a:rPr lang="en" sz="2000">
+              <a:rPr lang="en" sz="2000" dirty="0">
                 <a:solidFill>
                   <a:srgbClr val="7F7F7F"/>
                 </a:solidFill>
@@ -23129,7 +23129,7 @@
               <a:t>and </a:t>
             </a:r>
             <a:r>
-              <a:rPr lang="en" sz="2000" i="1">
+              <a:rPr lang="en" sz="2000" i="1" dirty="0">
                 <a:solidFill>
                   <a:srgbClr val="7F7F7F"/>
                 </a:solidFill>
@@ -23141,7 +23141,7 @@
               <a:t>excellent </a:t>
             </a:r>
             <a:r>
-              <a:rPr lang="en" sz="2000">
+              <a:rPr lang="en" sz="2000" dirty="0">
                 <a:solidFill>
                   <a:srgbClr val="7F7F7F"/>
                 </a:solidFill>
@@ -23153,7 +23153,7 @@
               <a:t>are </a:t>
             </a:r>
             <a:r>
-              <a:rPr lang="en" sz="2000" i="1">
+              <a:rPr lang="en" sz="2000" i="1" dirty="0">
                 <a:solidFill>
                   <a:srgbClr val="7F7F7F"/>
                 </a:solidFill>
@@ -23165,7 +23165,7 @@
               <a:t>p</a:t>
             </a:r>
             <a:r>
-              <a:rPr lang="en" sz="2000" i="1" baseline="-25000">
+              <a:rPr lang="en" sz="2000" i="1" baseline="-25000" dirty="0">
                 <a:solidFill>
                   <a:srgbClr val="7F7F7F"/>
                 </a:solidFill>
@@ -23177,7 +23177,7 @@
               <a:t>1</a:t>
             </a:r>
             <a:r>
-              <a:rPr lang="en" sz="2000" i="1">
+              <a:rPr lang="en" sz="2000" i="1" dirty="0">
                 <a:solidFill>
                   <a:srgbClr val="7F7F7F"/>
                 </a:solidFill>
@@ -23189,7 +23189,7 @@
               <a:t> , p</a:t>
             </a:r>
             <a:r>
-              <a:rPr lang="en" sz="2000" i="1" baseline="-25000">
+              <a:rPr lang="en" sz="2000" i="1" baseline="-25000" dirty="0">
                 <a:solidFill>
                   <a:srgbClr val="7F7F7F"/>
                 </a:solidFill>
@@ -23201,7 +23201,7 @@
               <a:t>2</a:t>
             </a:r>
             <a:r>
-              <a:rPr lang="en" sz="2000" i="1">
+              <a:rPr lang="en" sz="2000" i="1" dirty="0">
                 <a:solidFill>
                   <a:srgbClr val="7F7F7F"/>
                 </a:solidFill>
@@ -23213,7 +23213,7 @@
               <a:t> , p</a:t>
             </a:r>
             <a:r>
-              <a:rPr lang="en" sz="2000" i="1" baseline="-25000">
+              <a:rPr lang="en" sz="2000" i="1" baseline="-25000" dirty="0">
                 <a:solidFill>
                   <a:srgbClr val="7F7F7F"/>
                 </a:solidFill>
@@ -23225,7 +23225,7 @@
               <a:t>3</a:t>
             </a:r>
             <a:r>
-              <a:rPr lang="en" sz="2000" i="1">
+              <a:rPr lang="en" sz="2000" i="1" dirty="0">
                 <a:solidFill>
                   <a:srgbClr val="7F7F7F"/>
                 </a:solidFill>
@@ -23237,7 +23237,7 @@
               <a:t> , p</a:t>
             </a:r>
             <a:r>
-              <a:rPr lang="en" sz="2000" i="1" baseline="-25000">
+              <a:rPr lang="en" sz="2000" i="1" baseline="-25000" dirty="0">
                 <a:solidFill>
                   <a:srgbClr val="7F7F7F"/>
                 </a:solidFill>
@@ -23249,7 +23249,7 @@
               <a:t>4</a:t>
             </a:r>
             <a:r>
-              <a:rPr lang="en" sz="2000" i="1">
+              <a:rPr lang="en" sz="2000" i="1" dirty="0">
                 <a:solidFill>
                   <a:srgbClr val="7F7F7F"/>
                 </a:solidFill>
@@ -23261,7 +23261,7 @@
               <a:t> and p</a:t>
             </a:r>
             <a:r>
-              <a:rPr lang="en" sz="2000" i="1" baseline="-25000">
+              <a:rPr lang="en" sz="2000" i="1" baseline="-25000" dirty="0">
                 <a:solidFill>
                   <a:srgbClr val="7F7F7F"/>
                 </a:solidFill>
@@ -23273,7 +23273,7 @@
               <a:t>5</a:t>
             </a:r>
             <a:r>
-              <a:rPr lang="en" sz="2000" i="1">
+              <a:rPr lang="en" sz="2000" i="1" dirty="0">
                 <a:solidFill>
                   <a:srgbClr val="7F7F7F"/>
                 </a:solidFill>
@@ -23285,7 +23285,7 @@
               <a:t> , </a:t>
             </a:r>
             <a:r>
-              <a:rPr lang="en" sz="2000">
+              <a:rPr lang="en" sz="2000" dirty="0">
                 <a:solidFill>
                   <a:srgbClr val="7F7F7F"/>
                 </a:solidFill>
@@ -23304,7 +23304,7 @@
               </a:spcBef>
               <a:buNone/>
             </a:pPr>
-            <a:endParaRPr sz="2000">
+            <a:endParaRPr sz="2000" dirty="0">
               <a:solidFill>
                 <a:srgbClr val="7F7F7F"/>
               </a:solidFill>
@@ -23321,7 +23321,7 @@
               </a:spcBef>
               <a:buNone/>
             </a:pPr>
-            <a:endParaRPr sz="2000">
+            <a:endParaRPr sz="2000" dirty="0">
               <a:solidFill>
                 <a:srgbClr val="7F7F7F"/>
               </a:solidFill>
@@ -23348,7 +23348,7 @@
               <a:buFont typeface="Arial"/>
               <a:buNone/>
             </a:pPr>
-            <a:endParaRPr sz="2000">
+            <a:endParaRPr sz="2000" dirty="0">
               <a:solidFill>
                 <a:srgbClr val="7F7F7F"/>
               </a:solidFill>
@@ -23534,7 +23534,7 @@
               <a:buNone/>
             </a:pPr>
             <a:r>
-              <a:rPr lang="en" sz="2000">
+              <a:rPr lang="en" sz="2000" dirty="0">
                 <a:latin typeface="Questrial"/>
                 <a:ea typeface="Questrial"/>
                 <a:cs typeface="Questrial"/>
@@ -23543,7 +23543,7 @@
               <a:t>‣ </a:t>
             </a:r>
             <a:r>
-              <a:rPr lang="en" sz="2000">
+              <a:rPr lang="en" sz="2000" dirty="0">
                 <a:solidFill>
                   <a:srgbClr val="7F7F7F"/>
                 </a:solidFill>
@@ -23563,7 +23563,7 @@
               <a:buNone/>
             </a:pPr>
             <a:r>
-              <a:rPr lang="en" sz="2000">
+              <a:rPr lang="en" sz="2000" dirty="0">
                 <a:solidFill>
                   <a:srgbClr val="7F7F7F"/>
                 </a:solidFill>
@@ -23575,7 +23575,7 @@
               <a:t>where y</a:t>
             </a:r>
             <a:r>
-              <a:rPr lang="en" sz="2000" b="1">
+              <a:rPr lang="en" sz="2000" b="1" dirty="0">
                 <a:solidFill>
                   <a:srgbClr val="7F7F7F"/>
                 </a:solidFill>
@@ -23587,7 +23587,7 @@
               <a:t>* </a:t>
             </a:r>
             <a:r>
-              <a:rPr lang="en" sz="2000">
+              <a:rPr lang="en" sz="2000" dirty="0">
                 <a:solidFill>
                   <a:srgbClr val="7F7F7F"/>
                 </a:solidFill>
@@ -23599,7 +23599,7 @@
               <a:t>is the exact but unobserved variable, x</a:t>
             </a:r>
             <a:r>
-              <a:rPr lang="en" sz="2000" b="1">
+              <a:rPr lang="en" sz="2000" b="1" dirty="0">
                 <a:solidFill>
                   <a:srgbClr val="7F7F7F"/>
                 </a:solidFill>
@@ -23611,7 +23611,7 @@
               <a:t>’</a:t>
             </a:r>
             <a:r>
-              <a:rPr lang="en" sz="2000">
+              <a:rPr lang="en" sz="2000" dirty="0">
                 <a:solidFill>
                   <a:srgbClr val="7F7F7F"/>
                 </a:solidFill>
@@ -23623,7 +23623,7 @@
               <a:t> is the vector of independent variables and </a:t>
             </a:r>
             <a:r>
-              <a:rPr lang="en" sz="2000" i="1">
+              <a:rPr lang="en" sz="2000" i="1" dirty="0">
                 <a:solidFill>
                   <a:srgbClr val="7F7F7F"/>
                 </a:solidFill>
@@ -23635,7 +23635,7 @@
               <a:t>β</a:t>
             </a:r>
             <a:r>
-              <a:rPr lang="en" sz="2000">
+              <a:rPr lang="en" sz="2000" dirty="0">
                 <a:solidFill>
                   <a:srgbClr val="7F7F7F"/>
                 </a:solidFill>
@@ -23647,7 +23647,7 @@
               <a:t> is the vector of regression coefficients. We cannot observe y</a:t>
             </a:r>
             <a:r>
-              <a:rPr lang="en" sz="2000" b="1">
+              <a:rPr lang="en" sz="2000" b="1" dirty="0">
                 <a:solidFill>
                   <a:srgbClr val="7F7F7F"/>
                 </a:solidFill>
@@ -23659,7 +23659,7 @@
               <a:t>*</a:t>
             </a:r>
             <a:r>
-              <a:rPr lang="en" sz="2000">
+              <a:rPr lang="en" sz="2000" dirty="0">
                 <a:solidFill>
                   <a:srgbClr val="7F7F7F"/>
                 </a:solidFill>
@@ -23678,7 +23678,7 @@
               </a:spcBef>
               <a:buNone/>
             </a:pPr>
-            <a:endParaRPr sz="2000">
+            <a:endParaRPr sz="2000" dirty="0">
               <a:solidFill>
                 <a:srgbClr val="7F7F7F"/>
               </a:solidFill>
@@ -23695,7 +23695,7 @@
               </a:spcBef>
               <a:buNone/>
             </a:pPr>
-            <a:endParaRPr sz="2000">
+            <a:endParaRPr sz="2000" dirty="0">
               <a:solidFill>
                 <a:srgbClr val="7F7F7F"/>
               </a:solidFill>
@@ -23712,7 +23712,7 @@
               </a:spcBef>
               <a:buNone/>
             </a:pPr>
-            <a:endParaRPr sz="2000">
+            <a:endParaRPr sz="2000" dirty="0">
               <a:solidFill>
                 <a:srgbClr val="7F7F7F"/>
               </a:solidFill>
@@ -23729,7 +23729,7 @@
               </a:spcBef>
               <a:buNone/>
             </a:pPr>
-            <a:endParaRPr sz="2000">
+            <a:endParaRPr sz="2000" dirty="0">
               <a:solidFill>
                 <a:srgbClr val="7F7F7F"/>
               </a:solidFill>
@@ -23746,7 +23746,7 @@
               </a:spcBef>
               <a:buNone/>
             </a:pPr>
-            <a:endParaRPr sz="2000">
+            <a:endParaRPr sz="2000" dirty="0">
               <a:solidFill>
                 <a:srgbClr val="7F7F7F"/>
               </a:solidFill>
@@ -23763,7 +23763,7 @@
               </a:spcBef>
               <a:buNone/>
             </a:pPr>
-            <a:endParaRPr sz="2000">
+            <a:endParaRPr sz="2000" dirty="0">
               <a:solidFill>
                 <a:srgbClr val="7F7F7F"/>
               </a:solidFill>
@@ -23781,7 +23781,7 @@
               <a:buNone/>
             </a:pPr>
             <a:r>
-              <a:rPr lang="en" sz="2000">
+              <a:rPr lang="en" sz="2000" dirty="0">
                 <a:solidFill>
                   <a:srgbClr val="7F7F7F"/>
                 </a:solidFill>
@@ -23793,7 +23793,7 @@
               <a:t>Then this technique uses observations on </a:t>
             </a:r>
             <a:r>
-              <a:rPr lang="en" sz="2000" i="1">
+              <a:rPr lang="en" sz="2000" i="1" dirty="0">
                 <a:solidFill>
                   <a:srgbClr val="7F7F7F"/>
                 </a:solidFill>
@@ -23805,7 +23805,7 @@
               <a:t>y</a:t>
             </a:r>
             <a:r>
-              <a:rPr lang="en" sz="2000">
+              <a:rPr lang="en" sz="2000" dirty="0">
                 <a:solidFill>
                   <a:srgbClr val="7F7F7F"/>
                 </a:solidFill>
@@ -23817,7 +23817,7 @@
               <a:t> which are a form of censored data on </a:t>
             </a:r>
             <a:r>
-              <a:rPr lang="en" sz="2000" i="1">
+              <a:rPr lang="en" sz="2000" i="1" dirty="0">
                 <a:solidFill>
                   <a:srgbClr val="7F7F7F"/>
                 </a:solidFill>
@@ -23829,7 +23829,7 @@
               <a:t>y</a:t>
             </a:r>
             <a:r>
-              <a:rPr lang="en" sz="2000" b="1" i="1">
+              <a:rPr lang="en" sz="2000" b="1" i="1" dirty="0">
                 <a:solidFill>
                   <a:srgbClr val="7F7F7F"/>
                 </a:solidFill>
@@ -23841,7 +23841,7 @@
               <a:t>*</a:t>
             </a:r>
             <a:r>
-              <a:rPr lang="en" sz="2000">
+              <a:rPr lang="en" sz="2000" dirty="0">
                 <a:solidFill>
                   <a:srgbClr val="7F7F7F"/>
                 </a:solidFill>
@@ -23853,7 +23853,7 @@
               <a:t> to fit the parameter vector </a:t>
             </a:r>
             <a:r>
-              <a:rPr lang="en" sz="2000" i="1">
+              <a:rPr lang="en" sz="2000" i="1" dirty="0">
                 <a:solidFill>
                   <a:srgbClr val="7F7F7F"/>
                 </a:solidFill>
@@ -23911,7 +23911,7 @@
         </p:blipFill>
         <p:spPr>
           <a:xfrm>
-            <a:off x="3174612" y="2745550"/>
+            <a:off x="3174612" y="2560616"/>
             <a:ext cx="2794775" cy="1553775"/>
           </a:xfrm>
           <a:prstGeom prst="rect">
@@ -24069,7 +24069,7 @@
               <a:buNone/>
             </a:pPr>
             <a:r>
-              <a:rPr lang="en" sz="2000">
+              <a:rPr lang="en" sz="2000" dirty="0">
                 <a:latin typeface="Questrial"/>
                 <a:ea typeface="Questrial"/>
                 <a:cs typeface="Questrial"/>
@@ -24078,7 +24078,7 @@
               <a:t>‣ </a:t>
             </a:r>
             <a:r>
-              <a:rPr lang="en" sz="2000">
+              <a:rPr lang="en" sz="2000" dirty="0">
                 <a:solidFill>
                   <a:srgbClr val="7F7F7F"/>
                 </a:solidFill>
@@ -24098,7 +24098,7 @@
               <a:buNone/>
             </a:pPr>
             <a:r>
-              <a:rPr lang="en" sz="2000">
+              <a:rPr lang="en" sz="2000" dirty="0">
                 <a:latin typeface="Questrial"/>
                 <a:ea typeface="Questrial"/>
                 <a:cs typeface="Questrial"/>
@@ -24107,7 +24107,7 @@
               <a:t>‣ </a:t>
             </a:r>
             <a:r>
-              <a:rPr lang="en" sz="2000">
+              <a:rPr lang="en" sz="2000" dirty="0">
                 <a:solidFill>
                   <a:srgbClr val="7F7F7F"/>
                 </a:solidFill>
@@ -24127,7 +24127,7 @@
               <a:buNone/>
             </a:pPr>
             <a:r>
-              <a:rPr lang="en" sz="2000">
+              <a:rPr lang="en" sz="2000" dirty="0">
                 <a:latin typeface="Questrial"/>
                 <a:ea typeface="Questrial"/>
                 <a:cs typeface="Questrial"/>
@@ -24136,7 +24136,7 @@
               <a:t>‣ </a:t>
             </a:r>
             <a:r>
-              <a:rPr lang="en" sz="2000">
+              <a:rPr lang="en" sz="2000" dirty="0">
                 <a:solidFill>
                   <a:srgbClr val="7F7F7F"/>
                 </a:solidFill>
@@ -24161,7 +24161,7 @@
               <a:buNone/>
             </a:pPr>
             <a:r>
-              <a:rPr lang="en" sz="2000">
+              <a:rPr lang="en" sz="2000" dirty="0">
                 <a:solidFill>
                   <a:srgbClr val="7F7F7F"/>
                 </a:solidFill>
@@ -24186,7 +24186,7 @@
               <a:buNone/>
             </a:pPr>
             <a:r>
-              <a:rPr lang="en" sz="2000">
+              <a:rPr lang="en" sz="2000" dirty="0">
                 <a:latin typeface="Questrial"/>
                 <a:ea typeface="Questrial"/>
                 <a:cs typeface="Questrial"/>
@@ -24195,7 +24195,7 @@
               <a:t>‣ </a:t>
             </a:r>
             <a:r>
-              <a:rPr lang="en">
+              <a:rPr lang="en" dirty="0">
                 <a:solidFill>
                   <a:srgbClr val="7F7F7F"/>
                 </a:solidFill>
@@ -24217,7 +24217,7 @@
               </a:spcBef>
               <a:buNone/>
             </a:pPr>
-            <a:endParaRPr sz="2000">
+            <a:endParaRPr sz="2000" dirty="0">
               <a:solidFill>
                 <a:srgbClr val="7F7F7F"/>
               </a:solidFill>
@@ -24241,7 +24241,7 @@
               <a:buFont typeface="Arial"/>
               <a:buNone/>
             </a:pPr>
-            <a:endParaRPr sz="2000">
+            <a:endParaRPr sz="2000" dirty="0">
               <a:solidFill>
                 <a:srgbClr val="7F7F7F"/>
               </a:solidFill>
@@ -24262,7 +24262,7 @@
               <a:buFont typeface="Arial"/>
               <a:buNone/>
             </a:pPr>
-            <a:endParaRPr sz="2000">
+            <a:endParaRPr sz="2000" dirty="0">
               <a:solidFill>
                 <a:srgbClr val="7F7F7F"/>
               </a:solidFill>
@@ -24289,7 +24289,7 @@
               <a:buFont typeface="Arial"/>
               <a:buNone/>
             </a:pPr>
-            <a:endParaRPr sz="2000">
+            <a:endParaRPr sz="2000" dirty="0">
               <a:solidFill>
                 <a:srgbClr val="7F7F7F"/>
               </a:solidFill>
@@ -25497,7 +25497,7 @@
               <a:buNone/>
             </a:pPr>
             <a:r>
-              <a:rPr lang="en" sz="2000">
+              <a:rPr lang="en" sz="2000" dirty="0">
                 <a:latin typeface="Questrial"/>
                 <a:ea typeface="Questrial"/>
                 <a:cs typeface="Questrial"/>
@@ -25506,7 +25506,7 @@
               <a:t>‣ </a:t>
             </a:r>
             <a:r>
-              <a:rPr lang="en" sz="2000">
+              <a:rPr lang="en" sz="2000" dirty="0">
                 <a:solidFill>
                   <a:srgbClr val="7F7F7F"/>
                 </a:solidFill>
@@ -25531,7 +25531,7 @@
               <a:buNone/>
             </a:pPr>
             <a:r>
-              <a:rPr lang="en" sz="2000">
+              <a:rPr lang="en" sz="2000" dirty="0">
                 <a:latin typeface="Questrial"/>
                 <a:ea typeface="Questrial"/>
                 <a:cs typeface="Questrial"/>
@@ -25540,7 +25540,7 @@
               <a:t>‣ </a:t>
             </a:r>
             <a:r>
-              <a:rPr lang="en" sz="2000">
+              <a:rPr lang="en" sz="2000" dirty="0">
                 <a:solidFill>
                   <a:srgbClr val="7F7F7F"/>
                 </a:solidFill>
@@ -25672,7 +25672,7 @@
         </p:nvGraphicFramePr>
         <p:xfrm>
           <a:off x="952500" y="3756025"/>
-          <a:ext cx="3000000" cy="3000000"/>
+          <a:ext cx="7239000" cy="1188630"/>
         </p:xfrm>
         <a:graphic>
           <a:graphicData uri="http://schemas.openxmlformats.org/drawingml/2006/table">
@@ -26173,7 +26173,7 @@
               <a:buNone/>
             </a:pPr>
             <a:r>
-              <a:rPr lang="en" sz="2000">
+              <a:rPr lang="en" sz="2000" dirty="0">
                 <a:latin typeface="Questrial"/>
                 <a:ea typeface="Questrial"/>
                 <a:cs typeface="Questrial"/>
@@ -26182,7 +26182,7 @@
               <a:t>‣ </a:t>
             </a:r>
             <a:r>
-              <a:rPr lang="en" sz="2000">
+              <a:rPr lang="en" sz="2000" dirty="0">
                 <a:solidFill>
                   <a:srgbClr val="7F7F7F"/>
                 </a:solidFill>
@@ -26207,7 +26207,7 @@
               <a:buNone/>
             </a:pPr>
             <a:r>
-              <a:rPr lang="en" sz="2000">
+              <a:rPr lang="en" sz="2000" dirty="0">
                 <a:latin typeface="Questrial"/>
                 <a:ea typeface="Questrial"/>
                 <a:cs typeface="Questrial"/>
@@ -26216,7 +26216,7 @@
               <a:t>‣ </a:t>
             </a:r>
             <a:r>
-              <a:rPr lang="en" sz="2000">
+              <a:rPr lang="en" sz="2000" dirty="0">
                 <a:solidFill>
                   <a:srgbClr val="7F7F7F"/>
                 </a:solidFill>
@@ -26228,7 +26228,7 @@
               <a:t>An</a:t>
             </a:r>
             <a:r>
-              <a:rPr lang="en" sz="2000">
+              <a:rPr lang="en" sz="2000" dirty="0">
                 <a:latin typeface="Questrial"/>
                 <a:ea typeface="Questrial"/>
                 <a:cs typeface="Questrial"/>
@@ -26237,7 +26237,7 @@
               <a:t> </a:t>
             </a:r>
             <a:r>
-              <a:rPr lang="en" sz="2000">
+              <a:rPr lang="en" sz="2000" dirty="0">
                 <a:solidFill>
                   <a:srgbClr val="7F7F7F"/>
                 </a:solidFill>
@@ -26256,7 +26256,7 @@
               </a:spcBef>
               <a:buNone/>
             </a:pPr>
-            <a:endParaRPr sz="2000">
+            <a:endParaRPr sz="2000" dirty="0">
               <a:solidFill>
                 <a:srgbClr val="7F7F7F"/>
               </a:solidFill>
@@ -27249,24 +27249,19 @@
                 <a:cs typeface="Questrial"/>
                 <a:sym typeface="Questrial"/>
               </a:rPr>
-              <a:t> Initially, the data was fetched by making API calls to the OMDb web API and was later stored in a SQLite database. However, the web server restricted us from fetching the data faster.</a:t>
-            </a:r>
-          </a:p>
-          <a:p>
-            <a:pPr marL="0" lvl="0" indent="0" rtl="0">
-              <a:spcBef>
-                <a:spcPts val="0"/>
-              </a:spcBef>
-              <a:buNone/>
-            </a:pPr>
-            <a:r>
-              <a:rPr lang="en" sz="2000">
+              <a:t> Initially, the data was fetched by making API calls to the OMDb web API and was later stored in </a:t>
+            </a:r>
+            <a:r>
+              <a:rPr lang="en" sz="2000" smtClean="0">
+                <a:solidFill>
+                  <a:srgbClr val="7F7F7F"/>
+                </a:solidFill>
                 <a:latin typeface="Questrial"/>
                 <a:ea typeface="Questrial"/>
                 <a:cs typeface="Questrial"/>
                 <a:sym typeface="Questrial"/>
               </a:rPr>
-              <a:t>‣</a:t>
+              <a:t>an </a:t>
             </a:r>
             <a:r>
               <a:rPr lang="en" sz="2000">
@@ -27278,40 +27273,81 @@
                 <a:cs typeface="Questrial"/>
                 <a:sym typeface="Questrial"/>
               </a:rPr>
-              <a:t> After making a generous donation to the website owner, we now regularly receive the requested movie data in an unparsed text file monthly.</a:t>
-            </a:r>
-          </a:p>
-          <a:p>
-            <a:pPr marL="0" lvl="0" indent="0" rtl="0">
-              <a:spcBef>
-                <a:spcPts val="0"/>
-              </a:spcBef>
-              <a:buClr>
-                <a:schemeClr val="dk1"/>
-              </a:buClr>
-              <a:buSzPct val="55000"/>
-              <a:buFont typeface="Arial"/>
-              <a:buNone/>
-            </a:pPr>
-            <a:r>
-              <a:rPr lang="en" sz="2000">
+              <a:t>SQLite database. </a:t>
+            </a:r>
+            <a:r>
+              <a:rPr lang="en" sz="2000" dirty="0">
+                <a:solidFill>
+                  <a:srgbClr val="7F7F7F"/>
+                </a:solidFill>
                 <a:latin typeface="Questrial"/>
                 <a:ea typeface="Questrial"/>
                 <a:cs typeface="Questrial"/>
                 <a:sym typeface="Questrial"/>
               </a:rPr>
-              <a:t>‣</a:t>
-            </a:r>
-            <a:r>
-              <a:rPr lang="en" sz="2000">
-                <a:solidFill>
-                  <a:srgbClr val="7F7F7F"/>
-                </a:solidFill>
+              <a:t>However, the web server restricted us from fetching the data faster.</a:t>
+            </a:r>
+          </a:p>
+          <a:p>
+            <a:pPr marL="0" lvl="0" indent="0" rtl="0">
+              <a:spcBef>
+                <a:spcPts val="0"/>
+              </a:spcBef>
+              <a:buNone/>
+            </a:pPr>
+            <a:r>
+              <a:rPr lang="en" sz="2000" dirty="0">
                 <a:latin typeface="Questrial"/>
                 <a:ea typeface="Questrial"/>
                 <a:cs typeface="Questrial"/>
                 <a:sym typeface="Questrial"/>
               </a:rPr>
+              <a:t>‣</a:t>
+            </a:r>
+            <a:r>
+              <a:rPr lang="en" sz="2000" dirty="0">
+                <a:solidFill>
+                  <a:srgbClr val="7F7F7F"/>
+                </a:solidFill>
+                <a:latin typeface="Questrial"/>
+                <a:ea typeface="Questrial"/>
+                <a:cs typeface="Questrial"/>
+                <a:sym typeface="Questrial"/>
+              </a:rPr>
+              <a:t> After making a generous donation to the website owner, we now regularly receive the requested movie data in an unparsed text file monthly.</a:t>
+            </a:r>
+          </a:p>
+          <a:p>
+            <a:pPr marL="0" lvl="0" indent="0" rtl="0">
+              <a:spcBef>
+                <a:spcPts val="0"/>
+              </a:spcBef>
+              <a:buClr>
+                <a:schemeClr val="dk1"/>
+              </a:buClr>
+              <a:buSzPct val="55000"/>
+              <a:buFont typeface="Arial"/>
+              <a:buNone/>
+            </a:pPr>
+            <a:r>
+              <a:rPr lang="en" sz="2000" dirty="0">
+                <a:latin typeface="Questrial"/>
+                <a:ea typeface="Questrial"/>
+                <a:cs typeface="Questrial"/>
+                <a:sym typeface="Questrial"/>
+              </a:rPr>
+              <a:t>‣</a:t>
+            </a:r>
+            <a:r>
+              <a:rPr lang="en" sz="2000" dirty="0">
+                <a:solidFill>
+                  <a:srgbClr val="7F7F7F"/>
+                </a:solidFill>
+                <a:latin typeface="Questrial"/>
+                <a:ea typeface="Questrial"/>
+                <a:cs typeface="Questrial"/>
+                <a:sym typeface="Questrial"/>
+              </a:rPr>
               <a:t> Since OMDb does not feature retrieval of box-office data, we personally web-scraped iMDB to fetch the same data.</a:t>
             </a:r>
           </a:p>
@@ -27322,7 +27358,7 @@
               </a:spcBef>
               <a:buNone/>
             </a:pPr>
-            <a:endParaRPr sz="2000">
+            <a:endParaRPr sz="2000" dirty="0">
               <a:solidFill>
                 <a:srgbClr val="7F7F7F"/>
               </a:solidFill>
@@ -27505,7 +27541,7 @@
               <a:buNone/>
             </a:pPr>
             <a:r>
-              <a:rPr lang="en" sz="2000">
+              <a:rPr lang="en" sz="2000" dirty="0">
                 <a:latin typeface="Questrial"/>
                 <a:ea typeface="Questrial"/>
                 <a:cs typeface="Questrial"/>
@@ -27514,7 +27550,7 @@
               <a:t>‣</a:t>
             </a:r>
             <a:r>
-              <a:rPr lang="en" sz="2000">
+              <a:rPr lang="en" sz="2000" dirty="0">
                 <a:solidFill>
                   <a:srgbClr val="7F7F7F"/>
                 </a:solidFill>
@@ -27534,7 +27570,7 @@
               <a:buNone/>
             </a:pPr>
             <a:r>
-              <a:rPr lang="en" sz="2000">
+              <a:rPr lang="en" sz="2000" dirty="0">
                 <a:latin typeface="Questrial"/>
                 <a:ea typeface="Questrial"/>
                 <a:cs typeface="Questrial"/>
@@ -27543,7 +27579,7 @@
               <a:t>‣</a:t>
             </a:r>
             <a:r>
-              <a:rPr lang="en" sz="2000">
+              <a:rPr lang="en" sz="2000" dirty="0">
                 <a:solidFill>
                   <a:srgbClr val="7F7F7F"/>
                 </a:solidFill>
@@ -27563,7 +27599,7 @@
               <a:buNone/>
             </a:pPr>
             <a:r>
-              <a:rPr lang="en" sz="2000">
+              <a:rPr lang="en" sz="2000" dirty="0">
                 <a:latin typeface="Questrial"/>
                 <a:ea typeface="Questrial"/>
                 <a:cs typeface="Questrial"/>
@@ -27572,7 +27608,7 @@
               <a:t>‣</a:t>
             </a:r>
             <a:r>
-              <a:rPr lang="en" sz="2000">
+              <a:rPr lang="en" sz="2000" dirty="0">
                 <a:solidFill>
                   <a:srgbClr val="7F7F7F"/>
                 </a:solidFill>
@@ -27592,7 +27628,7 @@
               <a:buNone/>
             </a:pPr>
             <a:r>
-              <a:rPr lang="en" sz="2000">
+              <a:rPr lang="en" sz="2000" dirty="0">
                 <a:latin typeface="Questrial"/>
                 <a:ea typeface="Questrial"/>
                 <a:cs typeface="Questrial"/>
@@ -27601,7 +27637,7 @@
               <a:t>‣</a:t>
             </a:r>
             <a:r>
-              <a:rPr lang="en" sz="2000">
+              <a:rPr lang="en" sz="2000" dirty="0">
                 <a:solidFill>
                   <a:srgbClr val="7F7F7F"/>
                 </a:solidFill>
@@ -27610,7 +27646,31 @@
                 <a:cs typeface="Questrial"/>
                 <a:sym typeface="Questrial"/>
               </a:rPr>
-              <a:t> Despite being a huge library of movies, iMDB does not have all the required data for a large chunk of the movies. This makes it impossible to filter out television movies as well as other television services such as pay-per-views.</a:t>
+              <a:t> Despite being a huge library of </a:t>
+            </a:r>
+            <a:r>
+              <a:rPr lang="en" sz="2000" dirty="0" smtClean="0">
+                <a:solidFill>
+                  <a:srgbClr val="7F7F7F"/>
+                </a:solidFill>
+                <a:latin typeface="Questrial"/>
+                <a:ea typeface="Questrial"/>
+                <a:cs typeface="Questrial"/>
+                <a:sym typeface="Questrial"/>
+              </a:rPr>
+              <a:t>movies, </a:t>
+            </a:r>
+            <a:r>
+              <a:rPr lang="en" sz="2000" dirty="0">
+                <a:solidFill>
+                  <a:srgbClr val="7F7F7F"/>
+                </a:solidFill>
+                <a:latin typeface="Questrial"/>
+                <a:ea typeface="Questrial"/>
+                <a:cs typeface="Questrial"/>
+                <a:sym typeface="Questrial"/>
+              </a:rPr>
+              <a:t>iMDB does not have all the required data for a large chunk of the movies. This makes it impossible to filter out television movies as well as other television services such as pay-per-views.</a:t>
             </a:r>
           </a:p>
           <a:p>
@@ -27620,7 +27680,7 @@
               </a:spcBef>
               <a:buNone/>
             </a:pPr>
-            <a:endParaRPr sz="2000">
+            <a:endParaRPr sz="2000" dirty="0">
               <a:solidFill>
                 <a:srgbClr val="7F7F7F"/>
               </a:solidFill>
@@ -27637,7 +27697,7 @@
               </a:spcBef>
               <a:buNone/>
             </a:pPr>
-            <a:endParaRPr sz="2000">
+            <a:endParaRPr sz="2000" dirty="0">
               <a:solidFill>
                 <a:srgbClr val="7F7F7F"/>
               </a:solidFill>
